--- a/Final Presentation.pptx
+++ b/Final Presentation.pptx
@@ -1,44 +1,44 @@
 
 <file path=ppt/presentation.xml><?xml version="1.0" encoding="utf-8"?>
-<p:presentation xmlns:a="http://schemas.openxmlformats.org/drawingml/2006/main" xmlns:r="http://schemas.openxmlformats.org/officeDocument/2006/relationships" xmlns:mc="http://schemas.openxmlformats.org/markup-compatibility/2006" xmlns:mv="urn:schemas-microsoft-com:mac:vml" xmlns:p="http://schemas.openxmlformats.org/presentationml/2006/main" xmlns:c="http://schemas.openxmlformats.org/drawingml/2006/chart" xmlns:dgm="http://schemas.openxmlformats.org/drawingml/2006/diagram" xmlns:o="urn:schemas-microsoft-com:office:office" xmlns:v="urn:schemas-microsoft-com:vml" xmlns:pvml="urn:schemas-microsoft-com:office:powerpoint" xmlns:com="http://schemas.openxmlformats.org/drawingml/2006/compatibility" xmlns:p14="http://schemas.microsoft.com/office/powerpoint/2010/main" xmlns:p15="http://schemas.microsoft.com/office/powerpoint/2012/main" xmlns:ahyp="http://schemas.microsoft.com/office/drawing/2018/hyperlinkcolor" autoCompressPictures="0" embedTrueTypeFonts="1" strictFirstAndLastChars="0" saveSubsetFonts="1">
+<p:presentation xmlns:a="http://schemas.openxmlformats.org/drawingml/2006/main" xmlns:r="http://schemas.openxmlformats.org/officeDocument/2006/relationships" xmlns:p="http://schemas.openxmlformats.org/presentationml/2006/main" strictFirstAndLastChars="0" embedTrueTypeFonts="1" saveSubsetFonts="1" autoCompressPictures="0">
   <p:sldMasterIdLst>
-    <p:sldMasterId id="2147483659" r:id="rId3"/>
+    <p:sldMasterId id="2147483659" r:id="rId1"/>
   </p:sldMasterIdLst>
   <p:notesMasterIdLst>
-    <p:notesMasterId r:id="rId4"/>
+    <p:notesMasterId r:id="rId14"/>
   </p:notesMasterIdLst>
   <p:sldIdLst>
-    <p:sldId id="256" r:id="rId5"/>
-    <p:sldId id="257" r:id="rId6"/>
-    <p:sldId id="258" r:id="rId7"/>
-    <p:sldId id="259" r:id="rId8"/>
-    <p:sldId id="260" r:id="rId9"/>
-    <p:sldId id="261" r:id="rId10"/>
-    <p:sldId id="262" r:id="rId11"/>
-    <p:sldId id="263" r:id="rId12"/>
-    <p:sldId id="264" r:id="rId13"/>
-    <p:sldId id="265" r:id="rId14"/>
-    <p:sldId id="266" r:id="rId15"/>
-    <p:sldId id="267" r:id="rId16"/>
+    <p:sldId id="256" r:id="rId2"/>
+    <p:sldId id="257" r:id="rId3"/>
+    <p:sldId id="258" r:id="rId4"/>
+    <p:sldId id="259" r:id="rId5"/>
+    <p:sldId id="260" r:id="rId6"/>
+    <p:sldId id="261" r:id="rId7"/>
+    <p:sldId id="262" r:id="rId8"/>
+    <p:sldId id="263" r:id="rId9"/>
+    <p:sldId id="264" r:id="rId10"/>
+    <p:sldId id="265" r:id="rId11"/>
+    <p:sldId id="266" r:id="rId12"/>
+    <p:sldId id="267" r:id="rId13"/>
   </p:sldIdLst>
-  <p:sldSz cy="5143500" cx="9144000"/>
+  <p:sldSz cx="9144000" cy="5143500" type="screen16x9"/>
   <p:notesSz cx="6858000" cy="9144000"/>
   <p:embeddedFontLst>
     <p:embeddedFont>
-      <p:font typeface="PT Sans Narrow"/>
-      <p:regular r:id="rId17"/>
-      <p:bold r:id="rId18"/>
+      <p:font typeface="Open Sans" panose="020B0606030504020204" pitchFamily="34" charset="0"/>
+      <p:regular r:id="rId15"/>
+      <p:bold r:id="rId16"/>
+      <p:italic r:id="rId17"/>
+      <p:boldItalic r:id="rId18"/>
     </p:embeddedFont>
     <p:embeddedFont>
-      <p:font typeface="Open Sans"/>
+      <p:font typeface="PT Sans Narrow" panose="020B0506020203020204" pitchFamily="34" charset="77"/>
       <p:regular r:id="rId19"/>
       <p:bold r:id="rId20"/>
-      <p:italic r:id="rId21"/>
-      <p:boldItalic r:id="rId22"/>
     </p:embeddedFont>
   </p:embeddedFontLst>
   <p:defaultTextStyle>
-    <a:defPPr lvl="0" marR="0" rtl="0" algn="l">
+    <a:defPPr marR="0" lvl="0" algn="l" rtl="0">
       <a:lnSpc>
         <a:spcPct val="100000"/>
       </a:lnSpc>
@@ -49,7 +49,7 @@
         <a:spcPts val="0"/>
       </a:spcAft>
     </a:defPPr>
-    <a:lvl1pPr lvl="0" marR="0" rtl="0" algn="l">
+    <a:lvl1pPr marR="0" lvl="0" algn="l" rtl="0">
       <a:lnSpc>
         <a:spcPct val="100000"/>
       </a:lnSpc>
@@ -63,7 +63,7 @@
         <a:srgbClr val="000000"/>
       </a:buClr>
       <a:buFont typeface="Arial"/>
-      <a:defRPr b="0" i="0" sz="1400" u="none" cap="none" strike="noStrike">
+      <a:defRPr sz="1400" b="0" i="0" u="none" strike="noStrike" cap="none">
         <a:solidFill>
           <a:srgbClr val="000000"/>
         </a:solidFill>
@@ -73,7 +73,7 @@
         <a:sym typeface="Arial"/>
       </a:defRPr>
     </a:lvl1pPr>
-    <a:lvl2pPr lvl="1" marR="0" rtl="0" algn="l">
+    <a:lvl2pPr marR="0" lvl="1" algn="l" rtl="0">
       <a:lnSpc>
         <a:spcPct val="100000"/>
       </a:lnSpc>
@@ -87,7 +87,7 @@
         <a:srgbClr val="000000"/>
       </a:buClr>
       <a:buFont typeface="Arial"/>
-      <a:defRPr b="0" i="0" sz="1400" u="none" cap="none" strike="noStrike">
+      <a:defRPr sz="1400" b="0" i="0" u="none" strike="noStrike" cap="none">
         <a:solidFill>
           <a:srgbClr val="000000"/>
         </a:solidFill>
@@ -97,7 +97,7 @@
         <a:sym typeface="Arial"/>
       </a:defRPr>
     </a:lvl2pPr>
-    <a:lvl3pPr lvl="2" marR="0" rtl="0" algn="l">
+    <a:lvl3pPr marR="0" lvl="2" algn="l" rtl="0">
       <a:lnSpc>
         <a:spcPct val="100000"/>
       </a:lnSpc>
@@ -111,7 +111,7 @@
         <a:srgbClr val="000000"/>
       </a:buClr>
       <a:buFont typeface="Arial"/>
-      <a:defRPr b="0" i="0" sz="1400" u="none" cap="none" strike="noStrike">
+      <a:defRPr sz="1400" b="0" i="0" u="none" strike="noStrike" cap="none">
         <a:solidFill>
           <a:srgbClr val="000000"/>
         </a:solidFill>
@@ -121,7 +121,7 @@
         <a:sym typeface="Arial"/>
       </a:defRPr>
     </a:lvl3pPr>
-    <a:lvl4pPr lvl="3" marR="0" rtl="0" algn="l">
+    <a:lvl4pPr marR="0" lvl="3" algn="l" rtl="0">
       <a:lnSpc>
         <a:spcPct val="100000"/>
       </a:lnSpc>
@@ -135,7 +135,7 @@
         <a:srgbClr val="000000"/>
       </a:buClr>
       <a:buFont typeface="Arial"/>
-      <a:defRPr b="0" i="0" sz="1400" u="none" cap="none" strike="noStrike">
+      <a:defRPr sz="1400" b="0" i="0" u="none" strike="noStrike" cap="none">
         <a:solidFill>
           <a:srgbClr val="000000"/>
         </a:solidFill>
@@ -145,7 +145,7 @@
         <a:sym typeface="Arial"/>
       </a:defRPr>
     </a:lvl4pPr>
-    <a:lvl5pPr lvl="4" marR="0" rtl="0" algn="l">
+    <a:lvl5pPr marR="0" lvl="4" algn="l" rtl="0">
       <a:lnSpc>
         <a:spcPct val="100000"/>
       </a:lnSpc>
@@ -159,7 +159,7 @@
         <a:srgbClr val="000000"/>
       </a:buClr>
       <a:buFont typeface="Arial"/>
-      <a:defRPr b="0" i="0" sz="1400" u="none" cap="none" strike="noStrike">
+      <a:defRPr sz="1400" b="0" i="0" u="none" strike="noStrike" cap="none">
         <a:solidFill>
           <a:srgbClr val="000000"/>
         </a:solidFill>
@@ -169,7 +169,7 @@
         <a:sym typeface="Arial"/>
       </a:defRPr>
     </a:lvl5pPr>
-    <a:lvl6pPr lvl="5" marR="0" rtl="0" algn="l">
+    <a:lvl6pPr marR="0" lvl="5" algn="l" rtl="0">
       <a:lnSpc>
         <a:spcPct val="100000"/>
       </a:lnSpc>
@@ -183,7 +183,7 @@
         <a:srgbClr val="000000"/>
       </a:buClr>
       <a:buFont typeface="Arial"/>
-      <a:defRPr b="0" i="0" sz="1400" u="none" cap="none" strike="noStrike">
+      <a:defRPr sz="1400" b="0" i="0" u="none" strike="noStrike" cap="none">
         <a:solidFill>
           <a:srgbClr val="000000"/>
         </a:solidFill>
@@ -193,7 +193,7 @@
         <a:sym typeface="Arial"/>
       </a:defRPr>
     </a:lvl6pPr>
-    <a:lvl7pPr lvl="6" marR="0" rtl="0" algn="l">
+    <a:lvl7pPr marR="0" lvl="6" algn="l" rtl="0">
       <a:lnSpc>
         <a:spcPct val="100000"/>
       </a:lnSpc>
@@ -207,7 +207,7 @@
         <a:srgbClr val="000000"/>
       </a:buClr>
       <a:buFont typeface="Arial"/>
-      <a:defRPr b="0" i="0" sz="1400" u="none" cap="none" strike="noStrike">
+      <a:defRPr sz="1400" b="0" i="0" u="none" strike="noStrike" cap="none">
         <a:solidFill>
           <a:srgbClr val="000000"/>
         </a:solidFill>
@@ -217,7 +217,7 @@
         <a:sym typeface="Arial"/>
       </a:defRPr>
     </a:lvl7pPr>
-    <a:lvl8pPr lvl="7" marR="0" rtl="0" algn="l">
+    <a:lvl8pPr marR="0" lvl="7" algn="l" rtl="0">
       <a:lnSpc>
         <a:spcPct val="100000"/>
       </a:lnSpc>
@@ -231,7 +231,7 @@
         <a:srgbClr val="000000"/>
       </a:buClr>
       <a:buFont typeface="Arial"/>
-      <a:defRPr b="0" i="0" sz="1400" u="none" cap="none" strike="noStrike">
+      <a:defRPr sz="1400" b="0" i="0" u="none" strike="noStrike" cap="none">
         <a:solidFill>
           <a:srgbClr val="000000"/>
         </a:solidFill>
@@ -241,7 +241,7 @@
         <a:sym typeface="Arial"/>
       </a:defRPr>
     </a:lvl8pPr>
-    <a:lvl9pPr lvl="8" marR="0" rtl="0" algn="l">
+    <a:lvl9pPr marR="0" lvl="8" algn="l" rtl="0">
       <a:lnSpc>
         <a:spcPct val="100000"/>
       </a:lnSpc>
@@ -255,7 +255,7 @@
         <a:srgbClr val="000000"/>
       </a:buClr>
       <a:buFont typeface="Arial"/>
-      <a:defRPr b="0" i="0" sz="1400" u="none" cap="none" strike="noStrike">
+      <a:defRPr sz="1400" b="0" i="0" u="none" strike="noStrike" cap="none">
         <a:solidFill>
           <a:srgbClr val="000000"/>
         </a:solidFill>
@@ -270,11 +270,16 @@
 </file>
 
 <file path=ppt/notesMasters/notesMaster1.xml><?xml version="1.0" encoding="utf-8"?>
-<p:notesMaster xmlns:a="http://schemas.openxmlformats.org/drawingml/2006/main" xmlns:r="http://schemas.openxmlformats.org/officeDocument/2006/relationships" xmlns:mc="http://schemas.openxmlformats.org/markup-compatibility/2006" xmlns:mv="urn:schemas-microsoft-com:mac:vml" xmlns:p="http://schemas.openxmlformats.org/presentationml/2006/main" xmlns:c="http://schemas.openxmlformats.org/drawingml/2006/chart" xmlns:dgm="http://schemas.openxmlformats.org/drawingml/2006/diagram" xmlns:o="urn:schemas-microsoft-com:office:office" xmlns:v="urn:schemas-microsoft-com:vml" xmlns:pvml="urn:schemas-microsoft-com:office:powerpoint" xmlns:com="http://schemas.openxmlformats.org/drawingml/2006/compatibility" xmlns:p14="http://schemas.microsoft.com/office/powerpoint/2010/main" xmlns:p15="http://schemas.microsoft.com/office/powerpoint/2012/main" xmlns:ahyp="http://schemas.microsoft.com/office/drawing/2018/hyperlinkcolor">
+<p:notesMaster xmlns:a="http://schemas.openxmlformats.org/drawingml/2006/main" xmlns:r="http://schemas.openxmlformats.org/officeDocument/2006/relationships" xmlns:p="http://schemas.openxmlformats.org/presentationml/2006/main">
   <p:cSld>
+    <p:bg>
+      <p:bgRef idx="1001">
+        <a:schemeClr val="bg1"/>
+      </p:bgRef>
+    </p:bg>
     <p:spTree>
       <p:nvGrpSpPr>
-        <p:cNvPr id="2" name="Shape 2"/>
+        <p:cNvPr id="1" name="Shape 2"/>
         <p:cNvGrpSpPr/>
         <p:nvPr/>
       </p:nvGrpSpPr>
@@ -289,9 +294,11 @@
       <p:sp>
         <p:nvSpPr>
           <p:cNvPr id="3" name="Google Shape;3;n"/>
-          <p:cNvSpPr/>
+          <p:cNvSpPr>
+            <a:spLocks noGrp="1" noRot="1" noChangeAspect="1"/>
+          </p:cNvSpPr>
           <p:nvPr>
-            <p:ph idx="2" type="sldImg"/>
+            <p:ph type="sldImg" idx="2"/>
           </p:nvPr>
         </p:nvSpPr>
         <p:spPr>
@@ -300,9 +307,13 @@
             <a:ext cx="6096075" cy="3429000"/>
           </a:xfrm>
           <a:custGeom>
-            <a:rect b="b" l="l" r="r" t="t"/>
+            <a:avLst/>
+            <a:gdLst/>
+            <a:ahLst/>
+            <a:cxnLst/>
+            <a:rect l="l" t="t" r="r" b="b"/>
             <a:pathLst>
-              <a:path extrusionOk="0" h="120000" w="120000">
+              <a:path w="120000" h="120000" extrusionOk="0">
                 <a:moveTo>
                   <a:pt x="0" y="0"/>
                 </a:moveTo>
@@ -320,23 +331,25 @@
             </a:pathLst>
           </a:custGeom>
           <a:noFill/>
-          <a:ln cap="flat" cmpd="sng" w="9525">
+          <a:ln w="9525" cap="flat" cmpd="sng">
             <a:solidFill>
               <a:srgbClr val="000000"/>
             </a:solidFill>
             <a:prstDash val="solid"/>
             <a:round/>
-            <a:headEnd len="sm" w="sm" type="none"/>
-            <a:tailEnd len="sm" w="sm" type="none"/>
+            <a:headEnd type="none" w="sm" len="sm"/>
+            <a:tailEnd type="none" w="sm" len="sm"/>
           </a:ln>
         </p:spPr>
       </p:sp>
       <p:sp>
         <p:nvSpPr>
           <p:cNvPr id="4" name="Google Shape;4;n"/>
-          <p:cNvSpPr txBox="1"/>
+          <p:cNvSpPr txBox="1">
+            <a:spLocks noGrp="1"/>
+          </p:cNvSpPr>
           <p:nvPr>
-            <p:ph idx="1" type="body"/>
+            <p:ph type="body" idx="1"/>
           </p:nvPr>
         </p:nvSpPr>
         <p:spPr>
@@ -353,11 +366,11 @@
           </a:ln>
         </p:spPr>
         <p:txBody>
-          <a:bodyPr anchorCtr="0" anchor="t" bIns="91425" lIns="91425" spcFirstLastPara="1" rIns="91425" wrap="square" tIns="91425">
+          <a:bodyPr spcFirstLastPara="1" wrap="square" lIns="91425" tIns="91425" rIns="91425" bIns="91425" anchor="t" anchorCtr="0">
             <a:noAutofit/>
           </a:bodyPr>
           <a:lstStyle>
-            <a:lvl1pPr indent="-298450" lvl="0" marL="457200">
+            <a:lvl1pPr marL="457200" lvl="0" indent="-298450">
               <a:spcBef>
                 <a:spcPts val="0"/>
               </a:spcBef>
@@ -368,7 +381,7 @@
               <a:buChar char="●"/>
               <a:defRPr sz="1100"/>
             </a:lvl1pPr>
-            <a:lvl2pPr indent="-298450" lvl="1" marL="914400">
+            <a:lvl2pPr marL="914400" lvl="1" indent="-298450">
               <a:spcBef>
                 <a:spcPts val="0"/>
               </a:spcBef>
@@ -379,7 +392,7 @@
               <a:buChar char="○"/>
               <a:defRPr sz="1100"/>
             </a:lvl2pPr>
-            <a:lvl3pPr indent="-298450" lvl="2" marL="1371600">
+            <a:lvl3pPr marL="1371600" lvl="2" indent="-298450">
               <a:spcBef>
                 <a:spcPts val="0"/>
               </a:spcBef>
@@ -390,7 +403,7 @@
               <a:buChar char="■"/>
               <a:defRPr sz="1100"/>
             </a:lvl3pPr>
-            <a:lvl4pPr indent="-298450" lvl="3" marL="1828800">
+            <a:lvl4pPr marL="1828800" lvl="3" indent="-298450">
               <a:spcBef>
                 <a:spcPts val="0"/>
               </a:spcBef>
@@ -401,7 +414,7 @@
               <a:buChar char="●"/>
               <a:defRPr sz="1100"/>
             </a:lvl4pPr>
-            <a:lvl5pPr indent="-298450" lvl="4" marL="2286000">
+            <a:lvl5pPr marL="2286000" lvl="4" indent="-298450">
               <a:spcBef>
                 <a:spcPts val="0"/>
               </a:spcBef>
@@ -412,7 +425,7 @@
               <a:buChar char="○"/>
               <a:defRPr sz="1100"/>
             </a:lvl5pPr>
-            <a:lvl6pPr indent="-298450" lvl="5" marL="2743200">
+            <a:lvl6pPr marL="2743200" lvl="5" indent="-298450">
               <a:spcBef>
                 <a:spcPts val="0"/>
               </a:spcBef>
@@ -423,7 +436,7 @@
               <a:buChar char="■"/>
               <a:defRPr sz="1100"/>
             </a:lvl6pPr>
-            <a:lvl7pPr indent="-298450" lvl="6" marL="3200400">
+            <a:lvl7pPr marL="3200400" lvl="6" indent="-298450">
               <a:spcBef>
                 <a:spcPts val="0"/>
               </a:spcBef>
@@ -434,7 +447,7 @@
               <a:buChar char="●"/>
               <a:defRPr sz="1100"/>
             </a:lvl7pPr>
-            <a:lvl8pPr indent="-298450" lvl="7" marL="3657600">
+            <a:lvl8pPr marL="3657600" lvl="7" indent="-298450">
               <a:spcBef>
                 <a:spcPts val="0"/>
               </a:spcBef>
@@ -445,7 +458,7 @@
               <a:buChar char="○"/>
               <a:defRPr sz="1100"/>
             </a:lvl8pPr>
-            <a:lvl9pPr indent="-298450" lvl="8" marL="4114800">
+            <a:lvl9pPr marL="4114800" lvl="8" indent="-298450">
               <a:spcBef>
                 <a:spcPts val="0"/>
               </a:spcBef>
@@ -457,14 +470,16 @@
               <a:defRPr sz="1100"/>
             </a:lvl9pPr>
           </a:lstStyle>
-          <a:p/>
+          <a:p>
+            <a:endParaRPr/>
+          </a:p>
         </p:txBody>
       </p:sp>
     </p:spTree>
   </p:cSld>
-  <p:clrMap accent1="accent1" accent2="accent2" accent3="accent3" accent4="accent4" accent5="accent5" accent6="accent6" bg1="lt1" bg2="dk2" tx1="dk1" tx2="lt2" folHlink="folHlink" hlink="hlink"/>
+  <p:clrMap bg1="lt1" tx1="dk1" bg2="dk2" tx2="lt2" accent1="accent1" accent2="accent2" accent3="accent3" accent4="accent4" accent5="accent5" accent6="accent6" hlink="hlink" folHlink="folHlink"/>
   <p:notesStyle>
-    <a:defPPr lvl="0" marR="0" rtl="0" algn="l">
+    <a:defPPr marR="0" lvl="0" algn="l" rtl="0">
       <a:lnSpc>
         <a:spcPct val="100000"/>
       </a:lnSpc>
@@ -475,7 +490,7 @@
         <a:spcPts val="0"/>
       </a:spcAft>
     </a:defPPr>
-    <a:lvl1pPr lvl="0" marR="0" rtl="0" algn="l">
+    <a:lvl1pPr marR="0" lvl="0" algn="l" rtl="0">
       <a:lnSpc>
         <a:spcPct val="100000"/>
       </a:lnSpc>
@@ -489,7 +504,7 @@
         <a:srgbClr val="000000"/>
       </a:buClr>
       <a:buFont typeface="Arial"/>
-      <a:defRPr b="0" i="0" sz="1400" u="none" cap="none" strike="noStrike">
+      <a:defRPr sz="1400" b="0" i="0" u="none" strike="noStrike" cap="none">
         <a:solidFill>
           <a:srgbClr val="000000"/>
         </a:solidFill>
@@ -499,7 +514,7 @@
         <a:sym typeface="Arial"/>
       </a:defRPr>
     </a:lvl1pPr>
-    <a:lvl2pPr lvl="1" marR="0" rtl="0" algn="l">
+    <a:lvl2pPr marR="0" lvl="1" algn="l" rtl="0">
       <a:lnSpc>
         <a:spcPct val="100000"/>
       </a:lnSpc>
@@ -513,7 +528,7 @@
         <a:srgbClr val="000000"/>
       </a:buClr>
       <a:buFont typeface="Arial"/>
-      <a:defRPr b="0" i="0" sz="1400" u="none" cap="none" strike="noStrike">
+      <a:defRPr sz="1400" b="0" i="0" u="none" strike="noStrike" cap="none">
         <a:solidFill>
           <a:srgbClr val="000000"/>
         </a:solidFill>
@@ -523,7 +538,7 @@
         <a:sym typeface="Arial"/>
       </a:defRPr>
     </a:lvl2pPr>
-    <a:lvl3pPr lvl="2" marR="0" rtl="0" algn="l">
+    <a:lvl3pPr marR="0" lvl="2" algn="l" rtl="0">
       <a:lnSpc>
         <a:spcPct val="100000"/>
       </a:lnSpc>
@@ -537,7 +552,7 @@
         <a:srgbClr val="000000"/>
       </a:buClr>
       <a:buFont typeface="Arial"/>
-      <a:defRPr b="0" i="0" sz="1400" u="none" cap="none" strike="noStrike">
+      <a:defRPr sz="1400" b="0" i="0" u="none" strike="noStrike" cap="none">
         <a:solidFill>
           <a:srgbClr val="000000"/>
         </a:solidFill>
@@ -547,7 +562,7 @@
         <a:sym typeface="Arial"/>
       </a:defRPr>
     </a:lvl3pPr>
-    <a:lvl4pPr lvl="3" marR="0" rtl="0" algn="l">
+    <a:lvl4pPr marR="0" lvl="3" algn="l" rtl="0">
       <a:lnSpc>
         <a:spcPct val="100000"/>
       </a:lnSpc>
@@ -561,7 +576,7 @@
         <a:srgbClr val="000000"/>
       </a:buClr>
       <a:buFont typeface="Arial"/>
-      <a:defRPr b="0" i="0" sz="1400" u="none" cap="none" strike="noStrike">
+      <a:defRPr sz="1400" b="0" i="0" u="none" strike="noStrike" cap="none">
         <a:solidFill>
           <a:srgbClr val="000000"/>
         </a:solidFill>
@@ -571,7 +586,7 @@
         <a:sym typeface="Arial"/>
       </a:defRPr>
     </a:lvl4pPr>
-    <a:lvl5pPr lvl="4" marR="0" rtl="0" algn="l">
+    <a:lvl5pPr marR="0" lvl="4" algn="l" rtl="0">
       <a:lnSpc>
         <a:spcPct val="100000"/>
       </a:lnSpc>
@@ -585,7 +600,7 @@
         <a:srgbClr val="000000"/>
       </a:buClr>
       <a:buFont typeface="Arial"/>
-      <a:defRPr b="0" i="0" sz="1400" u="none" cap="none" strike="noStrike">
+      <a:defRPr sz="1400" b="0" i="0" u="none" strike="noStrike" cap="none">
         <a:solidFill>
           <a:srgbClr val="000000"/>
         </a:solidFill>
@@ -595,7 +610,7 @@
         <a:sym typeface="Arial"/>
       </a:defRPr>
     </a:lvl5pPr>
-    <a:lvl6pPr lvl="5" marR="0" rtl="0" algn="l">
+    <a:lvl6pPr marR="0" lvl="5" algn="l" rtl="0">
       <a:lnSpc>
         <a:spcPct val="100000"/>
       </a:lnSpc>
@@ -609,7 +624,7 @@
         <a:srgbClr val="000000"/>
       </a:buClr>
       <a:buFont typeface="Arial"/>
-      <a:defRPr b="0" i="0" sz="1400" u="none" cap="none" strike="noStrike">
+      <a:defRPr sz="1400" b="0" i="0" u="none" strike="noStrike" cap="none">
         <a:solidFill>
           <a:srgbClr val="000000"/>
         </a:solidFill>
@@ -619,7 +634,7 @@
         <a:sym typeface="Arial"/>
       </a:defRPr>
     </a:lvl6pPr>
-    <a:lvl7pPr lvl="6" marR="0" rtl="0" algn="l">
+    <a:lvl7pPr marR="0" lvl="6" algn="l" rtl="0">
       <a:lnSpc>
         <a:spcPct val="100000"/>
       </a:lnSpc>
@@ -633,7 +648,7 @@
         <a:srgbClr val="000000"/>
       </a:buClr>
       <a:buFont typeface="Arial"/>
-      <a:defRPr b="0" i="0" sz="1400" u="none" cap="none" strike="noStrike">
+      <a:defRPr sz="1400" b="0" i="0" u="none" strike="noStrike" cap="none">
         <a:solidFill>
           <a:srgbClr val="000000"/>
         </a:solidFill>
@@ -643,7 +658,7 @@
         <a:sym typeface="Arial"/>
       </a:defRPr>
     </a:lvl7pPr>
-    <a:lvl8pPr lvl="7" marR="0" rtl="0" algn="l">
+    <a:lvl8pPr marR="0" lvl="7" algn="l" rtl="0">
       <a:lnSpc>
         <a:spcPct val="100000"/>
       </a:lnSpc>
@@ -657,7 +672,7 @@
         <a:srgbClr val="000000"/>
       </a:buClr>
       <a:buFont typeface="Arial"/>
-      <a:defRPr b="0" i="0" sz="1400" u="none" cap="none" strike="noStrike">
+      <a:defRPr sz="1400" b="0" i="0" u="none" strike="noStrike" cap="none">
         <a:solidFill>
           <a:srgbClr val="000000"/>
         </a:solidFill>
@@ -667,7 +682,7 @@
         <a:sym typeface="Arial"/>
       </a:defRPr>
     </a:lvl8pPr>
-    <a:lvl9pPr lvl="8" marR="0" rtl="0" algn="l">
+    <a:lvl9pPr marR="0" lvl="8" algn="l" rtl="0">
       <a:lnSpc>
         <a:spcPct val="100000"/>
       </a:lnSpc>
@@ -681,7 +696,7 @@
         <a:srgbClr val="000000"/>
       </a:buClr>
       <a:buFont typeface="Arial"/>
-      <a:defRPr b="0" i="0" sz="1400" u="none" cap="none" strike="noStrike">
+      <a:defRPr sz="1400" b="0" i="0" u="none" strike="noStrike" cap="none">
         <a:solidFill>
           <a:srgbClr val="000000"/>
         </a:solidFill>
@@ -696,11 +711,11 @@
 </file>
 
 <file path=ppt/notesSlides/notesSlide1.xml><?xml version="1.0" encoding="utf-8"?>
-<p:notes xmlns:a="http://schemas.openxmlformats.org/drawingml/2006/main" xmlns:r="http://schemas.openxmlformats.org/officeDocument/2006/relationships" xmlns:mc="http://schemas.openxmlformats.org/markup-compatibility/2006" xmlns:mv="urn:schemas-microsoft-com:mac:vml" xmlns:p="http://schemas.openxmlformats.org/presentationml/2006/main" xmlns:c="http://schemas.openxmlformats.org/drawingml/2006/chart" xmlns:dgm="http://schemas.openxmlformats.org/drawingml/2006/diagram" xmlns:o="urn:schemas-microsoft-com:office:office" xmlns:v="urn:schemas-microsoft-com:vml" xmlns:pvml="urn:schemas-microsoft-com:office:powerpoint" xmlns:com="http://schemas.openxmlformats.org/drawingml/2006/compatibility" xmlns:p14="http://schemas.microsoft.com/office/powerpoint/2010/main" xmlns:p15="http://schemas.microsoft.com/office/powerpoint/2012/main" xmlns:ahyp="http://schemas.microsoft.com/office/drawing/2018/hyperlinkcolor" showMasterPhAnim="0" showMasterSp="0">
+<p:notes xmlns:a="http://schemas.openxmlformats.org/drawingml/2006/main" xmlns:r="http://schemas.openxmlformats.org/officeDocument/2006/relationships" xmlns:p="http://schemas.openxmlformats.org/presentationml/2006/main" showMasterSp="0" showMasterPhAnim="0">
   <p:cSld>
     <p:spTree>
       <p:nvGrpSpPr>
-        <p:cNvPr id="62" name="Shape 62"/>
+        <p:cNvPr id="1" name="Shape 62"/>
         <p:cNvGrpSpPr/>
         <p:nvPr/>
       </p:nvGrpSpPr>
@@ -715,9 +730,11 @@
       <p:sp>
         <p:nvSpPr>
           <p:cNvPr id="63" name="Google Shape;63;p:notes"/>
-          <p:cNvSpPr/>
+          <p:cNvSpPr>
+            <a:spLocks noGrp="1" noRot="1" noChangeAspect="1"/>
+          </p:cNvSpPr>
           <p:nvPr>
-            <p:ph idx="2" type="sldImg"/>
+            <p:ph type="sldImg" idx="2"/>
           </p:nvPr>
         </p:nvSpPr>
         <p:spPr>
@@ -726,9 +743,13 @@
             <a:ext cx="6096075" cy="3429000"/>
           </a:xfrm>
           <a:custGeom>
-            <a:rect b="b" l="l" r="r" t="t"/>
+            <a:avLst/>
+            <a:gdLst/>
+            <a:ahLst/>
+            <a:cxnLst/>
+            <a:rect l="l" t="t" r="r" b="b"/>
             <a:pathLst>
-              <a:path extrusionOk="0" h="120000" w="120000">
+              <a:path w="120000" h="120000" extrusionOk="0">
                 <a:moveTo>
                   <a:pt x="0" y="0"/>
                 </a:moveTo>
@@ -750,9 +771,11 @@
       <p:sp>
         <p:nvSpPr>
           <p:cNvPr id="64" name="Google Shape;64;p:notes"/>
-          <p:cNvSpPr txBox="1"/>
+          <p:cNvSpPr txBox="1">
+            <a:spLocks noGrp="1"/>
+          </p:cNvSpPr>
           <p:nvPr>
-            <p:ph idx="1" type="body"/>
+            <p:ph type="body" idx="1"/>
           </p:nvPr>
         </p:nvSpPr>
         <p:spPr>
@@ -765,12 +788,12 @@
           </a:prstGeom>
         </p:spPr>
         <p:txBody>
-          <a:bodyPr anchorCtr="0" anchor="t" bIns="91425" lIns="91425" spcFirstLastPara="1" rIns="91425" wrap="square" tIns="91425">
+          <a:bodyPr spcFirstLastPara="1" wrap="square" lIns="91425" tIns="91425" rIns="91425" bIns="91425" anchor="t" anchorCtr="0">
             <a:noAutofit/>
           </a:bodyPr>
           <a:lstStyle/>
           <a:p>
-            <a:pPr indent="0" lvl="0" marL="0" rtl="0" algn="l">
+            <a:pPr marL="0" lvl="0" indent="0" algn="l" rtl="0">
               <a:spcBef>
                 <a:spcPts val="0"/>
               </a:spcBef>
@@ -786,7 +809,7 @@
             <a:endParaRPr/>
           </a:p>
           <a:p>
-            <a:pPr indent="-298450" lvl="0" marL="457200" rtl="0" algn="l">
+            <a:pPr marL="457200" lvl="0" indent="-298450" algn="l" rtl="0">
               <a:spcBef>
                 <a:spcPts val="0"/>
               </a:spcBef>
@@ -803,7 +826,7 @@
             <a:endParaRPr/>
           </a:p>
           <a:p>
-            <a:pPr indent="-298450" lvl="0" marL="457200" rtl="0" algn="l">
+            <a:pPr marL="457200" lvl="0" indent="-298450" algn="l" rtl="0">
               <a:spcBef>
                 <a:spcPts val="0"/>
               </a:spcBef>
@@ -830,11 +853,11 @@
 </file>
 
 <file path=ppt/notesSlides/notesSlide10.xml><?xml version="1.0" encoding="utf-8"?>
-<p:notes xmlns:a="http://schemas.openxmlformats.org/drawingml/2006/main" xmlns:r="http://schemas.openxmlformats.org/officeDocument/2006/relationships" xmlns:mc="http://schemas.openxmlformats.org/markup-compatibility/2006" xmlns:mv="urn:schemas-microsoft-com:mac:vml" xmlns:p="http://schemas.openxmlformats.org/presentationml/2006/main" xmlns:c="http://schemas.openxmlformats.org/drawingml/2006/chart" xmlns:dgm="http://schemas.openxmlformats.org/drawingml/2006/diagram" xmlns:o="urn:schemas-microsoft-com:office:office" xmlns:v="urn:schemas-microsoft-com:vml" xmlns:pvml="urn:schemas-microsoft-com:office:powerpoint" xmlns:com="http://schemas.openxmlformats.org/drawingml/2006/compatibility" xmlns:p14="http://schemas.microsoft.com/office/powerpoint/2010/main" xmlns:p15="http://schemas.microsoft.com/office/powerpoint/2012/main" xmlns:ahyp="http://schemas.microsoft.com/office/drawing/2018/hyperlinkcolor" showMasterPhAnim="0" showMasterSp="0">
+<p:notes xmlns:a="http://schemas.openxmlformats.org/drawingml/2006/main" xmlns:r="http://schemas.openxmlformats.org/officeDocument/2006/relationships" xmlns:p="http://schemas.openxmlformats.org/presentationml/2006/main" showMasterSp="0" showMasterPhAnim="0">
   <p:cSld>
     <p:spTree>
       <p:nvGrpSpPr>
-        <p:cNvPr id="118" name="Shape 118"/>
+        <p:cNvPr id="1" name="Shape 118"/>
         <p:cNvGrpSpPr/>
         <p:nvPr/>
       </p:nvGrpSpPr>
@@ -849,9 +872,11 @@
       <p:sp>
         <p:nvSpPr>
           <p:cNvPr id="119" name="Google Shape;119;g364d22cc8b_0_28:notes"/>
-          <p:cNvSpPr/>
+          <p:cNvSpPr>
+            <a:spLocks noGrp="1" noRot="1" noChangeAspect="1"/>
+          </p:cNvSpPr>
           <p:nvPr>
-            <p:ph idx="2" type="sldImg"/>
+            <p:ph type="sldImg" idx="2"/>
           </p:nvPr>
         </p:nvSpPr>
         <p:spPr>
@@ -860,9 +885,13 @@
             <a:ext cx="6096000" cy="3429000"/>
           </a:xfrm>
           <a:custGeom>
-            <a:rect b="b" l="l" r="r" t="t"/>
+            <a:avLst/>
+            <a:gdLst/>
+            <a:ahLst/>
+            <a:cxnLst/>
+            <a:rect l="l" t="t" r="r" b="b"/>
             <a:pathLst>
-              <a:path extrusionOk="0" h="120000" w="120000">
+              <a:path w="120000" h="120000" extrusionOk="0">
                 <a:moveTo>
                   <a:pt x="0" y="0"/>
                 </a:moveTo>
@@ -884,9 +913,11 @@
       <p:sp>
         <p:nvSpPr>
           <p:cNvPr id="120" name="Google Shape;120;g364d22cc8b_0_28:notes"/>
-          <p:cNvSpPr txBox="1"/>
+          <p:cNvSpPr txBox="1">
+            <a:spLocks noGrp="1"/>
+          </p:cNvSpPr>
           <p:nvPr>
-            <p:ph idx="1" type="body"/>
+            <p:ph type="body" idx="1"/>
           </p:nvPr>
         </p:nvSpPr>
         <p:spPr>
@@ -899,12 +930,12 @@
           </a:prstGeom>
         </p:spPr>
         <p:txBody>
-          <a:bodyPr anchorCtr="0" anchor="t" bIns="91425" lIns="91425" spcFirstLastPara="1" rIns="91425" wrap="square" tIns="91425">
+          <a:bodyPr spcFirstLastPara="1" wrap="square" lIns="91425" tIns="91425" rIns="91425" bIns="91425" anchor="t" anchorCtr="0">
             <a:noAutofit/>
           </a:bodyPr>
           <a:lstStyle/>
           <a:p>
-            <a:pPr indent="0" lvl="0" marL="0" rtl="0" algn="l">
+            <a:pPr marL="0" lvl="0" indent="0" algn="l" rtl="0">
               <a:spcBef>
                 <a:spcPts val="0"/>
               </a:spcBef>
@@ -930,11 +961,11 @@
 </file>
 
 <file path=ppt/notesSlides/notesSlide11.xml><?xml version="1.0" encoding="utf-8"?>
-<p:notes xmlns:a="http://schemas.openxmlformats.org/drawingml/2006/main" xmlns:r="http://schemas.openxmlformats.org/officeDocument/2006/relationships" xmlns:mc="http://schemas.openxmlformats.org/markup-compatibility/2006" xmlns:mv="urn:schemas-microsoft-com:mac:vml" xmlns:p="http://schemas.openxmlformats.org/presentationml/2006/main" xmlns:c="http://schemas.openxmlformats.org/drawingml/2006/chart" xmlns:dgm="http://schemas.openxmlformats.org/drawingml/2006/diagram" xmlns:o="urn:schemas-microsoft-com:office:office" xmlns:v="urn:schemas-microsoft-com:vml" xmlns:pvml="urn:schemas-microsoft-com:office:powerpoint" xmlns:com="http://schemas.openxmlformats.org/drawingml/2006/compatibility" xmlns:p14="http://schemas.microsoft.com/office/powerpoint/2010/main" xmlns:p15="http://schemas.microsoft.com/office/powerpoint/2012/main" xmlns:ahyp="http://schemas.microsoft.com/office/drawing/2018/hyperlinkcolor" showMasterPhAnim="0" showMasterSp="0">
+<p:notes xmlns:a="http://schemas.openxmlformats.org/drawingml/2006/main" xmlns:r="http://schemas.openxmlformats.org/officeDocument/2006/relationships" xmlns:p="http://schemas.openxmlformats.org/presentationml/2006/main" showMasterSp="0" showMasterPhAnim="0">
   <p:cSld>
     <p:spTree>
       <p:nvGrpSpPr>
-        <p:cNvPr id="124" name="Shape 124"/>
+        <p:cNvPr id="1" name="Shape 124"/>
         <p:cNvGrpSpPr/>
         <p:nvPr/>
       </p:nvGrpSpPr>
@@ -949,9 +980,11 @@
       <p:sp>
         <p:nvSpPr>
           <p:cNvPr id="125" name="Google Shape;125;g364d22cc8b_0_33:notes"/>
-          <p:cNvSpPr/>
+          <p:cNvSpPr>
+            <a:spLocks noGrp="1" noRot="1" noChangeAspect="1"/>
+          </p:cNvSpPr>
           <p:nvPr>
-            <p:ph idx="2" type="sldImg"/>
+            <p:ph type="sldImg" idx="2"/>
           </p:nvPr>
         </p:nvSpPr>
         <p:spPr>
@@ -960,9 +993,13 @@
             <a:ext cx="6096000" cy="3429000"/>
           </a:xfrm>
           <a:custGeom>
-            <a:rect b="b" l="l" r="r" t="t"/>
+            <a:avLst/>
+            <a:gdLst/>
+            <a:ahLst/>
+            <a:cxnLst/>
+            <a:rect l="l" t="t" r="r" b="b"/>
             <a:pathLst>
-              <a:path extrusionOk="0" h="120000" w="120000">
+              <a:path w="120000" h="120000" extrusionOk="0">
                 <a:moveTo>
                   <a:pt x="0" y="0"/>
                 </a:moveTo>
@@ -984,9 +1021,11 @@
       <p:sp>
         <p:nvSpPr>
           <p:cNvPr id="126" name="Google Shape;126;g364d22cc8b_0_33:notes"/>
-          <p:cNvSpPr txBox="1"/>
+          <p:cNvSpPr txBox="1">
+            <a:spLocks noGrp="1"/>
+          </p:cNvSpPr>
           <p:nvPr>
-            <p:ph idx="1" type="body"/>
+            <p:ph type="body" idx="1"/>
           </p:nvPr>
         </p:nvSpPr>
         <p:spPr>
@@ -999,12 +1038,12 @@
           </a:prstGeom>
         </p:spPr>
         <p:txBody>
-          <a:bodyPr anchorCtr="0" anchor="t" bIns="91425" lIns="91425" spcFirstLastPara="1" rIns="91425" wrap="square" tIns="91425">
+          <a:bodyPr spcFirstLastPara="1" wrap="square" lIns="91425" tIns="91425" rIns="91425" bIns="91425" anchor="t" anchorCtr="0">
             <a:noAutofit/>
           </a:bodyPr>
           <a:lstStyle/>
           <a:p>
-            <a:pPr indent="0" lvl="0" marL="0" rtl="0" algn="l">
+            <a:pPr marL="0" lvl="0" indent="0" algn="l" rtl="0">
               <a:spcBef>
                 <a:spcPts val="0"/>
               </a:spcBef>
@@ -1015,23 +1054,7 @@
             </a:pPr>
             <a:r>
               <a:rPr lang="en"/>
-              <a:t>Some </a:t>
-            </a:r>
-            <a:r>
-              <a:rPr lang="en"/>
-              <a:t>limitations</a:t>
-            </a:r>
-            <a:r>
-              <a:rPr lang="en"/>
-              <a:t> to the results I reached include the “best case scenario” assumptions I mentioned earlier. I assumed that students would take the shortest path in between classes, which is not necessarily the case but is a fair enough assumption to make. Also, the program did not check for class sizes/availability or class </a:t>
-            </a:r>
-            <a:r>
-              <a:rPr lang="en"/>
-              <a:t>compatibility</a:t>
-            </a:r>
-            <a:r>
-              <a:rPr lang="en"/>
-              <a:t> at all. In other words, it never checked to see if the same room was hosting two different classes at the same time. While I was looking for the fullest extent that this program could reduce hallway traffic, it is still noteworthy to say that a program with these parameters in check would provide a more realistic estimate as to how a program like this would impact the real world traffic.</a:t>
+              <a:t>Some limitations to the results I reached include the “best case scenario” assumptions I mentioned earlier. I assumed that students would take the shortest path in between classes, which is not necessarily the case but is a fair enough assumption to make. Also, the program did not check for class sizes/availability or class compatibility at all. In other words, it never checked to see if the same room was hosting two different classes at the same time. While I was looking for the fullest extent that this program could reduce hallway traffic, it is still noteworthy to say that a program with these parameters in check would provide a more realistic estimate as to how a program like this would impact the real world traffic.</a:t>
             </a:r>
             <a:endParaRPr/>
           </a:p>
@@ -1046,11 +1069,11 @@
 </file>
 
 <file path=ppt/notesSlides/notesSlide12.xml><?xml version="1.0" encoding="utf-8"?>
-<p:notes xmlns:a="http://schemas.openxmlformats.org/drawingml/2006/main" xmlns:r="http://schemas.openxmlformats.org/officeDocument/2006/relationships" xmlns:mc="http://schemas.openxmlformats.org/markup-compatibility/2006" xmlns:mv="urn:schemas-microsoft-com:mac:vml" xmlns:p="http://schemas.openxmlformats.org/presentationml/2006/main" xmlns:c="http://schemas.openxmlformats.org/drawingml/2006/chart" xmlns:dgm="http://schemas.openxmlformats.org/drawingml/2006/diagram" xmlns:o="urn:schemas-microsoft-com:office:office" xmlns:v="urn:schemas-microsoft-com:vml" xmlns:pvml="urn:schemas-microsoft-com:office:powerpoint" xmlns:com="http://schemas.openxmlformats.org/drawingml/2006/compatibility" xmlns:p14="http://schemas.microsoft.com/office/powerpoint/2010/main" xmlns:p15="http://schemas.microsoft.com/office/powerpoint/2012/main" xmlns:ahyp="http://schemas.microsoft.com/office/drawing/2018/hyperlinkcolor" showMasterPhAnim="0" showMasterSp="0">
+<p:notes xmlns:a="http://schemas.openxmlformats.org/drawingml/2006/main" xmlns:r="http://schemas.openxmlformats.org/officeDocument/2006/relationships" xmlns:p="http://schemas.openxmlformats.org/presentationml/2006/main" showMasterSp="0" showMasterPhAnim="0">
   <p:cSld>
     <p:spTree>
       <p:nvGrpSpPr>
-        <p:cNvPr id="130" name="Shape 130"/>
+        <p:cNvPr id="1" name="Shape 130"/>
         <p:cNvGrpSpPr/>
         <p:nvPr/>
       </p:nvGrpSpPr>
@@ -1065,9 +1088,11 @@
       <p:sp>
         <p:nvSpPr>
           <p:cNvPr id="131" name="Google Shape;131;g364d22cc8b_0_38:notes"/>
-          <p:cNvSpPr/>
+          <p:cNvSpPr>
+            <a:spLocks noGrp="1" noRot="1" noChangeAspect="1"/>
+          </p:cNvSpPr>
           <p:nvPr>
-            <p:ph idx="2" type="sldImg"/>
+            <p:ph type="sldImg" idx="2"/>
           </p:nvPr>
         </p:nvSpPr>
         <p:spPr>
@@ -1076,9 +1101,13 @@
             <a:ext cx="6096000" cy="3429000"/>
           </a:xfrm>
           <a:custGeom>
-            <a:rect b="b" l="l" r="r" t="t"/>
+            <a:avLst/>
+            <a:gdLst/>
+            <a:ahLst/>
+            <a:cxnLst/>
+            <a:rect l="l" t="t" r="r" b="b"/>
             <a:pathLst>
-              <a:path extrusionOk="0" h="120000" w="120000">
+              <a:path w="120000" h="120000" extrusionOk="0">
                 <a:moveTo>
                   <a:pt x="0" y="0"/>
                 </a:moveTo>
@@ -1100,9 +1129,11 @@
       <p:sp>
         <p:nvSpPr>
           <p:cNvPr id="132" name="Google Shape;132;g364d22cc8b_0_38:notes"/>
-          <p:cNvSpPr txBox="1"/>
+          <p:cNvSpPr txBox="1">
+            <a:spLocks noGrp="1"/>
+          </p:cNvSpPr>
           <p:nvPr>
-            <p:ph idx="1" type="body"/>
+            <p:ph type="body" idx="1"/>
           </p:nvPr>
         </p:nvSpPr>
         <p:spPr>
@@ -1115,12 +1146,12 @@
           </a:prstGeom>
         </p:spPr>
         <p:txBody>
-          <a:bodyPr anchorCtr="0" anchor="t" bIns="91425" lIns="91425" spcFirstLastPara="1" rIns="91425" wrap="square" tIns="91425">
+          <a:bodyPr spcFirstLastPara="1" wrap="square" lIns="91425" tIns="91425" rIns="91425" bIns="91425" anchor="t" anchorCtr="0">
             <a:noAutofit/>
           </a:bodyPr>
           <a:lstStyle/>
           <a:p>
-            <a:pPr indent="0" lvl="0" marL="0" rtl="0" algn="l">
+            <a:pPr marL="0" lvl="0" indent="0" algn="l" rtl="0">
               <a:spcBef>
                 <a:spcPts val="0"/>
               </a:spcBef>
@@ -1146,11 +1177,11 @@
 </file>
 
 <file path=ppt/notesSlides/notesSlide2.xml><?xml version="1.0" encoding="utf-8"?>
-<p:notes xmlns:a="http://schemas.openxmlformats.org/drawingml/2006/main" xmlns:r="http://schemas.openxmlformats.org/officeDocument/2006/relationships" xmlns:mc="http://schemas.openxmlformats.org/markup-compatibility/2006" xmlns:mv="urn:schemas-microsoft-com:mac:vml" xmlns:p="http://schemas.openxmlformats.org/presentationml/2006/main" xmlns:c="http://schemas.openxmlformats.org/drawingml/2006/chart" xmlns:dgm="http://schemas.openxmlformats.org/drawingml/2006/diagram" xmlns:o="urn:schemas-microsoft-com:office:office" xmlns:v="urn:schemas-microsoft-com:vml" xmlns:pvml="urn:schemas-microsoft-com:office:powerpoint" xmlns:com="http://schemas.openxmlformats.org/drawingml/2006/compatibility" xmlns:p14="http://schemas.microsoft.com/office/powerpoint/2010/main" xmlns:p15="http://schemas.microsoft.com/office/powerpoint/2012/main" xmlns:ahyp="http://schemas.microsoft.com/office/drawing/2018/hyperlinkcolor" showMasterPhAnim="0" showMasterSp="0">
+<p:notes xmlns:a="http://schemas.openxmlformats.org/drawingml/2006/main" xmlns:r="http://schemas.openxmlformats.org/officeDocument/2006/relationships" xmlns:p="http://schemas.openxmlformats.org/presentationml/2006/main" showMasterSp="0" showMasterPhAnim="0">
   <p:cSld>
     <p:spTree>
       <p:nvGrpSpPr>
-        <p:cNvPr id="68" name="Shape 68"/>
+        <p:cNvPr id="1" name="Shape 68"/>
         <p:cNvGrpSpPr/>
         <p:nvPr/>
       </p:nvGrpSpPr>
@@ -1165,9 +1196,11 @@
       <p:sp>
         <p:nvSpPr>
           <p:cNvPr id="69" name="Google Shape;69;g376c120aab_0_60:notes"/>
-          <p:cNvSpPr/>
+          <p:cNvSpPr>
+            <a:spLocks noGrp="1" noRot="1" noChangeAspect="1"/>
+          </p:cNvSpPr>
           <p:nvPr>
-            <p:ph idx="2" type="sldImg"/>
+            <p:ph type="sldImg" idx="2"/>
           </p:nvPr>
         </p:nvSpPr>
         <p:spPr>
@@ -1176,9 +1209,13 @@
             <a:ext cx="6096000" cy="3429000"/>
           </a:xfrm>
           <a:custGeom>
-            <a:rect b="b" l="l" r="r" t="t"/>
+            <a:avLst/>
+            <a:gdLst/>
+            <a:ahLst/>
+            <a:cxnLst/>
+            <a:rect l="l" t="t" r="r" b="b"/>
             <a:pathLst>
-              <a:path extrusionOk="0" h="120000" w="120000">
+              <a:path w="120000" h="120000" extrusionOk="0">
                 <a:moveTo>
                   <a:pt x="0" y="0"/>
                 </a:moveTo>
@@ -1200,9 +1237,11 @@
       <p:sp>
         <p:nvSpPr>
           <p:cNvPr id="70" name="Google Shape;70;g376c120aab_0_60:notes"/>
-          <p:cNvSpPr txBox="1"/>
+          <p:cNvSpPr txBox="1">
+            <a:spLocks noGrp="1"/>
+          </p:cNvSpPr>
           <p:nvPr>
-            <p:ph idx="1" type="body"/>
+            <p:ph type="body" idx="1"/>
           </p:nvPr>
         </p:nvSpPr>
         <p:spPr>
@@ -1215,12 +1254,12 @@
           </a:prstGeom>
         </p:spPr>
         <p:txBody>
-          <a:bodyPr anchorCtr="0" anchor="t" bIns="91425" lIns="91425" spcFirstLastPara="1" rIns="91425" wrap="square" tIns="91425">
+          <a:bodyPr spcFirstLastPara="1" wrap="square" lIns="91425" tIns="91425" rIns="91425" bIns="91425" anchor="t" anchorCtr="0">
             <a:noAutofit/>
           </a:bodyPr>
           <a:lstStyle/>
           <a:p>
-            <a:pPr indent="-298450" lvl="0" marL="457200" rtl="0" algn="l">
+            <a:pPr marL="457200" lvl="0" indent="-298450" algn="l" rtl="0">
               <a:spcBef>
                 <a:spcPts val="0"/>
               </a:spcBef>
@@ -1232,20 +1271,12 @@
             </a:pPr>
             <a:r>
               <a:rPr lang="en"/>
-              <a:t>Population of </a:t>
+              <a:t>Population of Conestoga growing to largest size</a:t>
             </a:r>
-            <a:r>
-              <a:rPr lang="en"/>
-              <a:t>Conestoga</a:t>
-            </a:r>
-            <a:r>
-              <a:rPr lang="en"/>
-              <a:t> growing to largest size</a:t>
-            </a:r>
-            <a:endParaRPr/>
-          </a:p>
-          <a:p>
-            <a:pPr indent="-298450" lvl="0" marL="457200" rtl="0" algn="l">
+            <a:endParaRPr/>
+          </a:p>
+          <a:p>
+            <a:pPr marL="457200" lvl="0" indent="-298450" algn="l" rtl="0">
               <a:spcBef>
                 <a:spcPts val="0"/>
               </a:spcBef>
@@ -1262,7 +1293,7 @@
             <a:endParaRPr/>
           </a:p>
           <a:p>
-            <a:pPr indent="-298450" lvl="0" marL="457200" rtl="0" algn="l">
+            <a:pPr marL="457200" lvl="0" indent="-298450" algn="l" rtl="0">
               <a:spcBef>
                 <a:spcPts val="0"/>
               </a:spcBef>
@@ -1289,11 +1320,11 @@
 </file>
 
 <file path=ppt/notesSlides/notesSlide3.xml><?xml version="1.0" encoding="utf-8"?>
-<p:notes xmlns:a="http://schemas.openxmlformats.org/drawingml/2006/main" xmlns:r="http://schemas.openxmlformats.org/officeDocument/2006/relationships" xmlns:mc="http://schemas.openxmlformats.org/markup-compatibility/2006" xmlns:mv="urn:schemas-microsoft-com:mac:vml" xmlns:p="http://schemas.openxmlformats.org/presentationml/2006/main" xmlns:c="http://schemas.openxmlformats.org/drawingml/2006/chart" xmlns:dgm="http://schemas.openxmlformats.org/drawingml/2006/diagram" xmlns:o="urn:schemas-microsoft-com:office:office" xmlns:v="urn:schemas-microsoft-com:vml" xmlns:pvml="urn:schemas-microsoft-com:office:powerpoint" xmlns:com="http://schemas.openxmlformats.org/drawingml/2006/compatibility" xmlns:p14="http://schemas.microsoft.com/office/powerpoint/2010/main" xmlns:p15="http://schemas.microsoft.com/office/powerpoint/2012/main" xmlns:ahyp="http://schemas.microsoft.com/office/drawing/2018/hyperlinkcolor" showMasterPhAnim="0" showMasterSp="0">
+<p:notes xmlns:a="http://schemas.openxmlformats.org/drawingml/2006/main" xmlns:r="http://schemas.openxmlformats.org/officeDocument/2006/relationships" xmlns:p="http://schemas.openxmlformats.org/presentationml/2006/main" showMasterSp="0" showMasterPhAnim="0">
   <p:cSld>
     <p:spTree>
       <p:nvGrpSpPr>
-        <p:cNvPr id="74" name="Shape 74"/>
+        <p:cNvPr id="1" name="Shape 74"/>
         <p:cNvGrpSpPr/>
         <p:nvPr/>
       </p:nvGrpSpPr>
@@ -1308,9 +1339,11 @@
       <p:sp>
         <p:nvSpPr>
           <p:cNvPr id="75" name="Google Shape;75;g376c120aab_0_50:notes"/>
-          <p:cNvSpPr/>
+          <p:cNvSpPr>
+            <a:spLocks noGrp="1" noRot="1" noChangeAspect="1"/>
+          </p:cNvSpPr>
           <p:nvPr>
-            <p:ph idx="2" type="sldImg"/>
+            <p:ph type="sldImg" idx="2"/>
           </p:nvPr>
         </p:nvSpPr>
         <p:spPr>
@@ -1319,9 +1352,13 @@
             <a:ext cx="6096000" cy="3429000"/>
           </a:xfrm>
           <a:custGeom>
-            <a:rect b="b" l="l" r="r" t="t"/>
+            <a:avLst/>
+            <a:gdLst/>
+            <a:ahLst/>
+            <a:cxnLst/>
+            <a:rect l="l" t="t" r="r" b="b"/>
             <a:pathLst>
-              <a:path extrusionOk="0" h="120000" w="120000">
+              <a:path w="120000" h="120000" extrusionOk="0">
                 <a:moveTo>
                   <a:pt x="0" y="0"/>
                 </a:moveTo>
@@ -1343,9 +1380,11 @@
       <p:sp>
         <p:nvSpPr>
           <p:cNvPr id="76" name="Google Shape;76;g376c120aab_0_50:notes"/>
-          <p:cNvSpPr txBox="1"/>
+          <p:cNvSpPr txBox="1">
+            <a:spLocks noGrp="1"/>
+          </p:cNvSpPr>
           <p:nvPr>
-            <p:ph idx="1" type="body"/>
+            <p:ph type="body" idx="1"/>
           </p:nvPr>
         </p:nvSpPr>
         <p:spPr>
@@ -1358,12 +1397,12 @@
           </a:prstGeom>
         </p:spPr>
         <p:txBody>
-          <a:bodyPr anchorCtr="0" anchor="t" bIns="91425" lIns="91425" spcFirstLastPara="1" rIns="91425" wrap="square" tIns="91425">
+          <a:bodyPr spcFirstLastPara="1" wrap="square" lIns="91425" tIns="91425" rIns="91425" bIns="91425" anchor="t" anchorCtr="0">
             <a:noAutofit/>
           </a:bodyPr>
           <a:lstStyle/>
           <a:p>
-            <a:pPr indent="-298450" lvl="0" marL="457200" rtl="0" algn="l">
+            <a:pPr marL="457200" lvl="0" indent="-298450" algn="l" rtl="0">
               <a:spcBef>
                 <a:spcPts val="0"/>
               </a:spcBef>
@@ -1380,7 +1419,7 @@
             <a:endParaRPr/>
           </a:p>
           <a:p>
-            <a:pPr indent="-298450" lvl="0" marL="457200" rtl="0" algn="l">
+            <a:pPr marL="457200" lvl="0" indent="-298450" algn="l" rtl="0">
               <a:spcBef>
                 <a:spcPts val="0"/>
               </a:spcBef>
@@ -1397,7 +1436,7 @@
             <a:endParaRPr/>
           </a:p>
           <a:p>
-            <a:pPr indent="-298450" lvl="0" marL="457200" rtl="0" algn="l">
+            <a:pPr marL="457200" lvl="0" indent="-298450" algn="l" rtl="0">
               <a:spcBef>
                 <a:spcPts val="0"/>
               </a:spcBef>
@@ -1424,11 +1463,11 @@
 </file>
 
 <file path=ppt/notesSlides/notesSlide4.xml><?xml version="1.0" encoding="utf-8"?>
-<p:notes xmlns:a="http://schemas.openxmlformats.org/drawingml/2006/main" xmlns:r="http://schemas.openxmlformats.org/officeDocument/2006/relationships" xmlns:mc="http://schemas.openxmlformats.org/markup-compatibility/2006" xmlns:mv="urn:schemas-microsoft-com:mac:vml" xmlns:p="http://schemas.openxmlformats.org/presentationml/2006/main" xmlns:c="http://schemas.openxmlformats.org/drawingml/2006/chart" xmlns:dgm="http://schemas.openxmlformats.org/drawingml/2006/diagram" xmlns:o="urn:schemas-microsoft-com:office:office" xmlns:v="urn:schemas-microsoft-com:vml" xmlns:pvml="urn:schemas-microsoft-com:office:powerpoint" xmlns:com="http://schemas.openxmlformats.org/drawingml/2006/compatibility" xmlns:p14="http://schemas.microsoft.com/office/powerpoint/2010/main" xmlns:p15="http://schemas.microsoft.com/office/powerpoint/2012/main" xmlns:ahyp="http://schemas.microsoft.com/office/drawing/2018/hyperlinkcolor" showMasterPhAnim="0" showMasterSp="0">
+<p:notes xmlns:a="http://schemas.openxmlformats.org/drawingml/2006/main" xmlns:r="http://schemas.openxmlformats.org/officeDocument/2006/relationships" xmlns:p="http://schemas.openxmlformats.org/presentationml/2006/main" showMasterSp="0" showMasterPhAnim="0">
   <p:cSld>
     <p:spTree>
       <p:nvGrpSpPr>
-        <p:cNvPr id="80" name="Shape 80"/>
+        <p:cNvPr id="1" name="Shape 80"/>
         <p:cNvGrpSpPr/>
         <p:nvPr/>
       </p:nvGrpSpPr>
@@ -1443,9 +1482,11 @@
       <p:sp>
         <p:nvSpPr>
           <p:cNvPr id="81" name="Google Shape;81;g364d22cc8b_0_0:notes"/>
-          <p:cNvSpPr/>
+          <p:cNvSpPr>
+            <a:spLocks noGrp="1" noRot="1" noChangeAspect="1"/>
+          </p:cNvSpPr>
           <p:nvPr>
-            <p:ph idx="2" type="sldImg"/>
+            <p:ph type="sldImg" idx="2"/>
           </p:nvPr>
         </p:nvSpPr>
         <p:spPr>
@@ -1454,9 +1495,13 @@
             <a:ext cx="6096000" cy="3429000"/>
           </a:xfrm>
           <a:custGeom>
-            <a:rect b="b" l="l" r="r" t="t"/>
+            <a:avLst/>
+            <a:gdLst/>
+            <a:ahLst/>
+            <a:cxnLst/>
+            <a:rect l="l" t="t" r="r" b="b"/>
             <a:pathLst>
-              <a:path extrusionOk="0" h="120000" w="120000">
+              <a:path w="120000" h="120000" extrusionOk="0">
                 <a:moveTo>
                   <a:pt x="0" y="0"/>
                 </a:moveTo>
@@ -1478,9 +1523,11 @@
       <p:sp>
         <p:nvSpPr>
           <p:cNvPr id="82" name="Google Shape;82;g364d22cc8b_0_0:notes"/>
-          <p:cNvSpPr txBox="1"/>
+          <p:cNvSpPr txBox="1">
+            <a:spLocks noGrp="1"/>
+          </p:cNvSpPr>
           <p:nvPr>
-            <p:ph idx="1" type="body"/>
+            <p:ph type="body" idx="1"/>
           </p:nvPr>
         </p:nvSpPr>
         <p:spPr>
@@ -1493,12 +1540,12 @@
           </a:prstGeom>
         </p:spPr>
         <p:txBody>
-          <a:bodyPr anchorCtr="0" anchor="t" bIns="91425" lIns="91425" spcFirstLastPara="1" rIns="91425" wrap="square" tIns="91425">
+          <a:bodyPr spcFirstLastPara="1" wrap="square" lIns="91425" tIns="91425" rIns="91425" bIns="91425" anchor="t" anchorCtr="0">
             <a:noAutofit/>
           </a:bodyPr>
           <a:lstStyle/>
           <a:p>
-            <a:pPr indent="-298450" lvl="0" marL="457200" rtl="0" algn="l">
+            <a:pPr marL="457200" lvl="0" indent="-298450" algn="l" rtl="0">
               <a:spcBef>
                 <a:spcPts val="0"/>
               </a:spcBef>
@@ -1515,7 +1562,7 @@
             <a:endParaRPr/>
           </a:p>
           <a:p>
-            <a:pPr indent="-298450" lvl="0" marL="457200" rtl="0" algn="l">
+            <a:pPr marL="457200" lvl="0" indent="-298450" algn="l" rtl="0">
               <a:spcBef>
                 <a:spcPts val="0"/>
               </a:spcBef>
@@ -1532,7 +1579,7 @@
             <a:endParaRPr/>
           </a:p>
           <a:p>
-            <a:pPr indent="-298450" lvl="0" marL="457200" rtl="0" algn="l">
+            <a:pPr marL="457200" lvl="0" indent="-298450" algn="l" rtl="0">
               <a:spcBef>
                 <a:spcPts val="0"/>
               </a:spcBef>
@@ -1549,7 +1596,7 @@
             <a:endParaRPr/>
           </a:p>
           <a:p>
-            <a:pPr indent="-298450" lvl="0" marL="457200" rtl="0" algn="l">
+            <a:pPr marL="457200" lvl="0" indent="-298450" algn="l" rtl="0">
               <a:spcBef>
                 <a:spcPts val="0"/>
               </a:spcBef>
@@ -1576,11 +1623,11 @@
 </file>
 
 <file path=ppt/notesSlides/notesSlide5.xml><?xml version="1.0" encoding="utf-8"?>
-<p:notes xmlns:a="http://schemas.openxmlformats.org/drawingml/2006/main" xmlns:r="http://schemas.openxmlformats.org/officeDocument/2006/relationships" xmlns:mc="http://schemas.openxmlformats.org/markup-compatibility/2006" xmlns:mv="urn:schemas-microsoft-com:mac:vml" xmlns:p="http://schemas.openxmlformats.org/presentationml/2006/main" xmlns:c="http://schemas.openxmlformats.org/drawingml/2006/chart" xmlns:dgm="http://schemas.openxmlformats.org/drawingml/2006/diagram" xmlns:o="urn:schemas-microsoft-com:office:office" xmlns:v="urn:schemas-microsoft-com:vml" xmlns:pvml="urn:schemas-microsoft-com:office:powerpoint" xmlns:com="http://schemas.openxmlformats.org/drawingml/2006/compatibility" xmlns:p14="http://schemas.microsoft.com/office/powerpoint/2010/main" xmlns:p15="http://schemas.microsoft.com/office/powerpoint/2012/main" xmlns:ahyp="http://schemas.microsoft.com/office/drawing/2018/hyperlinkcolor" showMasterPhAnim="0" showMasterSp="0">
+<p:notes xmlns:a="http://schemas.openxmlformats.org/drawingml/2006/main" xmlns:r="http://schemas.openxmlformats.org/officeDocument/2006/relationships" xmlns:p="http://schemas.openxmlformats.org/presentationml/2006/main" showMasterSp="0" showMasterPhAnim="0">
   <p:cSld>
     <p:spTree>
       <p:nvGrpSpPr>
-        <p:cNvPr id="86" name="Shape 86"/>
+        <p:cNvPr id="1" name="Shape 86"/>
         <p:cNvGrpSpPr/>
         <p:nvPr/>
       </p:nvGrpSpPr>
@@ -1595,9 +1642,11 @@
       <p:sp>
         <p:nvSpPr>
           <p:cNvPr id="87" name="Google Shape;87;g38668b2616_0_57:notes"/>
-          <p:cNvSpPr/>
+          <p:cNvSpPr>
+            <a:spLocks noGrp="1" noRot="1" noChangeAspect="1"/>
+          </p:cNvSpPr>
           <p:nvPr>
-            <p:ph idx="2" type="sldImg"/>
+            <p:ph type="sldImg" idx="2"/>
           </p:nvPr>
         </p:nvSpPr>
         <p:spPr>
@@ -1606,9 +1655,13 @@
             <a:ext cx="6096000" cy="3429000"/>
           </a:xfrm>
           <a:custGeom>
-            <a:rect b="b" l="l" r="r" t="t"/>
+            <a:avLst/>
+            <a:gdLst/>
+            <a:ahLst/>
+            <a:cxnLst/>
+            <a:rect l="l" t="t" r="r" b="b"/>
             <a:pathLst>
-              <a:path extrusionOk="0" h="120000" w="120000">
+              <a:path w="120000" h="120000" extrusionOk="0">
                 <a:moveTo>
                   <a:pt x="0" y="0"/>
                 </a:moveTo>
@@ -1630,9 +1683,11 @@
       <p:sp>
         <p:nvSpPr>
           <p:cNvPr id="88" name="Google Shape;88;g38668b2616_0_57:notes"/>
-          <p:cNvSpPr txBox="1"/>
+          <p:cNvSpPr txBox="1">
+            <a:spLocks noGrp="1"/>
+          </p:cNvSpPr>
           <p:nvPr>
-            <p:ph idx="1" type="body"/>
+            <p:ph type="body" idx="1"/>
           </p:nvPr>
         </p:nvSpPr>
         <p:spPr>
@@ -1645,12 +1700,12 @@
           </a:prstGeom>
         </p:spPr>
         <p:txBody>
-          <a:bodyPr anchorCtr="0" anchor="t" bIns="91425" lIns="91425" spcFirstLastPara="1" rIns="91425" wrap="square" tIns="91425">
+          <a:bodyPr spcFirstLastPara="1" wrap="square" lIns="91425" tIns="91425" rIns="91425" bIns="91425" anchor="t" anchorCtr="0">
             <a:noAutofit/>
           </a:bodyPr>
           <a:lstStyle/>
           <a:p>
-            <a:pPr indent="0" lvl="0" marL="0" rtl="0" algn="l">
+            <a:pPr marL="0" lvl="0" indent="0" algn="l" rtl="0">
               <a:spcBef>
                 <a:spcPts val="0"/>
               </a:spcBef>
@@ -1659,9 +1714,6 @@
               </a:spcAft>
               <a:buNone/>
             </a:pPr>
-            <a:r>
-              <a:t/>
-            </a:r>
             <a:endParaRPr/>
           </a:p>
         </p:txBody>
@@ -1675,11 +1727,11 @@
 </file>
 
 <file path=ppt/notesSlides/notesSlide6.xml><?xml version="1.0" encoding="utf-8"?>
-<p:notes xmlns:a="http://schemas.openxmlformats.org/drawingml/2006/main" xmlns:r="http://schemas.openxmlformats.org/officeDocument/2006/relationships" xmlns:mc="http://schemas.openxmlformats.org/markup-compatibility/2006" xmlns:mv="urn:schemas-microsoft-com:mac:vml" xmlns:p="http://schemas.openxmlformats.org/presentationml/2006/main" xmlns:c="http://schemas.openxmlformats.org/drawingml/2006/chart" xmlns:dgm="http://schemas.openxmlformats.org/drawingml/2006/diagram" xmlns:o="urn:schemas-microsoft-com:office:office" xmlns:v="urn:schemas-microsoft-com:vml" xmlns:pvml="urn:schemas-microsoft-com:office:powerpoint" xmlns:com="http://schemas.openxmlformats.org/drawingml/2006/compatibility" xmlns:p14="http://schemas.microsoft.com/office/powerpoint/2010/main" xmlns:p15="http://schemas.microsoft.com/office/powerpoint/2012/main" xmlns:ahyp="http://schemas.microsoft.com/office/drawing/2018/hyperlinkcolor" showMasterPhAnim="0" showMasterSp="0">
+<p:notes xmlns:a="http://schemas.openxmlformats.org/drawingml/2006/main" xmlns:r="http://schemas.openxmlformats.org/officeDocument/2006/relationships" xmlns:p="http://schemas.openxmlformats.org/presentationml/2006/main" showMasterSp="0" showMasterPhAnim="0">
   <p:cSld>
     <p:spTree>
       <p:nvGrpSpPr>
-        <p:cNvPr id="93" name="Shape 93"/>
+        <p:cNvPr id="1" name="Shape 93"/>
         <p:cNvGrpSpPr/>
         <p:nvPr/>
       </p:nvGrpSpPr>
@@ -1694,9 +1746,11 @@
       <p:sp>
         <p:nvSpPr>
           <p:cNvPr id="94" name="Google Shape;94;g364d22cc8b_0_5:notes"/>
-          <p:cNvSpPr/>
+          <p:cNvSpPr>
+            <a:spLocks noGrp="1" noRot="1" noChangeAspect="1"/>
+          </p:cNvSpPr>
           <p:nvPr>
-            <p:ph idx="2" type="sldImg"/>
+            <p:ph type="sldImg" idx="2"/>
           </p:nvPr>
         </p:nvSpPr>
         <p:spPr>
@@ -1705,9 +1759,13 @@
             <a:ext cx="6096000" cy="3429000"/>
           </a:xfrm>
           <a:custGeom>
-            <a:rect b="b" l="l" r="r" t="t"/>
+            <a:avLst/>
+            <a:gdLst/>
+            <a:ahLst/>
+            <a:cxnLst/>
+            <a:rect l="l" t="t" r="r" b="b"/>
             <a:pathLst>
-              <a:path extrusionOk="0" h="120000" w="120000">
+              <a:path w="120000" h="120000" extrusionOk="0">
                 <a:moveTo>
                   <a:pt x="0" y="0"/>
                 </a:moveTo>
@@ -1729,9 +1787,11 @@
       <p:sp>
         <p:nvSpPr>
           <p:cNvPr id="95" name="Google Shape;95;g364d22cc8b_0_5:notes"/>
-          <p:cNvSpPr txBox="1"/>
+          <p:cNvSpPr txBox="1">
+            <a:spLocks noGrp="1"/>
+          </p:cNvSpPr>
           <p:nvPr>
-            <p:ph idx="1" type="body"/>
+            <p:ph type="body" idx="1"/>
           </p:nvPr>
         </p:nvSpPr>
         <p:spPr>
@@ -1744,12 +1804,12 @@
           </a:prstGeom>
         </p:spPr>
         <p:txBody>
-          <a:bodyPr anchorCtr="0" anchor="t" bIns="91425" lIns="91425" spcFirstLastPara="1" rIns="91425" wrap="square" tIns="91425">
+          <a:bodyPr spcFirstLastPara="1" wrap="square" lIns="91425" tIns="91425" rIns="91425" bIns="91425" anchor="t" anchorCtr="0">
             <a:noAutofit/>
           </a:bodyPr>
           <a:lstStyle/>
           <a:p>
-            <a:pPr indent="-298450" lvl="0" marL="457200" rtl="0" algn="l">
+            <a:pPr marL="457200" lvl="0" indent="-298450" algn="l" rtl="0">
               <a:spcBef>
                 <a:spcPts val="0"/>
               </a:spcBef>
@@ -1766,7 +1826,7 @@
             <a:endParaRPr/>
           </a:p>
           <a:p>
-            <a:pPr indent="-298450" lvl="0" marL="457200" rtl="0" algn="l">
+            <a:pPr marL="457200" lvl="0" indent="-298450" algn="l" rtl="0">
               <a:spcBef>
                 <a:spcPts val="0"/>
               </a:spcBef>
@@ -1783,7 +1843,7 @@
             <a:endParaRPr/>
           </a:p>
           <a:p>
-            <a:pPr indent="-298450" lvl="0" marL="457200" rtl="0" algn="l">
+            <a:pPr marL="457200" lvl="0" indent="-298450" algn="l" rtl="0">
               <a:spcBef>
                 <a:spcPts val="0"/>
               </a:spcBef>
@@ -1810,11 +1870,11 @@
 </file>
 
 <file path=ppt/notesSlides/notesSlide7.xml><?xml version="1.0" encoding="utf-8"?>
-<p:notes xmlns:a="http://schemas.openxmlformats.org/drawingml/2006/main" xmlns:r="http://schemas.openxmlformats.org/officeDocument/2006/relationships" xmlns:mc="http://schemas.openxmlformats.org/markup-compatibility/2006" xmlns:mv="urn:schemas-microsoft-com:mac:vml" xmlns:p="http://schemas.openxmlformats.org/presentationml/2006/main" xmlns:c="http://schemas.openxmlformats.org/drawingml/2006/chart" xmlns:dgm="http://schemas.openxmlformats.org/drawingml/2006/diagram" xmlns:o="urn:schemas-microsoft-com:office:office" xmlns:v="urn:schemas-microsoft-com:vml" xmlns:pvml="urn:schemas-microsoft-com:office:powerpoint" xmlns:com="http://schemas.openxmlformats.org/drawingml/2006/compatibility" xmlns:p14="http://schemas.microsoft.com/office/powerpoint/2010/main" xmlns:p15="http://schemas.microsoft.com/office/powerpoint/2012/main" xmlns:ahyp="http://schemas.microsoft.com/office/drawing/2018/hyperlinkcolor" showMasterPhAnim="0" showMasterSp="0">
+<p:notes xmlns:a="http://schemas.openxmlformats.org/drawingml/2006/main" xmlns:r="http://schemas.openxmlformats.org/officeDocument/2006/relationships" xmlns:p="http://schemas.openxmlformats.org/presentationml/2006/main" showMasterSp="0" showMasterPhAnim="0">
   <p:cSld>
     <p:spTree>
       <p:nvGrpSpPr>
-        <p:cNvPr id="99" name="Shape 99"/>
+        <p:cNvPr id="1" name="Shape 99"/>
         <p:cNvGrpSpPr/>
         <p:nvPr/>
       </p:nvGrpSpPr>
@@ -1829,9 +1889,11 @@
       <p:sp>
         <p:nvSpPr>
           <p:cNvPr id="100" name="Google Shape;100;g364d22cc8b_0_10:notes"/>
-          <p:cNvSpPr/>
+          <p:cNvSpPr>
+            <a:spLocks noGrp="1" noRot="1" noChangeAspect="1"/>
+          </p:cNvSpPr>
           <p:nvPr>
-            <p:ph idx="2" type="sldImg"/>
+            <p:ph type="sldImg" idx="2"/>
           </p:nvPr>
         </p:nvSpPr>
         <p:spPr>
@@ -1840,9 +1902,13 @@
             <a:ext cx="6096000" cy="3429000"/>
           </a:xfrm>
           <a:custGeom>
-            <a:rect b="b" l="l" r="r" t="t"/>
+            <a:avLst/>
+            <a:gdLst/>
+            <a:ahLst/>
+            <a:cxnLst/>
+            <a:rect l="l" t="t" r="r" b="b"/>
             <a:pathLst>
-              <a:path extrusionOk="0" h="120000" w="120000">
+              <a:path w="120000" h="120000" extrusionOk="0">
                 <a:moveTo>
                   <a:pt x="0" y="0"/>
                 </a:moveTo>
@@ -1864,9 +1930,11 @@
       <p:sp>
         <p:nvSpPr>
           <p:cNvPr id="101" name="Google Shape;101;g364d22cc8b_0_10:notes"/>
-          <p:cNvSpPr txBox="1"/>
+          <p:cNvSpPr txBox="1">
+            <a:spLocks noGrp="1"/>
+          </p:cNvSpPr>
           <p:nvPr>
-            <p:ph idx="1" type="body"/>
+            <p:ph type="body" idx="1"/>
           </p:nvPr>
         </p:nvSpPr>
         <p:spPr>
@@ -1879,12 +1947,12 @@
           </a:prstGeom>
         </p:spPr>
         <p:txBody>
-          <a:bodyPr anchorCtr="0" anchor="t" bIns="91425" lIns="91425" spcFirstLastPara="1" rIns="91425" wrap="square" tIns="91425">
+          <a:bodyPr spcFirstLastPara="1" wrap="square" lIns="91425" tIns="91425" rIns="91425" bIns="91425" anchor="t" anchorCtr="0">
             <a:noAutofit/>
           </a:bodyPr>
           <a:lstStyle/>
           <a:p>
-            <a:pPr indent="-298450" lvl="0" marL="457200" rtl="0" algn="l">
+            <a:pPr marL="457200" lvl="0" indent="-298450" algn="l" rtl="0">
               <a:spcBef>
                 <a:spcPts val="0"/>
               </a:spcBef>
@@ -1901,7 +1969,7 @@
             <a:endParaRPr/>
           </a:p>
           <a:p>
-            <a:pPr indent="-298450" lvl="0" marL="457200" rtl="0" algn="l">
+            <a:pPr marL="457200" lvl="0" indent="-298450" algn="l" rtl="0">
               <a:spcBef>
                 <a:spcPts val="0"/>
               </a:spcBef>
@@ -1913,20 +1981,12 @@
             </a:pPr>
             <a:r>
               <a:rPr lang="en"/>
-              <a:t>For the travelling salesman algorithm, I chose an algorithm that </a:t>
+              <a:t>For the travelling salesman algorithm, I chose an algorithm that sacrifices some accuracy for speed, allowing it to potentially be run for 2,200 students in a relatively short amount of time</a:t>
             </a:r>
-            <a:r>
-              <a:rPr lang="en"/>
-              <a:t>sacrifices</a:t>
-            </a:r>
-            <a:r>
-              <a:rPr lang="en"/>
-              <a:t> some accuracy for speed, allowing it to potentially be run for 2,200 students in a relatively short amount of time</a:t>
-            </a:r>
-            <a:endParaRPr/>
-          </a:p>
-          <a:p>
-            <a:pPr indent="-298450" lvl="0" marL="457200" rtl="0" algn="l">
+            <a:endParaRPr/>
+          </a:p>
+          <a:p>
+            <a:pPr marL="457200" lvl="0" indent="-298450" algn="l" rtl="0">
               <a:spcBef>
                 <a:spcPts val="0"/>
               </a:spcBef>
@@ -1943,7 +2003,7 @@
             <a:endParaRPr/>
           </a:p>
           <a:p>
-            <a:pPr indent="-298450" lvl="1" marL="914400" rtl="0" algn="l">
+            <a:pPr marL="914400" lvl="1" indent="-298450" algn="l" rtl="0">
               <a:spcBef>
                 <a:spcPts val="0"/>
               </a:spcBef>
@@ -1960,7 +2020,7 @@
             <a:endParaRPr/>
           </a:p>
           <a:p>
-            <a:pPr indent="-298450" lvl="1" marL="914400" rtl="0" algn="l">
+            <a:pPr marL="914400" lvl="1" indent="-298450" algn="l" rtl="0">
               <a:spcBef>
                 <a:spcPts val="0"/>
               </a:spcBef>
@@ -1977,7 +2037,7 @@
             <a:endParaRPr/>
           </a:p>
           <a:p>
-            <a:pPr indent="-298450" lvl="1" marL="914400" rtl="0" algn="l">
+            <a:pPr marL="914400" lvl="1" indent="-298450" algn="l" rtl="0">
               <a:spcBef>
                 <a:spcPts val="0"/>
               </a:spcBef>
@@ -1994,7 +2054,7 @@
             <a:endParaRPr/>
           </a:p>
           <a:p>
-            <a:pPr indent="-298450" lvl="1" marL="914400" rtl="0" algn="l">
+            <a:pPr marL="914400" lvl="1" indent="-298450" algn="l" rtl="0">
               <a:spcBef>
                 <a:spcPts val="0"/>
               </a:spcBef>
@@ -2021,11 +2081,11 @@
 </file>
 
 <file path=ppt/notesSlides/notesSlide8.xml><?xml version="1.0" encoding="utf-8"?>
-<p:notes xmlns:a="http://schemas.openxmlformats.org/drawingml/2006/main" xmlns:r="http://schemas.openxmlformats.org/officeDocument/2006/relationships" xmlns:mc="http://schemas.openxmlformats.org/markup-compatibility/2006" xmlns:mv="urn:schemas-microsoft-com:mac:vml" xmlns:p="http://schemas.openxmlformats.org/presentationml/2006/main" xmlns:c="http://schemas.openxmlformats.org/drawingml/2006/chart" xmlns:dgm="http://schemas.openxmlformats.org/drawingml/2006/diagram" xmlns:o="urn:schemas-microsoft-com:office:office" xmlns:v="urn:schemas-microsoft-com:vml" xmlns:pvml="urn:schemas-microsoft-com:office:powerpoint" xmlns:com="http://schemas.openxmlformats.org/drawingml/2006/compatibility" xmlns:p14="http://schemas.microsoft.com/office/powerpoint/2010/main" xmlns:p15="http://schemas.microsoft.com/office/powerpoint/2012/main" xmlns:ahyp="http://schemas.microsoft.com/office/drawing/2018/hyperlinkcolor" showMasterPhAnim="0" showMasterSp="0">
+<p:notes xmlns:a="http://schemas.openxmlformats.org/drawingml/2006/main" xmlns:r="http://schemas.openxmlformats.org/officeDocument/2006/relationships" xmlns:p="http://schemas.openxmlformats.org/presentationml/2006/main" showMasterSp="0" showMasterPhAnim="0">
   <p:cSld>
     <p:spTree>
       <p:nvGrpSpPr>
-        <p:cNvPr id="105" name="Shape 105"/>
+        <p:cNvPr id="1" name="Shape 105"/>
         <p:cNvGrpSpPr/>
         <p:nvPr/>
       </p:nvGrpSpPr>
@@ -2040,9 +2100,11 @@
       <p:sp>
         <p:nvSpPr>
           <p:cNvPr id="106" name="Google Shape;106;g364d22cc8b_0_15:notes"/>
-          <p:cNvSpPr/>
+          <p:cNvSpPr>
+            <a:spLocks noGrp="1" noRot="1" noChangeAspect="1"/>
+          </p:cNvSpPr>
           <p:nvPr>
-            <p:ph idx="2" type="sldImg"/>
+            <p:ph type="sldImg" idx="2"/>
           </p:nvPr>
         </p:nvSpPr>
         <p:spPr>
@@ -2051,9 +2113,13 @@
             <a:ext cx="6096000" cy="3429000"/>
           </a:xfrm>
           <a:custGeom>
-            <a:rect b="b" l="l" r="r" t="t"/>
+            <a:avLst/>
+            <a:gdLst/>
+            <a:ahLst/>
+            <a:cxnLst/>
+            <a:rect l="l" t="t" r="r" b="b"/>
             <a:pathLst>
-              <a:path extrusionOk="0" h="120000" w="120000">
+              <a:path w="120000" h="120000" extrusionOk="0">
                 <a:moveTo>
                   <a:pt x="0" y="0"/>
                 </a:moveTo>
@@ -2075,9 +2141,11 @@
       <p:sp>
         <p:nvSpPr>
           <p:cNvPr id="107" name="Google Shape;107;g364d22cc8b_0_15:notes"/>
-          <p:cNvSpPr txBox="1"/>
+          <p:cNvSpPr txBox="1">
+            <a:spLocks noGrp="1"/>
+          </p:cNvSpPr>
           <p:nvPr>
-            <p:ph idx="1" type="body"/>
+            <p:ph type="body" idx="1"/>
           </p:nvPr>
         </p:nvSpPr>
         <p:spPr>
@@ -2090,12 +2158,12 @@
           </a:prstGeom>
         </p:spPr>
         <p:txBody>
-          <a:bodyPr anchorCtr="0" anchor="t" bIns="91425" lIns="91425" spcFirstLastPara="1" rIns="91425" wrap="square" tIns="91425">
+          <a:bodyPr spcFirstLastPara="1" wrap="square" lIns="91425" tIns="91425" rIns="91425" bIns="91425" anchor="t" anchorCtr="0">
             <a:noAutofit/>
           </a:bodyPr>
           <a:lstStyle/>
           <a:p>
-            <a:pPr indent="-298450" lvl="0" marL="457200" rtl="0" algn="l">
+            <a:pPr marL="457200" lvl="0" indent="-298450" algn="l" rtl="0">
               <a:spcBef>
                 <a:spcPts val="0"/>
               </a:spcBef>
@@ -2112,7 +2180,7 @@
             <a:endParaRPr/>
           </a:p>
           <a:p>
-            <a:pPr indent="-298450" lvl="1" marL="914400" rtl="0" algn="l">
+            <a:pPr marL="914400" lvl="1" indent="-298450" algn="l" rtl="0">
               <a:spcBef>
                 <a:spcPts val="0"/>
               </a:spcBef>
@@ -2124,16 +2192,12 @@
             </a:pPr>
             <a:r>
               <a:rPr lang="en"/>
-              <a:t>Theoretically</a:t>
+              <a:t>Theoretically, this code can be used for any school or really any building as long as you code in a new map of the school/building</a:t>
             </a:r>
-            <a:r>
-              <a:rPr lang="en"/>
-              <a:t>, this code can be used for any school or really any building as long as you code in a new map of the school/building</a:t>
-            </a:r>
-            <a:endParaRPr/>
-          </a:p>
-          <a:p>
-            <a:pPr indent="-298450" lvl="1" marL="914400" rtl="0" algn="l">
+            <a:endParaRPr/>
+          </a:p>
+          <a:p>
+            <a:pPr marL="914400" lvl="1" indent="-298450" algn="l" rtl="0">
               <a:spcBef>
                 <a:spcPts val="0"/>
               </a:spcBef>
@@ -2160,11 +2224,11 @@
 </file>
 
 <file path=ppt/notesSlides/notesSlide9.xml><?xml version="1.0" encoding="utf-8"?>
-<p:notes xmlns:a="http://schemas.openxmlformats.org/drawingml/2006/main" xmlns:r="http://schemas.openxmlformats.org/officeDocument/2006/relationships" xmlns:mc="http://schemas.openxmlformats.org/markup-compatibility/2006" xmlns:mv="urn:schemas-microsoft-com:mac:vml" xmlns:p="http://schemas.openxmlformats.org/presentationml/2006/main" xmlns:c="http://schemas.openxmlformats.org/drawingml/2006/chart" xmlns:dgm="http://schemas.openxmlformats.org/drawingml/2006/diagram" xmlns:o="urn:schemas-microsoft-com:office:office" xmlns:v="urn:schemas-microsoft-com:vml" xmlns:pvml="urn:schemas-microsoft-com:office:powerpoint" xmlns:com="http://schemas.openxmlformats.org/drawingml/2006/compatibility" xmlns:p14="http://schemas.microsoft.com/office/powerpoint/2010/main" xmlns:p15="http://schemas.microsoft.com/office/powerpoint/2012/main" xmlns:ahyp="http://schemas.microsoft.com/office/drawing/2018/hyperlinkcolor" showMasterPhAnim="0" showMasterSp="0">
+<p:notes xmlns:a="http://schemas.openxmlformats.org/drawingml/2006/main" xmlns:r="http://schemas.openxmlformats.org/officeDocument/2006/relationships" xmlns:p="http://schemas.openxmlformats.org/presentationml/2006/main" showMasterSp="0" showMasterPhAnim="0">
   <p:cSld>
     <p:spTree>
       <p:nvGrpSpPr>
-        <p:cNvPr id="111" name="Shape 111"/>
+        <p:cNvPr id="1" name="Shape 111"/>
         <p:cNvGrpSpPr/>
         <p:nvPr/>
       </p:nvGrpSpPr>
@@ -2179,9 +2243,11 @@
       <p:sp>
         <p:nvSpPr>
           <p:cNvPr id="112" name="Google Shape;112;g364d22cc8b_0_20:notes"/>
-          <p:cNvSpPr/>
+          <p:cNvSpPr>
+            <a:spLocks noGrp="1" noRot="1" noChangeAspect="1"/>
+          </p:cNvSpPr>
           <p:nvPr>
-            <p:ph idx="2" type="sldImg"/>
+            <p:ph type="sldImg" idx="2"/>
           </p:nvPr>
         </p:nvSpPr>
         <p:spPr>
@@ -2190,9 +2256,13 @@
             <a:ext cx="6096000" cy="3429000"/>
           </a:xfrm>
           <a:custGeom>
-            <a:rect b="b" l="l" r="r" t="t"/>
+            <a:avLst/>
+            <a:gdLst/>
+            <a:ahLst/>
+            <a:cxnLst/>
+            <a:rect l="l" t="t" r="r" b="b"/>
             <a:pathLst>
-              <a:path extrusionOk="0" h="120000" w="120000">
+              <a:path w="120000" h="120000" extrusionOk="0">
                 <a:moveTo>
                   <a:pt x="0" y="0"/>
                 </a:moveTo>
@@ -2214,9 +2284,11 @@
       <p:sp>
         <p:nvSpPr>
           <p:cNvPr id="113" name="Google Shape;113;g364d22cc8b_0_20:notes"/>
-          <p:cNvSpPr txBox="1"/>
+          <p:cNvSpPr txBox="1">
+            <a:spLocks noGrp="1"/>
+          </p:cNvSpPr>
           <p:nvPr>
-            <p:ph idx="1" type="body"/>
+            <p:ph type="body" idx="1"/>
           </p:nvPr>
         </p:nvSpPr>
         <p:spPr>
@@ -2229,12 +2301,12 @@
           </a:prstGeom>
         </p:spPr>
         <p:txBody>
-          <a:bodyPr anchorCtr="0" anchor="t" bIns="91425" lIns="91425" spcFirstLastPara="1" rIns="91425" wrap="square" tIns="91425">
+          <a:bodyPr spcFirstLastPara="1" wrap="square" lIns="91425" tIns="91425" rIns="91425" bIns="91425" anchor="t" anchorCtr="0">
             <a:noAutofit/>
           </a:bodyPr>
           <a:lstStyle/>
           <a:p>
-            <a:pPr indent="0" lvl="0" marL="0" rtl="0" algn="l">
+            <a:pPr marL="0" lvl="0" indent="0" algn="l" rtl="0">
               <a:spcBef>
                 <a:spcPts val="0"/>
               </a:spcBef>
@@ -2245,31 +2317,7 @@
             </a:pPr>
             <a:r>
               <a:rPr lang="en"/>
-              <a:t>Using the program on a random sample of 20 student schedules, stratified by grade level and provided by the school administration, I generated these results. Across the board, you can see that the program decreased the distance travelled by each student by 40% on average. One key point to note is the second point from the right. In this situation, the heuristic </a:t>
-            </a:r>
-            <a:r>
-              <a:rPr lang="en"/>
-              <a:t>travelling</a:t>
-            </a:r>
-            <a:r>
-              <a:rPr lang="en"/>
-              <a:t> salesman algorithm actually increased the distance travelled with that particular schedule. This is completely </a:t>
-            </a:r>
-            <a:r>
-              <a:rPr lang="en"/>
-              <a:t>normal</a:t>
-            </a:r>
-            <a:r>
-              <a:rPr lang="en"/>
-              <a:t> and not some anomaly against mathematics. The </a:t>
-            </a:r>
-            <a:r>
-              <a:rPr lang="en"/>
-              <a:t>heuristic</a:t>
-            </a:r>
-            <a:r>
-              <a:rPr lang="en"/>
-              <a:t> is only good enough to produce a result that is about 60-70% as efficient as the true best answer. It simply occurred by chance that the original schedule was more efficient than the heuristically generated schedule. </a:t>
+              <a:t>Using the program on a random sample of 20 student schedules, stratified by grade level and provided by the school administration, I generated these results. Across the board, you can see that the program decreased the distance travelled by each student by 40% on average. One key point to note is the second point from the right. In this situation, the heuristic travelling salesman algorithm actually increased the distance travelled with that particular schedule. This is completely normal and not some anomaly against mathematics. The heuristic is only good enough to produce a result that is about 60-70% as efficient as the true best answer. It simply occurred by chance that the original schedule was more efficient than the heuristically generated schedule. </a:t>
             </a:r>
             <a:endParaRPr/>
           </a:p>
@@ -2284,11 +2332,11 @@
 </file>
 
 <file path=ppt/slideLayouts/slideLayout1.xml><?xml version="1.0" encoding="utf-8"?>
-<p:sldLayout xmlns:a="http://schemas.openxmlformats.org/drawingml/2006/main" xmlns:r="http://schemas.openxmlformats.org/officeDocument/2006/relationships" xmlns:mc="http://schemas.openxmlformats.org/markup-compatibility/2006" xmlns:mv="urn:schemas-microsoft-com:mac:vml" xmlns:p="http://schemas.openxmlformats.org/presentationml/2006/main" xmlns:c="http://schemas.openxmlformats.org/drawingml/2006/chart" xmlns:dgm="http://schemas.openxmlformats.org/drawingml/2006/diagram" xmlns:o="urn:schemas-microsoft-com:office:office" xmlns:v="urn:schemas-microsoft-com:vml" xmlns:pvml="urn:schemas-microsoft-com:office:powerpoint" xmlns:com="http://schemas.openxmlformats.org/drawingml/2006/compatibility" xmlns:p14="http://schemas.microsoft.com/office/powerpoint/2010/main" xmlns:p15="http://schemas.microsoft.com/office/powerpoint/2012/main" xmlns:ahyp="http://schemas.microsoft.com/office/drawing/2018/hyperlinkcolor" matchingName="Title slide" type="title">
+<p:sldLayout xmlns:a="http://schemas.openxmlformats.org/drawingml/2006/main" xmlns:r="http://schemas.openxmlformats.org/officeDocument/2006/relationships" xmlns:p="http://schemas.openxmlformats.org/presentationml/2006/main" matchingName="Title slide" type="title">
   <p:cSld name="TITLE">
     <p:spTree>
       <p:nvGrpSpPr>
-        <p:cNvPr id="9" name="Shape 9"/>
+        <p:cNvPr id="1" name="Shape 9"/>
         <p:cNvGrpSpPr/>
         <p:nvPr/>
       </p:nvGrpSpPr>
@@ -2315,14 +2363,14 @@
             <a:avLst/>
           </a:prstGeom>
           <a:noFill/>
-          <a:ln cap="flat" cmpd="sng" w="76200">
+          <a:ln w="76200" cap="flat" cmpd="sng">
             <a:solidFill>
               <a:schemeClr val="lt2"/>
             </a:solidFill>
             <a:prstDash val="solid"/>
             <a:round/>
-            <a:headEnd len="sm" w="sm" type="none"/>
-            <a:tailEnd len="sm" w="sm" type="none"/>
+            <a:headEnd type="none" w="sm" len="sm"/>
+            <a:tailEnd type="none" w="sm" len="sm"/>
           </a:ln>
         </p:spPr>
       </p:cxnSp>
@@ -2341,14 +2389,14 @@
             <a:avLst/>
           </a:prstGeom>
           <a:noFill/>
-          <a:ln cap="flat" cmpd="sng" w="76200">
+          <a:ln w="76200" cap="flat" cmpd="sng">
             <a:solidFill>
               <a:schemeClr val="lt2"/>
             </a:solidFill>
             <a:prstDash val="solid"/>
             <a:round/>
-            <a:headEnd len="sm" w="sm" type="none"/>
-            <a:tailEnd len="sm" w="sm" type="none"/>
+            <a:headEnd type="none" w="sm" len="sm"/>
+            <a:tailEnd type="none" w="sm" len="sm"/>
           </a:ln>
         </p:spPr>
       </p:cxnSp>
@@ -2381,14 +2429,14 @@
               <a:avLst/>
             </a:prstGeom>
             <a:noFill/>
-            <a:ln cap="flat" cmpd="sng" w="76200">
+            <a:ln w="76200" cap="flat" cmpd="sng">
               <a:solidFill>
                 <a:schemeClr val="accent3"/>
               </a:solidFill>
               <a:prstDash val="solid"/>
               <a:round/>
-              <a:headEnd len="sm" w="sm" type="none"/>
-              <a:tailEnd len="sm" w="sm" type="none"/>
+              <a:headEnd type="none" w="sm" len="sm"/>
+              <a:tailEnd type="none" w="sm" len="sm"/>
             </a:ln>
           </p:spPr>
         </p:cxnSp>
@@ -2407,14 +2455,14 @@
               <a:avLst/>
             </a:prstGeom>
             <a:noFill/>
-            <a:ln cap="flat" cmpd="sng" w="9525">
+            <a:ln w="9525" cap="flat" cmpd="sng">
               <a:solidFill>
                 <a:schemeClr val="accent3"/>
               </a:solidFill>
               <a:prstDash val="solid"/>
               <a:round/>
-              <a:headEnd len="sm" w="sm" type="none"/>
-              <a:tailEnd len="sm" w="sm" type="none"/>
+              <a:headEnd type="none" w="sm" len="sm"/>
+              <a:tailEnd type="none" w="sm" len="sm"/>
             </a:ln>
           </p:spPr>
         </p:cxnSp>
@@ -2448,14 +2496,14 @@
               <a:avLst/>
             </a:prstGeom>
             <a:noFill/>
-            <a:ln cap="flat" cmpd="sng" w="76200">
+            <a:ln w="76200" cap="flat" cmpd="sng">
               <a:solidFill>
                 <a:schemeClr val="accent3"/>
               </a:solidFill>
               <a:prstDash val="solid"/>
               <a:round/>
-              <a:headEnd len="sm" w="sm" type="none"/>
-              <a:tailEnd len="sm" w="sm" type="none"/>
+              <a:headEnd type="none" w="sm" len="sm"/>
+              <a:tailEnd type="none" w="sm" len="sm"/>
             </a:ln>
           </p:spPr>
         </p:cxnSp>
@@ -2474,14 +2522,14 @@
               <a:avLst/>
             </a:prstGeom>
             <a:noFill/>
-            <a:ln cap="flat" cmpd="sng" w="9525">
+            <a:ln w="9525" cap="flat" cmpd="sng">
               <a:solidFill>
                 <a:schemeClr val="accent3"/>
               </a:solidFill>
               <a:prstDash val="solid"/>
               <a:round/>
-              <a:headEnd len="sm" w="sm" type="none"/>
-              <a:tailEnd len="sm" w="sm" type="none"/>
+              <a:headEnd type="none" w="sm" len="sm"/>
+              <a:tailEnd type="none" w="sm" len="sm"/>
             </a:ln>
           </p:spPr>
         </p:cxnSp>
@@ -2489,7 +2537,9 @@
       <p:sp>
         <p:nvSpPr>
           <p:cNvPr id="18" name="Google Shape;18;p2"/>
-          <p:cNvSpPr txBox="1"/>
+          <p:cNvSpPr txBox="1">
+            <a:spLocks noGrp="1"/>
+          </p:cNvSpPr>
           <p:nvPr>
             <p:ph type="ctrTitle"/>
           </p:nvPr>
@@ -2504,7 +2554,7 @@
           </a:prstGeom>
         </p:spPr>
         <p:txBody>
-          <a:bodyPr anchorCtr="0" anchor="b" bIns="91425" lIns="91425" spcFirstLastPara="1" rIns="91425" wrap="square" tIns="91425">
+          <a:bodyPr spcFirstLastPara="1" wrap="square" lIns="91425" tIns="91425" rIns="91425" bIns="91425" anchor="b" anchorCtr="0">
             <a:noAutofit/>
           </a:bodyPr>
           <a:lstStyle>
@@ -2608,15 +2658,19 @@
               <a:defRPr sz="5400"/>
             </a:lvl9pPr>
           </a:lstStyle>
-          <a:p/>
+          <a:p>
+            <a:endParaRPr/>
+          </a:p>
         </p:txBody>
       </p:sp>
       <p:sp>
         <p:nvSpPr>
           <p:cNvPr id="19" name="Google Shape;19;p2"/>
-          <p:cNvSpPr txBox="1"/>
+          <p:cNvSpPr txBox="1">
+            <a:spLocks noGrp="1"/>
+          </p:cNvSpPr>
           <p:nvPr>
-            <p:ph idx="1" type="subTitle"/>
+            <p:ph type="subTitle" idx="1"/>
           </p:nvPr>
         </p:nvSpPr>
         <p:spPr>
@@ -2629,7 +2683,7 @@
           </a:prstGeom>
         </p:spPr>
         <p:txBody>
-          <a:bodyPr anchorCtr="0" anchor="t" bIns="91425" lIns="91425" spcFirstLastPara="1" rIns="91425" wrap="square" tIns="91425">
+          <a:bodyPr spcFirstLastPara="1" wrap="square" lIns="91425" tIns="91425" rIns="91425" bIns="91425" anchor="t" anchorCtr="0">
             <a:noAutofit/>
           </a:bodyPr>
           <a:lstStyle>
@@ -2760,15 +2814,19 @@
               <a:defRPr sz="2400"/>
             </a:lvl9pPr>
           </a:lstStyle>
-          <a:p/>
+          <a:p>
+            <a:endParaRPr/>
+          </a:p>
         </p:txBody>
       </p:sp>
       <p:sp>
         <p:nvSpPr>
           <p:cNvPr id="20" name="Google Shape;20;p2"/>
-          <p:cNvSpPr txBox="1"/>
+          <p:cNvSpPr txBox="1">
+            <a:spLocks noGrp="1"/>
+          </p:cNvSpPr>
           <p:nvPr>
-            <p:ph idx="12" type="sldNum"/>
+            <p:ph type="sldNum" idx="12"/>
           </p:nvPr>
         </p:nvSpPr>
         <p:spPr>
@@ -2781,7 +2839,7 @@
           </a:prstGeom>
         </p:spPr>
         <p:txBody>
-          <a:bodyPr anchorCtr="0" anchor="ctr" bIns="91425" lIns="91425" spcFirstLastPara="1" rIns="91425" wrap="square" tIns="91425">
+          <a:bodyPr spcFirstLastPara="1" wrap="square" lIns="91425" tIns="91425" rIns="91425" bIns="91425" anchor="ctr" anchorCtr="0">
             <a:noAutofit/>
           </a:bodyPr>
           <a:lstStyle>
@@ -2823,7 +2881,7 @@
             </a:lvl9pPr>
           </a:lstStyle>
           <a:p>
-            <a:pPr indent="0" lvl="0" marL="0" rtl="0" algn="r">
+            <a:pPr marL="0" lvl="0" indent="0" algn="r" rtl="0">
               <a:spcBef>
                 <a:spcPts val="0"/>
               </a:spcBef>
@@ -2849,11 +2907,11 @@
 </file>
 
 <file path=ppt/slideLayouts/slideLayout10.xml><?xml version="1.0" encoding="utf-8"?>
-<p:sldLayout xmlns:a="http://schemas.openxmlformats.org/drawingml/2006/main" xmlns:r="http://schemas.openxmlformats.org/officeDocument/2006/relationships" xmlns:mc="http://schemas.openxmlformats.org/markup-compatibility/2006" xmlns:mv="urn:schemas-microsoft-com:mac:vml" xmlns:p="http://schemas.openxmlformats.org/presentationml/2006/main" xmlns:c="http://schemas.openxmlformats.org/drawingml/2006/chart" xmlns:dgm="http://schemas.openxmlformats.org/drawingml/2006/diagram" xmlns:o="urn:schemas-microsoft-com:office:office" xmlns:v="urn:schemas-microsoft-com:vml" xmlns:pvml="urn:schemas-microsoft-com:office:powerpoint" xmlns:com="http://schemas.openxmlformats.org/drawingml/2006/compatibility" xmlns:p14="http://schemas.microsoft.com/office/powerpoint/2010/main" xmlns:p15="http://schemas.microsoft.com/office/powerpoint/2012/main" xmlns:ahyp="http://schemas.microsoft.com/office/drawing/2018/hyperlinkcolor" matchingName="Big number">
+<p:sldLayout xmlns:a="http://schemas.openxmlformats.org/drawingml/2006/main" xmlns:r="http://schemas.openxmlformats.org/officeDocument/2006/relationships" xmlns:p="http://schemas.openxmlformats.org/presentationml/2006/main" matchingName="Big number">
   <p:cSld name="BIG_NUMBER">
     <p:spTree>
       <p:nvGrpSpPr>
-        <p:cNvPr id="55" name="Shape 55"/>
+        <p:cNvPr id="1" name="Shape 55"/>
         <p:cNvGrpSpPr/>
         <p:nvPr/>
       </p:nvGrpSpPr>
@@ -2887,12 +2945,12 @@
           </a:ln>
         </p:spPr>
         <p:txBody>
-          <a:bodyPr anchorCtr="0" anchor="ctr" bIns="91425" lIns="91425" spcFirstLastPara="1" rIns="91425" wrap="square" tIns="91425">
+          <a:bodyPr spcFirstLastPara="1" wrap="square" lIns="91425" tIns="91425" rIns="91425" bIns="91425" anchor="ctr" anchorCtr="0">
             <a:noAutofit/>
           </a:bodyPr>
           <a:lstStyle/>
           <a:p>
-            <a:pPr indent="0" lvl="0" marL="0" rtl="0" algn="l">
+            <a:pPr marL="0" lvl="0" indent="0" algn="l" rtl="0">
               <a:spcBef>
                 <a:spcPts val="0"/>
               </a:spcBef>
@@ -2901,9 +2959,6 @@
               </a:spcAft>
               <a:buNone/>
             </a:pPr>
-            <a:r>
-              <a:t/>
-            </a:r>
             <a:endParaRPr/>
           </a:p>
         </p:txBody>
@@ -2911,9 +2966,11 @@
       <p:sp>
         <p:nvSpPr>
           <p:cNvPr id="57" name="Google Shape;57;p11"/>
-          <p:cNvSpPr txBox="1"/>
+          <p:cNvSpPr txBox="1">
+            <a:spLocks noGrp="1"/>
+          </p:cNvSpPr>
           <p:nvPr>
-            <p:ph hasCustomPrompt="1" type="title"/>
+            <p:ph type="title" hasCustomPrompt="1"/>
           </p:nvPr>
         </p:nvSpPr>
         <p:spPr>
@@ -2926,7 +2983,7 @@
           </a:prstGeom>
         </p:spPr>
         <p:txBody>
-          <a:bodyPr anchorCtr="0" anchor="ctr" bIns="91425" lIns="91425" spcFirstLastPara="1" rIns="91425" wrap="square" tIns="91425">
+          <a:bodyPr spcFirstLastPara="1" wrap="square" lIns="91425" tIns="91425" rIns="91425" bIns="91425" anchor="ctr" anchorCtr="0">
             <a:noAutofit/>
           </a:bodyPr>
           <a:lstStyle>
@@ -3103,9 +3160,11 @@
       <p:sp>
         <p:nvSpPr>
           <p:cNvPr id="58" name="Google Shape;58;p11"/>
-          <p:cNvSpPr txBox="1"/>
+          <p:cNvSpPr txBox="1">
+            <a:spLocks noGrp="1"/>
+          </p:cNvSpPr>
           <p:nvPr>
-            <p:ph idx="1" type="body"/>
+            <p:ph type="body" idx="1"/>
           </p:nvPr>
         </p:nvSpPr>
         <p:spPr>
@@ -3118,11 +3177,11 @@
           </a:prstGeom>
         </p:spPr>
         <p:txBody>
-          <a:bodyPr anchorCtr="0" anchor="t" bIns="91425" lIns="91425" spcFirstLastPara="1" rIns="91425" wrap="square" tIns="91425">
+          <a:bodyPr spcFirstLastPara="1" wrap="square" lIns="91425" tIns="91425" rIns="91425" bIns="91425" anchor="t" anchorCtr="0">
             <a:noAutofit/>
           </a:bodyPr>
           <a:lstStyle>
-            <a:lvl1pPr indent="-342900" lvl="0" marL="457200" algn="ctr">
+            <a:lvl1pPr marL="457200" lvl="0" indent="-342900" algn="ctr">
               <a:spcBef>
                 <a:spcPts val="0"/>
               </a:spcBef>
@@ -3133,7 +3192,7 @@
               <a:buChar char="●"/>
               <a:defRPr/>
             </a:lvl1pPr>
-            <a:lvl2pPr indent="-317500" lvl="1" marL="914400" algn="ctr">
+            <a:lvl2pPr marL="914400" lvl="1" indent="-317500" algn="ctr">
               <a:spcBef>
                 <a:spcPts val="1600"/>
               </a:spcBef>
@@ -3144,7 +3203,7 @@
               <a:buChar char="○"/>
               <a:defRPr/>
             </a:lvl2pPr>
-            <a:lvl3pPr indent="-317500" lvl="2" marL="1371600" algn="ctr">
+            <a:lvl3pPr marL="1371600" lvl="2" indent="-317500" algn="ctr">
               <a:spcBef>
                 <a:spcPts val="1600"/>
               </a:spcBef>
@@ -3155,7 +3214,7 @@
               <a:buChar char="■"/>
               <a:defRPr/>
             </a:lvl3pPr>
-            <a:lvl4pPr indent="-317500" lvl="3" marL="1828800" algn="ctr">
+            <a:lvl4pPr marL="1828800" lvl="3" indent="-317500" algn="ctr">
               <a:spcBef>
                 <a:spcPts val="1600"/>
               </a:spcBef>
@@ -3166,7 +3225,7 @@
               <a:buChar char="●"/>
               <a:defRPr/>
             </a:lvl4pPr>
-            <a:lvl5pPr indent="-317500" lvl="4" marL="2286000" algn="ctr">
+            <a:lvl5pPr marL="2286000" lvl="4" indent="-317500" algn="ctr">
               <a:spcBef>
                 <a:spcPts val="1600"/>
               </a:spcBef>
@@ -3177,7 +3236,7 @@
               <a:buChar char="○"/>
               <a:defRPr/>
             </a:lvl5pPr>
-            <a:lvl6pPr indent="-317500" lvl="5" marL="2743200" algn="ctr">
+            <a:lvl6pPr marL="2743200" lvl="5" indent="-317500" algn="ctr">
               <a:spcBef>
                 <a:spcPts val="1600"/>
               </a:spcBef>
@@ -3188,7 +3247,7 @@
               <a:buChar char="■"/>
               <a:defRPr/>
             </a:lvl6pPr>
-            <a:lvl7pPr indent="-317500" lvl="6" marL="3200400" algn="ctr">
+            <a:lvl7pPr marL="3200400" lvl="6" indent="-317500" algn="ctr">
               <a:spcBef>
                 <a:spcPts val="1600"/>
               </a:spcBef>
@@ -3199,7 +3258,7 @@
               <a:buChar char="●"/>
               <a:defRPr/>
             </a:lvl7pPr>
-            <a:lvl8pPr indent="-317500" lvl="7" marL="3657600" algn="ctr">
+            <a:lvl8pPr marL="3657600" lvl="7" indent="-317500" algn="ctr">
               <a:spcBef>
                 <a:spcPts val="1600"/>
               </a:spcBef>
@@ -3210,7 +3269,7 @@
               <a:buChar char="○"/>
               <a:defRPr/>
             </a:lvl8pPr>
-            <a:lvl9pPr indent="-317500" lvl="8" marL="4114800" algn="ctr">
+            <a:lvl9pPr marL="4114800" lvl="8" indent="-317500" algn="ctr">
               <a:spcBef>
                 <a:spcPts val="1600"/>
               </a:spcBef>
@@ -3222,15 +3281,19 @@
               <a:defRPr/>
             </a:lvl9pPr>
           </a:lstStyle>
-          <a:p/>
+          <a:p>
+            <a:endParaRPr/>
+          </a:p>
         </p:txBody>
       </p:sp>
       <p:sp>
         <p:nvSpPr>
           <p:cNvPr id="59" name="Google Shape;59;p11"/>
-          <p:cNvSpPr txBox="1"/>
+          <p:cNvSpPr txBox="1">
+            <a:spLocks noGrp="1"/>
+          </p:cNvSpPr>
           <p:nvPr>
-            <p:ph idx="12" type="sldNum"/>
+            <p:ph type="sldNum" idx="12"/>
           </p:nvPr>
         </p:nvSpPr>
         <p:spPr>
@@ -3243,7 +3306,7 @@
           </a:prstGeom>
         </p:spPr>
         <p:txBody>
-          <a:bodyPr anchorCtr="0" anchor="ctr" bIns="91425" lIns="91425" spcFirstLastPara="1" rIns="91425" wrap="square" tIns="91425">
+          <a:bodyPr spcFirstLastPara="1" wrap="square" lIns="91425" tIns="91425" rIns="91425" bIns="91425" anchor="ctr" anchorCtr="0">
             <a:noAutofit/>
           </a:bodyPr>
           <a:lstStyle>
@@ -3285,7 +3348,7 @@
             </a:lvl9pPr>
           </a:lstStyle>
           <a:p>
-            <a:pPr indent="0" lvl="0" marL="0" rtl="0" algn="r">
+            <a:pPr marL="0" lvl="0" indent="0" algn="r" rtl="0">
               <a:spcBef>
                 <a:spcPts val="0"/>
               </a:spcBef>
@@ -3311,11 +3374,11 @@
 </file>
 
 <file path=ppt/slideLayouts/slideLayout11.xml><?xml version="1.0" encoding="utf-8"?>
-<p:sldLayout xmlns:a="http://schemas.openxmlformats.org/drawingml/2006/main" xmlns:r="http://schemas.openxmlformats.org/officeDocument/2006/relationships" xmlns:mc="http://schemas.openxmlformats.org/markup-compatibility/2006" xmlns:mv="urn:schemas-microsoft-com:mac:vml" xmlns:p="http://schemas.openxmlformats.org/presentationml/2006/main" xmlns:c="http://schemas.openxmlformats.org/drawingml/2006/chart" xmlns:dgm="http://schemas.openxmlformats.org/drawingml/2006/diagram" xmlns:o="urn:schemas-microsoft-com:office:office" xmlns:v="urn:schemas-microsoft-com:vml" xmlns:pvml="urn:schemas-microsoft-com:office:powerpoint" xmlns:com="http://schemas.openxmlformats.org/drawingml/2006/compatibility" xmlns:p14="http://schemas.microsoft.com/office/powerpoint/2010/main" xmlns:p15="http://schemas.microsoft.com/office/powerpoint/2012/main" xmlns:ahyp="http://schemas.microsoft.com/office/drawing/2018/hyperlinkcolor" matchingName="Blank" type="blank">
+<p:sldLayout xmlns:a="http://schemas.openxmlformats.org/drawingml/2006/main" xmlns:r="http://schemas.openxmlformats.org/officeDocument/2006/relationships" xmlns:p="http://schemas.openxmlformats.org/presentationml/2006/main" matchingName="Blank" type="blank">
   <p:cSld name="BLANK">
     <p:spTree>
       <p:nvGrpSpPr>
-        <p:cNvPr id="60" name="Shape 60"/>
+        <p:cNvPr id="1" name="Shape 60"/>
         <p:cNvGrpSpPr/>
         <p:nvPr/>
       </p:nvGrpSpPr>
@@ -3330,9 +3393,11 @@
       <p:sp>
         <p:nvSpPr>
           <p:cNvPr id="61" name="Google Shape;61;p12"/>
-          <p:cNvSpPr txBox="1"/>
+          <p:cNvSpPr txBox="1">
+            <a:spLocks noGrp="1"/>
+          </p:cNvSpPr>
           <p:nvPr>
-            <p:ph idx="12" type="sldNum"/>
+            <p:ph type="sldNum" idx="12"/>
           </p:nvPr>
         </p:nvSpPr>
         <p:spPr>
@@ -3345,7 +3410,7 @@
           </a:prstGeom>
         </p:spPr>
         <p:txBody>
-          <a:bodyPr anchorCtr="0" anchor="ctr" bIns="91425" lIns="91425" spcFirstLastPara="1" rIns="91425" wrap="square" tIns="91425">
+          <a:bodyPr spcFirstLastPara="1" wrap="square" lIns="91425" tIns="91425" rIns="91425" bIns="91425" anchor="ctr" anchorCtr="0">
             <a:noAutofit/>
           </a:bodyPr>
           <a:lstStyle>
@@ -3387,7 +3452,7 @@
             </a:lvl9pPr>
           </a:lstStyle>
           <a:p>
-            <a:pPr indent="0" lvl="0" marL="0" rtl="0" algn="r">
+            <a:pPr marL="0" lvl="0" indent="0" algn="r" rtl="0">
               <a:spcBef>
                 <a:spcPts val="0"/>
               </a:spcBef>
@@ -3413,11 +3478,11 @@
 </file>
 
 <file path=ppt/slideLayouts/slideLayout2.xml><?xml version="1.0" encoding="utf-8"?>
-<p:sldLayout xmlns:a="http://schemas.openxmlformats.org/drawingml/2006/main" xmlns:r="http://schemas.openxmlformats.org/officeDocument/2006/relationships" xmlns:mc="http://schemas.openxmlformats.org/markup-compatibility/2006" xmlns:mv="urn:schemas-microsoft-com:mac:vml" xmlns:p="http://schemas.openxmlformats.org/presentationml/2006/main" xmlns:c="http://schemas.openxmlformats.org/drawingml/2006/chart" xmlns:dgm="http://schemas.openxmlformats.org/drawingml/2006/diagram" xmlns:o="urn:schemas-microsoft-com:office:office" xmlns:v="urn:schemas-microsoft-com:vml" xmlns:pvml="urn:schemas-microsoft-com:office:powerpoint" xmlns:com="http://schemas.openxmlformats.org/drawingml/2006/compatibility" xmlns:p14="http://schemas.microsoft.com/office/powerpoint/2010/main" xmlns:p15="http://schemas.microsoft.com/office/powerpoint/2012/main" xmlns:ahyp="http://schemas.microsoft.com/office/drawing/2018/hyperlinkcolor" matchingName="Section header" type="secHead">
+<p:sldLayout xmlns:a="http://schemas.openxmlformats.org/drawingml/2006/main" xmlns:r="http://schemas.openxmlformats.org/officeDocument/2006/relationships" xmlns:p="http://schemas.openxmlformats.org/presentationml/2006/main" matchingName="Section header" type="secHead">
   <p:cSld name="SECTION_HEADER">
     <p:spTree>
       <p:nvGrpSpPr>
-        <p:cNvPr id="21" name="Shape 21"/>
+        <p:cNvPr id="1" name="Shape 21"/>
         <p:cNvGrpSpPr/>
         <p:nvPr/>
       </p:nvGrpSpPr>
@@ -3451,12 +3516,12 @@
           </a:ln>
         </p:spPr>
         <p:txBody>
-          <a:bodyPr anchorCtr="0" anchor="ctr" bIns="91425" lIns="91425" spcFirstLastPara="1" rIns="91425" wrap="square" tIns="91425">
+          <a:bodyPr spcFirstLastPara="1" wrap="square" lIns="91425" tIns="91425" rIns="91425" bIns="91425" anchor="ctr" anchorCtr="0">
             <a:noAutofit/>
           </a:bodyPr>
           <a:lstStyle/>
           <a:p>
-            <a:pPr indent="0" lvl="0" marL="0" rtl="0" algn="l">
+            <a:pPr marL="0" lvl="0" indent="0" algn="l" rtl="0">
               <a:spcBef>
                 <a:spcPts val="0"/>
               </a:spcBef>
@@ -3465,9 +3530,6 @@
               </a:spcAft>
               <a:buNone/>
             </a:pPr>
-            <a:r>
-              <a:t/>
-            </a:r>
             <a:endParaRPr/>
           </a:p>
         </p:txBody>
@@ -3475,7 +3537,9 @@
       <p:sp>
         <p:nvSpPr>
           <p:cNvPr id="23" name="Google Shape;23;p3"/>
-          <p:cNvSpPr txBox="1"/>
+          <p:cNvSpPr txBox="1">
+            <a:spLocks noGrp="1"/>
+          </p:cNvSpPr>
           <p:nvPr>
             <p:ph type="title"/>
           </p:nvPr>
@@ -3490,7 +3554,7 @@
           </a:prstGeom>
         </p:spPr>
         <p:txBody>
-          <a:bodyPr anchorCtr="0" anchor="ctr" bIns="91425" lIns="91425" spcFirstLastPara="1" rIns="91425" wrap="square" tIns="91425">
+          <a:bodyPr spcFirstLastPara="1" wrap="square" lIns="91425" tIns="91425" rIns="91425" bIns="91425" anchor="ctr" anchorCtr="0">
             <a:noAutofit/>
           </a:bodyPr>
           <a:lstStyle>
@@ -3594,15 +3658,19 @@
               <a:defRPr/>
             </a:lvl9pPr>
           </a:lstStyle>
-          <a:p/>
+          <a:p>
+            <a:endParaRPr/>
+          </a:p>
         </p:txBody>
       </p:sp>
       <p:sp>
         <p:nvSpPr>
           <p:cNvPr id="24" name="Google Shape;24;p3"/>
-          <p:cNvSpPr txBox="1"/>
+          <p:cNvSpPr txBox="1">
+            <a:spLocks noGrp="1"/>
+          </p:cNvSpPr>
           <p:nvPr>
-            <p:ph idx="12" type="sldNum"/>
+            <p:ph type="sldNum" idx="12"/>
           </p:nvPr>
         </p:nvSpPr>
         <p:spPr>
@@ -3615,7 +3683,7 @@
           </a:prstGeom>
         </p:spPr>
         <p:txBody>
-          <a:bodyPr anchorCtr="0" anchor="ctr" bIns="91425" lIns="91425" spcFirstLastPara="1" rIns="91425" wrap="square" tIns="91425">
+          <a:bodyPr spcFirstLastPara="1" wrap="square" lIns="91425" tIns="91425" rIns="91425" bIns="91425" anchor="ctr" anchorCtr="0">
             <a:noAutofit/>
           </a:bodyPr>
           <a:lstStyle>
@@ -3693,7 +3761,7 @@
             </a:lvl9pPr>
           </a:lstStyle>
           <a:p>
-            <a:pPr indent="0" lvl="0" marL="0" rtl="0" algn="r">
+            <a:pPr marL="0" lvl="0" indent="0" algn="r" rtl="0">
               <a:spcBef>
                 <a:spcPts val="0"/>
               </a:spcBef>
@@ -3719,11 +3787,11 @@
 </file>
 
 <file path=ppt/slideLayouts/slideLayout3.xml><?xml version="1.0" encoding="utf-8"?>
-<p:sldLayout xmlns:a="http://schemas.openxmlformats.org/drawingml/2006/main" xmlns:r="http://schemas.openxmlformats.org/officeDocument/2006/relationships" xmlns:mc="http://schemas.openxmlformats.org/markup-compatibility/2006" xmlns:mv="urn:schemas-microsoft-com:mac:vml" xmlns:p="http://schemas.openxmlformats.org/presentationml/2006/main" xmlns:c="http://schemas.openxmlformats.org/drawingml/2006/chart" xmlns:dgm="http://schemas.openxmlformats.org/drawingml/2006/diagram" xmlns:o="urn:schemas-microsoft-com:office:office" xmlns:v="urn:schemas-microsoft-com:vml" xmlns:pvml="urn:schemas-microsoft-com:office:powerpoint" xmlns:com="http://schemas.openxmlformats.org/drawingml/2006/compatibility" xmlns:p14="http://schemas.microsoft.com/office/powerpoint/2010/main" xmlns:p15="http://schemas.microsoft.com/office/powerpoint/2012/main" xmlns:ahyp="http://schemas.microsoft.com/office/drawing/2018/hyperlinkcolor" matchingName="Title and body" type="tx">
+<p:sldLayout xmlns:a="http://schemas.openxmlformats.org/drawingml/2006/main" xmlns:r="http://schemas.openxmlformats.org/officeDocument/2006/relationships" xmlns:p="http://schemas.openxmlformats.org/presentationml/2006/main" matchingName="Title and body" type="tx">
   <p:cSld name="TITLE_AND_BODY">
     <p:spTree>
       <p:nvGrpSpPr>
-        <p:cNvPr id="25" name="Shape 25"/>
+        <p:cNvPr id="1" name="Shape 25"/>
         <p:cNvGrpSpPr/>
         <p:nvPr/>
       </p:nvGrpSpPr>
@@ -3757,12 +3825,12 @@
           </a:ln>
         </p:spPr>
         <p:txBody>
-          <a:bodyPr anchorCtr="0" anchor="ctr" bIns="91425" lIns="91425" spcFirstLastPara="1" rIns="91425" wrap="square" tIns="91425">
+          <a:bodyPr spcFirstLastPara="1" wrap="square" lIns="91425" tIns="91425" rIns="91425" bIns="91425" anchor="ctr" anchorCtr="0">
             <a:noAutofit/>
           </a:bodyPr>
           <a:lstStyle/>
           <a:p>
-            <a:pPr indent="0" lvl="0" marL="0" rtl="0" algn="l">
+            <a:pPr marL="0" lvl="0" indent="0" algn="l" rtl="0">
               <a:spcBef>
                 <a:spcPts val="0"/>
               </a:spcBef>
@@ -3771,9 +3839,6 @@
               </a:spcAft>
               <a:buNone/>
             </a:pPr>
-            <a:r>
-              <a:t/>
-            </a:r>
             <a:endParaRPr/>
           </a:p>
         </p:txBody>
@@ -3781,7 +3846,9 @@
       <p:sp>
         <p:nvSpPr>
           <p:cNvPr id="27" name="Google Shape;27;p4"/>
-          <p:cNvSpPr txBox="1"/>
+          <p:cNvSpPr txBox="1">
+            <a:spLocks noGrp="1"/>
+          </p:cNvSpPr>
           <p:nvPr>
             <p:ph type="title"/>
           </p:nvPr>
@@ -3796,7 +3863,7 @@
           </a:prstGeom>
         </p:spPr>
         <p:txBody>
-          <a:bodyPr anchorCtr="0" anchor="t" bIns="91425" lIns="91425" spcFirstLastPara="1" rIns="91425" wrap="square" tIns="91425">
+          <a:bodyPr spcFirstLastPara="1" wrap="square" lIns="91425" tIns="91425" rIns="91425" bIns="91425" anchor="t" anchorCtr="0">
             <a:noAutofit/>
           </a:bodyPr>
           <a:lstStyle>
@@ -3900,15 +3967,19 @@
               <a:defRPr/>
             </a:lvl9pPr>
           </a:lstStyle>
-          <a:p/>
+          <a:p>
+            <a:endParaRPr/>
+          </a:p>
         </p:txBody>
       </p:sp>
       <p:sp>
         <p:nvSpPr>
           <p:cNvPr id="28" name="Google Shape;28;p4"/>
-          <p:cNvSpPr txBox="1"/>
+          <p:cNvSpPr txBox="1">
+            <a:spLocks noGrp="1"/>
+          </p:cNvSpPr>
           <p:nvPr>
-            <p:ph idx="1" type="body"/>
+            <p:ph type="body" idx="1"/>
           </p:nvPr>
         </p:nvSpPr>
         <p:spPr>
@@ -3921,11 +3992,11 @@
           </a:prstGeom>
         </p:spPr>
         <p:txBody>
-          <a:bodyPr anchorCtr="0" anchor="t" bIns="91425" lIns="91425" spcFirstLastPara="1" rIns="91425" wrap="square" tIns="91425">
+          <a:bodyPr spcFirstLastPara="1" wrap="square" lIns="91425" tIns="91425" rIns="91425" bIns="91425" anchor="t" anchorCtr="0">
             <a:noAutofit/>
           </a:bodyPr>
           <a:lstStyle>
-            <a:lvl1pPr indent="-342900" lvl="0" marL="457200">
+            <a:lvl1pPr marL="457200" lvl="0" indent="-342900">
               <a:spcBef>
                 <a:spcPts val="0"/>
               </a:spcBef>
@@ -3936,7 +4007,7 @@
               <a:buChar char="●"/>
               <a:defRPr/>
             </a:lvl1pPr>
-            <a:lvl2pPr indent="-317500" lvl="1" marL="914400">
+            <a:lvl2pPr marL="914400" lvl="1" indent="-317500">
               <a:spcBef>
                 <a:spcPts val="1600"/>
               </a:spcBef>
@@ -3947,7 +4018,7 @@
               <a:buChar char="○"/>
               <a:defRPr/>
             </a:lvl2pPr>
-            <a:lvl3pPr indent="-317500" lvl="2" marL="1371600">
+            <a:lvl3pPr marL="1371600" lvl="2" indent="-317500">
               <a:spcBef>
                 <a:spcPts val="1600"/>
               </a:spcBef>
@@ -3958,7 +4029,7 @@
               <a:buChar char="■"/>
               <a:defRPr/>
             </a:lvl3pPr>
-            <a:lvl4pPr indent="-317500" lvl="3" marL="1828800">
+            <a:lvl4pPr marL="1828800" lvl="3" indent="-317500">
               <a:spcBef>
                 <a:spcPts val="1600"/>
               </a:spcBef>
@@ -3969,7 +4040,7 @@
               <a:buChar char="●"/>
               <a:defRPr/>
             </a:lvl4pPr>
-            <a:lvl5pPr indent="-317500" lvl="4" marL="2286000">
+            <a:lvl5pPr marL="2286000" lvl="4" indent="-317500">
               <a:spcBef>
                 <a:spcPts val="1600"/>
               </a:spcBef>
@@ -3980,7 +4051,7 @@
               <a:buChar char="○"/>
               <a:defRPr/>
             </a:lvl5pPr>
-            <a:lvl6pPr indent="-317500" lvl="5" marL="2743200">
+            <a:lvl6pPr marL="2743200" lvl="5" indent="-317500">
               <a:spcBef>
                 <a:spcPts val="1600"/>
               </a:spcBef>
@@ -3991,7 +4062,7 @@
               <a:buChar char="■"/>
               <a:defRPr/>
             </a:lvl6pPr>
-            <a:lvl7pPr indent="-317500" lvl="6" marL="3200400">
+            <a:lvl7pPr marL="3200400" lvl="6" indent="-317500">
               <a:spcBef>
                 <a:spcPts val="1600"/>
               </a:spcBef>
@@ -4002,7 +4073,7 @@
               <a:buChar char="●"/>
               <a:defRPr/>
             </a:lvl7pPr>
-            <a:lvl8pPr indent="-317500" lvl="7" marL="3657600">
+            <a:lvl8pPr marL="3657600" lvl="7" indent="-317500">
               <a:spcBef>
                 <a:spcPts val="1600"/>
               </a:spcBef>
@@ -4013,7 +4084,7 @@
               <a:buChar char="○"/>
               <a:defRPr/>
             </a:lvl8pPr>
-            <a:lvl9pPr indent="-317500" lvl="8" marL="4114800">
+            <a:lvl9pPr marL="4114800" lvl="8" indent="-317500">
               <a:spcBef>
                 <a:spcPts val="1600"/>
               </a:spcBef>
@@ -4025,15 +4096,19 @@
               <a:defRPr/>
             </a:lvl9pPr>
           </a:lstStyle>
-          <a:p/>
+          <a:p>
+            <a:endParaRPr/>
+          </a:p>
         </p:txBody>
       </p:sp>
       <p:sp>
         <p:nvSpPr>
           <p:cNvPr id="29" name="Google Shape;29;p4"/>
-          <p:cNvSpPr txBox="1"/>
+          <p:cNvSpPr txBox="1">
+            <a:spLocks noGrp="1"/>
+          </p:cNvSpPr>
           <p:nvPr>
-            <p:ph idx="12" type="sldNum"/>
+            <p:ph type="sldNum" idx="12"/>
           </p:nvPr>
         </p:nvSpPr>
         <p:spPr>
@@ -4046,7 +4121,7 @@
           </a:prstGeom>
         </p:spPr>
         <p:txBody>
-          <a:bodyPr anchorCtr="0" anchor="ctr" bIns="91425" lIns="91425" spcFirstLastPara="1" rIns="91425" wrap="square" tIns="91425">
+          <a:bodyPr spcFirstLastPara="1" wrap="square" lIns="91425" tIns="91425" rIns="91425" bIns="91425" anchor="ctr" anchorCtr="0">
             <a:noAutofit/>
           </a:bodyPr>
           <a:lstStyle>
@@ -4088,7 +4163,7 @@
             </a:lvl9pPr>
           </a:lstStyle>
           <a:p>
-            <a:pPr indent="0" lvl="0" marL="0" rtl="0" algn="r">
+            <a:pPr marL="0" lvl="0" indent="0" algn="r" rtl="0">
               <a:spcBef>
                 <a:spcPts val="0"/>
               </a:spcBef>
@@ -4114,11 +4189,11 @@
 </file>
 
 <file path=ppt/slideLayouts/slideLayout4.xml><?xml version="1.0" encoding="utf-8"?>
-<p:sldLayout xmlns:a="http://schemas.openxmlformats.org/drawingml/2006/main" xmlns:r="http://schemas.openxmlformats.org/officeDocument/2006/relationships" xmlns:mc="http://schemas.openxmlformats.org/markup-compatibility/2006" xmlns:mv="urn:schemas-microsoft-com:mac:vml" xmlns:p="http://schemas.openxmlformats.org/presentationml/2006/main" xmlns:c="http://schemas.openxmlformats.org/drawingml/2006/chart" xmlns:dgm="http://schemas.openxmlformats.org/drawingml/2006/diagram" xmlns:o="urn:schemas-microsoft-com:office:office" xmlns:v="urn:schemas-microsoft-com:vml" xmlns:pvml="urn:schemas-microsoft-com:office:powerpoint" xmlns:com="http://schemas.openxmlformats.org/drawingml/2006/compatibility" xmlns:p14="http://schemas.microsoft.com/office/powerpoint/2010/main" xmlns:p15="http://schemas.microsoft.com/office/powerpoint/2012/main" xmlns:ahyp="http://schemas.microsoft.com/office/drawing/2018/hyperlinkcolor" matchingName="Title and two columns" type="twoColTx">
+<p:sldLayout xmlns:a="http://schemas.openxmlformats.org/drawingml/2006/main" xmlns:r="http://schemas.openxmlformats.org/officeDocument/2006/relationships" xmlns:p="http://schemas.openxmlformats.org/presentationml/2006/main" matchingName="Title and two columns" type="twoColTx">
   <p:cSld name="TITLE_AND_TWO_COLUMNS">
     <p:spTree>
       <p:nvGrpSpPr>
-        <p:cNvPr id="30" name="Shape 30"/>
+        <p:cNvPr id="1" name="Shape 30"/>
         <p:cNvGrpSpPr/>
         <p:nvPr/>
       </p:nvGrpSpPr>
@@ -4133,7 +4208,9 @@
       <p:sp>
         <p:nvSpPr>
           <p:cNvPr id="31" name="Google Shape;31;p5"/>
-          <p:cNvSpPr txBox="1"/>
+          <p:cNvSpPr txBox="1">
+            <a:spLocks noGrp="1"/>
+          </p:cNvSpPr>
           <p:nvPr>
             <p:ph type="title"/>
           </p:nvPr>
@@ -4148,7 +4225,7 @@
           </a:prstGeom>
         </p:spPr>
         <p:txBody>
-          <a:bodyPr anchorCtr="0" anchor="t" bIns="91425" lIns="91425" spcFirstLastPara="1" rIns="91425" wrap="square" tIns="91425">
+          <a:bodyPr spcFirstLastPara="1" wrap="square" lIns="91425" tIns="91425" rIns="91425" bIns="91425" anchor="t" anchorCtr="0">
             <a:noAutofit/>
           </a:bodyPr>
           <a:lstStyle>
@@ -4252,15 +4329,19 @@
               <a:defRPr/>
             </a:lvl9pPr>
           </a:lstStyle>
-          <a:p/>
+          <a:p>
+            <a:endParaRPr/>
+          </a:p>
         </p:txBody>
       </p:sp>
       <p:sp>
         <p:nvSpPr>
           <p:cNvPr id="32" name="Google Shape;32;p5"/>
-          <p:cNvSpPr txBox="1"/>
+          <p:cNvSpPr txBox="1">
+            <a:spLocks noGrp="1"/>
+          </p:cNvSpPr>
           <p:nvPr>
-            <p:ph idx="1" type="body"/>
+            <p:ph type="body" idx="1"/>
           </p:nvPr>
         </p:nvSpPr>
         <p:spPr>
@@ -4273,11 +4354,11 @@
           </a:prstGeom>
         </p:spPr>
         <p:txBody>
-          <a:bodyPr anchorCtr="0" anchor="t" bIns="91425" lIns="91425" spcFirstLastPara="1" rIns="91425" wrap="square" tIns="91425">
+          <a:bodyPr spcFirstLastPara="1" wrap="square" lIns="91425" tIns="91425" rIns="91425" bIns="91425" anchor="t" anchorCtr="0">
             <a:noAutofit/>
           </a:bodyPr>
           <a:lstStyle>
-            <a:lvl1pPr indent="-317500" lvl="0" marL="457200">
+            <a:lvl1pPr marL="457200" lvl="0" indent="-317500">
               <a:spcBef>
                 <a:spcPts val="0"/>
               </a:spcBef>
@@ -4288,7 +4369,7 @@
               <a:buChar char="●"/>
               <a:defRPr sz="1400"/>
             </a:lvl1pPr>
-            <a:lvl2pPr indent="-304800" lvl="1" marL="914400">
+            <a:lvl2pPr marL="914400" lvl="1" indent="-304800">
               <a:spcBef>
                 <a:spcPts val="1600"/>
               </a:spcBef>
@@ -4299,7 +4380,7 @@
               <a:buChar char="○"/>
               <a:defRPr sz="1200"/>
             </a:lvl2pPr>
-            <a:lvl3pPr indent="-304800" lvl="2" marL="1371600">
+            <a:lvl3pPr marL="1371600" lvl="2" indent="-304800">
               <a:spcBef>
                 <a:spcPts val="1600"/>
               </a:spcBef>
@@ -4310,7 +4391,7 @@
               <a:buChar char="■"/>
               <a:defRPr sz="1200"/>
             </a:lvl3pPr>
-            <a:lvl4pPr indent="-304800" lvl="3" marL="1828800">
+            <a:lvl4pPr marL="1828800" lvl="3" indent="-304800">
               <a:spcBef>
                 <a:spcPts val="1600"/>
               </a:spcBef>
@@ -4321,7 +4402,7 @@
               <a:buChar char="●"/>
               <a:defRPr sz="1200"/>
             </a:lvl4pPr>
-            <a:lvl5pPr indent="-304800" lvl="4" marL="2286000">
+            <a:lvl5pPr marL="2286000" lvl="4" indent="-304800">
               <a:spcBef>
                 <a:spcPts val="1600"/>
               </a:spcBef>
@@ -4332,7 +4413,7 @@
               <a:buChar char="○"/>
               <a:defRPr sz="1200"/>
             </a:lvl5pPr>
-            <a:lvl6pPr indent="-304800" lvl="5" marL="2743200">
+            <a:lvl6pPr marL="2743200" lvl="5" indent="-304800">
               <a:spcBef>
                 <a:spcPts val="1600"/>
               </a:spcBef>
@@ -4343,7 +4424,7 @@
               <a:buChar char="■"/>
               <a:defRPr sz="1200"/>
             </a:lvl6pPr>
-            <a:lvl7pPr indent="-304800" lvl="6" marL="3200400">
+            <a:lvl7pPr marL="3200400" lvl="6" indent="-304800">
               <a:spcBef>
                 <a:spcPts val="1600"/>
               </a:spcBef>
@@ -4354,7 +4435,7 @@
               <a:buChar char="●"/>
               <a:defRPr sz="1200"/>
             </a:lvl7pPr>
-            <a:lvl8pPr indent="-304800" lvl="7" marL="3657600">
+            <a:lvl8pPr marL="3657600" lvl="7" indent="-304800">
               <a:spcBef>
                 <a:spcPts val="1600"/>
               </a:spcBef>
@@ -4365,7 +4446,7 @@
               <a:buChar char="○"/>
               <a:defRPr sz="1200"/>
             </a:lvl8pPr>
-            <a:lvl9pPr indent="-304800" lvl="8" marL="4114800">
+            <a:lvl9pPr marL="4114800" lvl="8" indent="-304800">
               <a:spcBef>
                 <a:spcPts val="1600"/>
               </a:spcBef>
@@ -4377,15 +4458,19 @@
               <a:defRPr sz="1200"/>
             </a:lvl9pPr>
           </a:lstStyle>
-          <a:p/>
+          <a:p>
+            <a:endParaRPr/>
+          </a:p>
         </p:txBody>
       </p:sp>
       <p:sp>
         <p:nvSpPr>
           <p:cNvPr id="33" name="Google Shape;33;p5"/>
-          <p:cNvSpPr txBox="1"/>
+          <p:cNvSpPr txBox="1">
+            <a:spLocks noGrp="1"/>
+          </p:cNvSpPr>
           <p:nvPr>
-            <p:ph idx="2" type="body"/>
+            <p:ph type="body" idx="2"/>
           </p:nvPr>
         </p:nvSpPr>
         <p:spPr>
@@ -4398,11 +4483,11 @@
           </a:prstGeom>
         </p:spPr>
         <p:txBody>
-          <a:bodyPr anchorCtr="0" anchor="t" bIns="91425" lIns="91425" spcFirstLastPara="1" rIns="91425" wrap="square" tIns="91425">
+          <a:bodyPr spcFirstLastPara="1" wrap="square" lIns="91425" tIns="91425" rIns="91425" bIns="91425" anchor="t" anchorCtr="0">
             <a:noAutofit/>
           </a:bodyPr>
           <a:lstStyle>
-            <a:lvl1pPr indent="-317500" lvl="0" marL="457200">
+            <a:lvl1pPr marL="457200" lvl="0" indent="-317500">
               <a:spcBef>
                 <a:spcPts val="0"/>
               </a:spcBef>
@@ -4413,7 +4498,7 @@
               <a:buChar char="●"/>
               <a:defRPr sz="1400"/>
             </a:lvl1pPr>
-            <a:lvl2pPr indent="-304800" lvl="1" marL="914400">
+            <a:lvl2pPr marL="914400" lvl="1" indent="-304800">
               <a:spcBef>
                 <a:spcPts val="1600"/>
               </a:spcBef>
@@ -4424,7 +4509,7 @@
               <a:buChar char="○"/>
               <a:defRPr sz="1200"/>
             </a:lvl2pPr>
-            <a:lvl3pPr indent="-304800" lvl="2" marL="1371600">
+            <a:lvl3pPr marL="1371600" lvl="2" indent="-304800">
               <a:spcBef>
                 <a:spcPts val="1600"/>
               </a:spcBef>
@@ -4435,7 +4520,7 @@
               <a:buChar char="■"/>
               <a:defRPr sz="1200"/>
             </a:lvl3pPr>
-            <a:lvl4pPr indent="-304800" lvl="3" marL="1828800">
+            <a:lvl4pPr marL="1828800" lvl="3" indent="-304800">
               <a:spcBef>
                 <a:spcPts val="1600"/>
               </a:spcBef>
@@ -4446,7 +4531,7 @@
               <a:buChar char="●"/>
               <a:defRPr sz="1200"/>
             </a:lvl4pPr>
-            <a:lvl5pPr indent="-304800" lvl="4" marL="2286000">
+            <a:lvl5pPr marL="2286000" lvl="4" indent="-304800">
               <a:spcBef>
                 <a:spcPts val="1600"/>
               </a:spcBef>
@@ -4457,7 +4542,7 @@
               <a:buChar char="○"/>
               <a:defRPr sz="1200"/>
             </a:lvl5pPr>
-            <a:lvl6pPr indent="-304800" lvl="5" marL="2743200">
+            <a:lvl6pPr marL="2743200" lvl="5" indent="-304800">
               <a:spcBef>
                 <a:spcPts val="1600"/>
               </a:spcBef>
@@ -4468,7 +4553,7 @@
               <a:buChar char="■"/>
               <a:defRPr sz="1200"/>
             </a:lvl6pPr>
-            <a:lvl7pPr indent="-304800" lvl="6" marL="3200400">
+            <a:lvl7pPr marL="3200400" lvl="6" indent="-304800">
               <a:spcBef>
                 <a:spcPts val="1600"/>
               </a:spcBef>
@@ -4479,7 +4564,7 @@
               <a:buChar char="●"/>
               <a:defRPr sz="1200"/>
             </a:lvl7pPr>
-            <a:lvl8pPr indent="-304800" lvl="7" marL="3657600">
+            <a:lvl8pPr marL="3657600" lvl="7" indent="-304800">
               <a:spcBef>
                 <a:spcPts val="1600"/>
               </a:spcBef>
@@ -4490,7 +4575,7 @@
               <a:buChar char="○"/>
               <a:defRPr sz="1200"/>
             </a:lvl8pPr>
-            <a:lvl9pPr indent="-304800" lvl="8" marL="4114800">
+            <a:lvl9pPr marL="4114800" lvl="8" indent="-304800">
               <a:spcBef>
                 <a:spcPts val="1600"/>
               </a:spcBef>
@@ -4502,15 +4587,19 @@
               <a:defRPr sz="1200"/>
             </a:lvl9pPr>
           </a:lstStyle>
-          <a:p/>
+          <a:p>
+            <a:endParaRPr/>
+          </a:p>
         </p:txBody>
       </p:sp>
       <p:sp>
         <p:nvSpPr>
           <p:cNvPr id="34" name="Google Shape;34;p5"/>
-          <p:cNvSpPr txBox="1"/>
+          <p:cNvSpPr txBox="1">
+            <a:spLocks noGrp="1"/>
+          </p:cNvSpPr>
           <p:nvPr>
-            <p:ph idx="12" type="sldNum"/>
+            <p:ph type="sldNum" idx="12"/>
           </p:nvPr>
         </p:nvSpPr>
         <p:spPr>
@@ -4523,7 +4612,7 @@
           </a:prstGeom>
         </p:spPr>
         <p:txBody>
-          <a:bodyPr anchorCtr="0" anchor="ctr" bIns="91425" lIns="91425" spcFirstLastPara="1" rIns="91425" wrap="square" tIns="91425">
+          <a:bodyPr spcFirstLastPara="1" wrap="square" lIns="91425" tIns="91425" rIns="91425" bIns="91425" anchor="ctr" anchorCtr="0">
             <a:noAutofit/>
           </a:bodyPr>
           <a:lstStyle>
@@ -4565,7 +4654,7 @@
             </a:lvl9pPr>
           </a:lstStyle>
           <a:p>
-            <a:pPr indent="0" lvl="0" marL="0" rtl="0" algn="r">
+            <a:pPr marL="0" lvl="0" indent="0" algn="r" rtl="0">
               <a:spcBef>
                 <a:spcPts val="0"/>
               </a:spcBef>
@@ -4591,11 +4680,11 @@
 </file>
 
 <file path=ppt/slideLayouts/slideLayout5.xml><?xml version="1.0" encoding="utf-8"?>
-<p:sldLayout xmlns:a="http://schemas.openxmlformats.org/drawingml/2006/main" xmlns:r="http://schemas.openxmlformats.org/officeDocument/2006/relationships" xmlns:mc="http://schemas.openxmlformats.org/markup-compatibility/2006" xmlns:mv="urn:schemas-microsoft-com:mac:vml" xmlns:p="http://schemas.openxmlformats.org/presentationml/2006/main" xmlns:c="http://schemas.openxmlformats.org/drawingml/2006/chart" xmlns:dgm="http://schemas.openxmlformats.org/drawingml/2006/diagram" xmlns:o="urn:schemas-microsoft-com:office:office" xmlns:v="urn:schemas-microsoft-com:vml" xmlns:pvml="urn:schemas-microsoft-com:office:powerpoint" xmlns:com="http://schemas.openxmlformats.org/drawingml/2006/compatibility" xmlns:p14="http://schemas.microsoft.com/office/powerpoint/2010/main" xmlns:p15="http://schemas.microsoft.com/office/powerpoint/2012/main" xmlns:ahyp="http://schemas.microsoft.com/office/drawing/2018/hyperlinkcolor" matchingName="Title only" type="titleOnly">
+<p:sldLayout xmlns:a="http://schemas.openxmlformats.org/drawingml/2006/main" xmlns:r="http://schemas.openxmlformats.org/officeDocument/2006/relationships" xmlns:p="http://schemas.openxmlformats.org/presentationml/2006/main" matchingName="Title only" type="titleOnly">
   <p:cSld name="TITLE_ONLY">
     <p:spTree>
       <p:nvGrpSpPr>
-        <p:cNvPr id="35" name="Shape 35"/>
+        <p:cNvPr id="1" name="Shape 35"/>
         <p:cNvGrpSpPr/>
         <p:nvPr/>
       </p:nvGrpSpPr>
@@ -4610,7 +4699,9 @@
       <p:sp>
         <p:nvSpPr>
           <p:cNvPr id="36" name="Google Shape;36;p6"/>
-          <p:cNvSpPr txBox="1"/>
+          <p:cNvSpPr txBox="1">
+            <a:spLocks noGrp="1"/>
+          </p:cNvSpPr>
           <p:nvPr>
             <p:ph type="title"/>
           </p:nvPr>
@@ -4625,7 +4716,7 @@
           </a:prstGeom>
         </p:spPr>
         <p:txBody>
-          <a:bodyPr anchorCtr="0" anchor="t" bIns="91425" lIns="91425" spcFirstLastPara="1" rIns="91425" wrap="square" tIns="91425">
+          <a:bodyPr spcFirstLastPara="1" wrap="square" lIns="91425" tIns="91425" rIns="91425" bIns="91425" anchor="t" anchorCtr="0">
             <a:noAutofit/>
           </a:bodyPr>
           <a:lstStyle>
@@ -4729,15 +4820,19 @@
               <a:defRPr/>
             </a:lvl9pPr>
           </a:lstStyle>
-          <a:p/>
+          <a:p>
+            <a:endParaRPr/>
+          </a:p>
         </p:txBody>
       </p:sp>
       <p:sp>
         <p:nvSpPr>
           <p:cNvPr id="37" name="Google Shape;37;p6"/>
-          <p:cNvSpPr txBox="1"/>
+          <p:cNvSpPr txBox="1">
+            <a:spLocks noGrp="1"/>
+          </p:cNvSpPr>
           <p:nvPr>
-            <p:ph idx="12" type="sldNum"/>
+            <p:ph type="sldNum" idx="12"/>
           </p:nvPr>
         </p:nvSpPr>
         <p:spPr>
@@ -4750,7 +4845,7 @@
           </a:prstGeom>
         </p:spPr>
         <p:txBody>
-          <a:bodyPr anchorCtr="0" anchor="ctr" bIns="91425" lIns="91425" spcFirstLastPara="1" rIns="91425" wrap="square" tIns="91425">
+          <a:bodyPr spcFirstLastPara="1" wrap="square" lIns="91425" tIns="91425" rIns="91425" bIns="91425" anchor="ctr" anchorCtr="0">
             <a:noAutofit/>
           </a:bodyPr>
           <a:lstStyle>
@@ -4792,7 +4887,7 @@
             </a:lvl9pPr>
           </a:lstStyle>
           <a:p>
-            <a:pPr indent="0" lvl="0" marL="0" rtl="0" algn="r">
+            <a:pPr marL="0" lvl="0" indent="0" algn="r" rtl="0">
               <a:spcBef>
                 <a:spcPts val="0"/>
               </a:spcBef>
@@ -4818,11 +4913,11 @@
 </file>
 
 <file path=ppt/slideLayouts/slideLayout6.xml><?xml version="1.0" encoding="utf-8"?>
-<p:sldLayout xmlns:a="http://schemas.openxmlformats.org/drawingml/2006/main" xmlns:r="http://schemas.openxmlformats.org/officeDocument/2006/relationships" xmlns:mc="http://schemas.openxmlformats.org/markup-compatibility/2006" xmlns:mv="urn:schemas-microsoft-com:mac:vml" xmlns:p="http://schemas.openxmlformats.org/presentationml/2006/main" xmlns:c="http://schemas.openxmlformats.org/drawingml/2006/chart" xmlns:dgm="http://schemas.openxmlformats.org/drawingml/2006/diagram" xmlns:o="urn:schemas-microsoft-com:office:office" xmlns:v="urn:schemas-microsoft-com:vml" xmlns:pvml="urn:schemas-microsoft-com:office:powerpoint" xmlns:com="http://schemas.openxmlformats.org/drawingml/2006/compatibility" xmlns:p14="http://schemas.microsoft.com/office/powerpoint/2010/main" xmlns:p15="http://schemas.microsoft.com/office/powerpoint/2012/main" xmlns:ahyp="http://schemas.microsoft.com/office/drawing/2018/hyperlinkcolor" matchingName="One column text">
+<p:sldLayout xmlns:a="http://schemas.openxmlformats.org/drawingml/2006/main" xmlns:r="http://schemas.openxmlformats.org/officeDocument/2006/relationships" xmlns:p="http://schemas.openxmlformats.org/presentationml/2006/main" matchingName="One column text">
   <p:cSld name="ONE_COLUMN_TEXT">
     <p:spTree>
       <p:nvGrpSpPr>
-        <p:cNvPr id="38" name="Shape 38"/>
+        <p:cNvPr id="1" name="Shape 38"/>
         <p:cNvGrpSpPr/>
         <p:nvPr/>
       </p:nvGrpSpPr>
@@ -4837,7 +4932,9 @@
       <p:sp>
         <p:nvSpPr>
           <p:cNvPr id="39" name="Google Shape;39;p7"/>
-          <p:cNvSpPr txBox="1"/>
+          <p:cNvSpPr txBox="1">
+            <a:spLocks noGrp="1"/>
+          </p:cNvSpPr>
           <p:nvPr>
             <p:ph type="title"/>
           </p:nvPr>
@@ -4852,7 +4949,7 @@
           </a:prstGeom>
         </p:spPr>
         <p:txBody>
-          <a:bodyPr anchorCtr="0" anchor="b" bIns="91425" lIns="91425" spcFirstLastPara="1" rIns="91425" wrap="square" tIns="91425">
+          <a:bodyPr spcFirstLastPara="1" wrap="square" lIns="91425" tIns="91425" rIns="91425" bIns="91425" anchor="b" anchorCtr="0">
             <a:noAutofit/>
           </a:bodyPr>
           <a:lstStyle>
@@ -4956,15 +5053,19 @@
               <a:defRPr sz="2400"/>
             </a:lvl9pPr>
           </a:lstStyle>
-          <a:p/>
+          <a:p>
+            <a:endParaRPr/>
+          </a:p>
         </p:txBody>
       </p:sp>
       <p:sp>
         <p:nvSpPr>
           <p:cNvPr id="40" name="Google Shape;40;p7"/>
-          <p:cNvSpPr txBox="1"/>
+          <p:cNvSpPr txBox="1">
+            <a:spLocks noGrp="1"/>
+          </p:cNvSpPr>
           <p:nvPr>
-            <p:ph idx="1" type="body"/>
+            <p:ph type="body" idx="1"/>
           </p:nvPr>
         </p:nvSpPr>
         <p:spPr>
@@ -4977,11 +5078,11 @@
           </a:prstGeom>
         </p:spPr>
         <p:txBody>
-          <a:bodyPr anchorCtr="0" anchor="t" bIns="91425" lIns="91425" spcFirstLastPara="1" rIns="91425" wrap="square" tIns="91425">
+          <a:bodyPr spcFirstLastPara="1" wrap="square" lIns="91425" tIns="91425" rIns="91425" bIns="91425" anchor="t" anchorCtr="0">
             <a:noAutofit/>
           </a:bodyPr>
           <a:lstStyle>
-            <a:lvl1pPr indent="-304800" lvl="0" marL="457200">
+            <a:lvl1pPr marL="457200" lvl="0" indent="-304800">
               <a:spcBef>
                 <a:spcPts val="0"/>
               </a:spcBef>
@@ -4992,7 +5093,7 @@
               <a:buChar char="●"/>
               <a:defRPr sz="1200"/>
             </a:lvl1pPr>
-            <a:lvl2pPr indent="-304800" lvl="1" marL="914400">
+            <a:lvl2pPr marL="914400" lvl="1" indent="-304800">
               <a:spcBef>
                 <a:spcPts val="1600"/>
               </a:spcBef>
@@ -5003,7 +5104,7 @@
               <a:buChar char="○"/>
               <a:defRPr sz="1200"/>
             </a:lvl2pPr>
-            <a:lvl3pPr indent="-304800" lvl="2" marL="1371600">
+            <a:lvl3pPr marL="1371600" lvl="2" indent="-304800">
               <a:spcBef>
                 <a:spcPts val="1600"/>
               </a:spcBef>
@@ -5014,7 +5115,7 @@
               <a:buChar char="■"/>
               <a:defRPr sz="1200"/>
             </a:lvl3pPr>
-            <a:lvl4pPr indent="-304800" lvl="3" marL="1828800">
+            <a:lvl4pPr marL="1828800" lvl="3" indent="-304800">
               <a:spcBef>
                 <a:spcPts val="1600"/>
               </a:spcBef>
@@ -5025,7 +5126,7 @@
               <a:buChar char="●"/>
               <a:defRPr sz="1200"/>
             </a:lvl4pPr>
-            <a:lvl5pPr indent="-304800" lvl="4" marL="2286000">
+            <a:lvl5pPr marL="2286000" lvl="4" indent="-304800">
               <a:spcBef>
                 <a:spcPts val="1600"/>
               </a:spcBef>
@@ -5036,7 +5137,7 @@
               <a:buChar char="○"/>
               <a:defRPr sz="1200"/>
             </a:lvl5pPr>
-            <a:lvl6pPr indent="-304800" lvl="5" marL="2743200">
+            <a:lvl6pPr marL="2743200" lvl="5" indent="-304800">
               <a:spcBef>
                 <a:spcPts val="1600"/>
               </a:spcBef>
@@ -5047,7 +5148,7 @@
               <a:buChar char="■"/>
               <a:defRPr sz="1200"/>
             </a:lvl6pPr>
-            <a:lvl7pPr indent="-304800" lvl="6" marL="3200400">
+            <a:lvl7pPr marL="3200400" lvl="6" indent="-304800">
               <a:spcBef>
                 <a:spcPts val="1600"/>
               </a:spcBef>
@@ -5058,7 +5159,7 @@
               <a:buChar char="●"/>
               <a:defRPr sz="1200"/>
             </a:lvl7pPr>
-            <a:lvl8pPr indent="-304800" lvl="7" marL="3657600">
+            <a:lvl8pPr marL="3657600" lvl="7" indent="-304800">
               <a:spcBef>
                 <a:spcPts val="1600"/>
               </a:spcBef>
@@ -5069,7 +5170,7 @@
               <a:buChar char="○"/>
               <a:defRPr sz="1200"/>
             </a:lvl8pPr>
-            <a:lvl9pPr indent="-304800" lvl="8" marL="4114800">
+            <a:lvl9pPr marL="4114800" lvl="8" indent="-304800">
               <a:spcBef>
                 <a:spcPts val="1600"/>
               </a:spcBef>
@@ -5081,15 +5182,19 @@
               <a:defRPr sz="1200"/>
             </a:lvl9pPr>
           </a:lstStyle>
-          <a:p/>
+          <a:p>
+            <a:endParaRPr/>
+          </a:p>
         </p:txBody>
       </p:sp>
       <p:sp>
         <p:nvSpPr>
           <p:cNvPr id="41" name="Google Shape;41;p7"/>
-          <p:cNvSpPr txBox="1"/>
+          <p:cNvSpPr txBox="1">
+            <a:spLocks noGrp="1"/>
+          </p:cNvSpPr>
           <p:nvPr>
-            <p:ph idx="12" type="sldNum"/>
+            <p:ph type="sldNum" idx="12"/>
           </p:nvPr>
         </p:nvSpPr>
         <p:spPr>
@@ -5102,7 +5207,7 @@
           </a:prstGeom>
         </p:spPr>
         <p:txBody>
-          <a:bodyPr anchorCtr="0" anchor="ctr" bIns="91425" lIns="91425" spcFirstLastPara="1" rIns="91425" wrap="square" tIns="91425">
+          <a:bodyPr spcFirstLastPara="1" wrap="square" lIns="91425" tIns="91425" rIns="91425" bIns="91425" anchor="ctr" anchorCtr="0">
             <a:noAutofit/>
           </a:bodyPr>
           <a:lstStyle>
@@ -5144,7 +5249,7 @@
             </a:lvl9pPr>
           </a:lstStyle>
           <a:p>
-            <a:pPr indent="0" lvl="0" marL="0" rtl="0" algn="r">
+            <a:pPr marL="0" lvl="0" indent="0" algn="r" rtl="0">
               <a:spcBef>
                 <a:spcPts val="0"/>
               </a:spcBef>
@@ -5170,18 +5275,19 @@
 </file>
 
 <file path=ppt/slideLayouts/slideLayout7.xml><?xml version="1.0" encoding="utf-8"?>
-<p:sldLayout xmlns:a="http://schemas.openxmlformats.org/drawingml/2006/main" xmlns:r="http://schemas.openxmlformats.org/officeDocument/2006/relationships" xmlns:mc="http://schemas.openxmlformats.org/markup-compatibility/2006" xmlns:mv="urn:schemas-microsoft-com:mac:vml" xmlns:p="http://schemas.openxmlformats.org/presentationml/2006/main" xmlns:c="http://schemas.openxmlformats.org/drawingml/2006/chart" xmlns:dgm="http://schemas.openxmlformats.org/drawingml/2006/diagram" xmlns:o="urn:schemas-microsoft-com:office:office" xmlns:v="urn:schemas-microsoft-com:vml" xmlns:pvml="urn:schemas-microsoft-com:office:powerpoint" xmlns:com="http://schemas.openxmlformats.org/drawingml/2006/compatibility" xmlns:p14="http://schemas.microsoft.com/office/powerpoint/2010/main" xmlns:p15="http://schemas.microsoft.com/office/powerpoint/2012/main" xmlns:ahyp="http://schemas.microsoft.com/office/drawing/2018/hyperlinkcolor" matchingName="Main point">
+<p:sldLayout xmlns:a="http://schemas.openxmlformats.org/drawingml/2006/main" xmlns:r="http://schemas.openxmlformats.org/officeDocument/2006/relationships" xmlns:p="http://schemas.openxmlformats.org/presentationml/2006/main" matchingName="Main point">
   <p:cSld name="MAIN_POINT">
     <p:bg>
       <p:bgPr>
         <a:solidFill>
           <a:schemeClr val="accent6"/>
         </a:solidFill>
+        <a:effectLst/>
       </p:bgPr>
     </p:bg>
     <p:spTree>
       <p:nvGrpSpPr>
-        <p:cNvPr id="42" name="Shape 42"/>
+        <p:cNvPr id="1" name="Shape 42"/>
         <p:cNvGrpSpPr/>
         <p:nvPr/>
       </p:nvGrpSpPr>
@@ -5196,7 +5302,9 @@
       <p:sp>
         <p:nvSpPr>
           <p:cNvPr id="43" name="Google Shape;43;p8"/>
-          <p:cNvSpPr txBox="1"/>
+          <p:cNvSpPr txBox="1">
+            <a:spLocks noGrp="1"/>
+          </p:cNvSpPr>
           <p:nvPr>
             <p:ph type="title"/>
           </p:nvPr>
@@ -5211,7 +5319,7 @@
           </a:prstGeom>
         </p:spPr>
         <p:txBody>
-          <a:bodyPr anchorCtr="0" anchor="ctr" bIns="91425" lIns="91425" spcFirstLastPara="1" rIns="91425" wrap="square" tIns="91425">
+          <a:bodyPr spcFirstLastPara="1" wrap="square" lIns="91425" tIns="91425" rIns="91425" bIns="91425" anchor="ctr" anchorCtr="0">
             <a:noAutofit/>
           </a:bodyPr>
           <a:lstStyle>
@@ -5227,7 +5335,7 @@
               </a:buClr>
               <a:buSzPts val="5400"/>
               <a:buNone/>
-              <a:defRPr b="0" sz="5400">
+              <a:defRPr sz="5400" b="0">
                 <a:solidFill>
                   <a:schemeClr val="dk2"/>
                 </a:solidFill>
@@ -5245,7 +5353,7 @@
               </a:buClr>
               <a:buSzPts val="5400"/>
               <a:buNone/>
-              <a:defRPr b="0" sz="5400">
+              <a:defRPr sz="5400" b="0">
                 <a:solidFill>
                   <a:schemeClr val="dk2"/>
                 </a:solidFill>
@@ -5263,7 +5371,7 @@
               </a:buClr>
               <a:buSzPts val="5400"/>
               <a:buNone/>
-              <a:defRPr b="0" sz="5400">
+              <a:defRPr sz="5400" b="0">
                 <a:solidFill>
                   <a:schemeClr val="dk2"/>
                 </a:solidFill>
@@ -5281,7 +5389,7 @@
               </a:buClr>
               <a:buSzPts val="5400"/>
               <a:buNone/>
-              <a:defRPr b="0" sz="5400">
+              <a:defRPr sz="5400" b="0">
                 <a:solidFill>
                   <a:schemeClr val="dk2"/>
                 </a:solidFill>
@@ -5299,7 +5407,7 @@
               </a:buClr>
               <a:buSzPts val="5400"/>
               <a:buNone/>
-              <a:defRPr b="0" sz="5400">
+              <a:defRPr sz="5400" b="0">
                 <a:solidFill>
                   <a:schemeClr val="dk2"/>
                 </a:solidFill>
@@ -5317,7 +5425,7 @@
               </a:buClr>
               <a:buSzPts val="5400"/>
               <a:buNone/>
-              <a:defRPr b="0" sz="5400">
+              <a:defRPr sz="5400" b="0">
                 <a:solidFill>
                   <a:schemeClr val="dk2"/>
                 </a:solidFill>
@@ -5335,7 +5443,7 @@
               </a:buClr>
               <a:buSzPts val="5400"/>
               <a:buNone/>
-              <a:defRPr b="0" sz="5400">
+              <a:defRPr sz="5400" b="0">
                 <a:solidFill>
                   <a:schemeClr val="dk2"/>
                 </a:solidFill>
@@ -5353,7 +5461,7 @@
               </a:buClr>
               <a:buSzPts val="5400"/>
               <a:buNone/>
-              <a:defRPr b="0" sz="5400">
+              <a:defRPr sz="5400" b="0">
                 <a:solidFill>
                   <a:schemeClr val="dk2"/>
                 </a:solidFill>
@@ -5371,22 +5479,26 @@
               </a:buClr>
               <a:buSzPts val="5400"/>
               <a:buNone/>
-              <a:defRPr b="0" sz="5400">
+              <a:defRPr sz="5400" b="0">
                 <a:solidFill>
                   <a:schemeClr val="dk2"/>
                 </a:solidFill>
               </a:defRPr>
             </a:lvl9pPr>
           </a:lstStyle>
-          <a:p/>
+          <a:p>
+            <a:endParaRPr/>
+          </a:p>
         </p:txBody>
       </p:sp>
       <p:sp>
         <p:nvSpPr>
           <p:cNvPr id="44" name="Google Shape;44;p8"/>
-          <p:cNvSpPr txBox="1"/>
+          <p:cNvSpPr txBox="1">
+            <a:spLocks noGrp="1"/>
+          </p:cNvSpPr>
           <p:nvPr>
-            <p:ph idx="12" type="sldNum"/>
+            <p:ph type="sldNum" idx="12"/>
           </p:nvPr>
         </p:nvSpPr>
         <p:spPr>
@@ -5399,7 +5511,7 @@
           </a:prstGeom>
         </p:spPr>
         <p:txBody>
-          <a:bodyPr anchorCtr="0" anchor="ctr" bIns="91425" lIns="91425" spcFirstLastPara="1" rIns="91425" wrap="square" tIns="91425">
+          <a:bodyPr spcFirstLastPara="1" wrap="square" lIns="91425" tIns="91425" rIns="91425" bIns="91425" anchor="ctr" anchorCtr="0">
             <a:noAutofit/>
           </a:bodyPr>
           <a:lstStyle>
@@ -5441,7 +5553,7 @@
             </a:lvl9pPr>
           </a:lstStyle>
           <a:p>
-            <a:pPr indent="0" lvl="0" marL="0" rtl="0" algn="r">
+            <a:pPr marL="0" lvl="0" indent="0" algn="r" rtl="0">
               <a:spcBef>
                 <a:spcPts val="0"/>
               </a:spcBef>
@@ -5467,11 +5579,11 @@
 </file>
 
 <file path=ppt/slideLayouts/slideLayout8.xml><?xml version="1.0" encoding="utf-8"?>
-<p:sldLayout xmlns:a="http://schemas.openxmlformats.org/drawingml/2006/main" xmlns:r="http://schemas.openxmlformats.org/officeDocument/2006/relationships" xmlns:mc="http://schemas.openxmlformats.org/markup-compatibility/2006" xmlns:mv="urn:schemas-microsoft-com:mac:vml" xmlns:p="http://schemas.openxmlformats.org/presentationml/2006/main" xmlns:c="http://schemas.openxmlformats.org/drawingml/2006/chart" xmlns:dgm="http://schemas.openxmlformats.org/drawingml/2006/diagram" xmlns:o="urn:schemas-microsoft-com:office:office" xmlns:v="urn:schemas-microsoft-com:vml" xmlns:pvml="urn:schemas-microsoft-com:office:powerpoint" xmlns:com="http://schemas.openxmlformats.org/drawingml/2006/compatibility" xmlns:p14="http://schemas.microsoft.com/office/powerpoint/2010/main" xmlns:p15="http://schemas.microsoft.com/office/powerpoint/2012/main" xmlns:ahyp="http://schemas.microsoft.com/office/drawing/2018/hyperlinkcolor" matchingName="Section title and description">
+<p:sldLayout xmlns:a="http://schemas.openxmlformats.org/drawingml/2006/main" xmlns:r="http://schemas.openxmlformats.org/officeDocument/2006/relationships" xmlns:p="http://schemas.openxmlformats.org/presentationml/2006/main" matchingName="Section title and description">
   <p:cSld name="SECTION_TITLE_AND_DESCRIPTION">
     <p:spTree>
       <p:nvGrpSpPr>
-        <p:cNvPr id="45" name="Shape 45"/>
+        <p:cNvPr id="1" name="Shape 45"/>
         <p:cNvGrpSpPr/>
         <p:nvPr/>
       </p:nvGrpSpPr>
@@ -5505,12 +5617,12 @@
           </a:ln>
         </p:spPr>
         <p:txBody>
-          <a:bodyPr anchorCtr="0" anchor="ctr" bIns="91425" lIns="91425" spcFirstLastPara="1" rIns="91425" wrap="square" tIns="91425">
+          <a:bodyPr spcFirstLastPara="1" wrap="square" lIns="91425" tIns="91425" rIns="91425" bIns="91425" anchor="ctr" anchorCtr="0">
             <a:noAutofit/>
           </a:bodyPr>
           <a:lstStyle/>
           <a:p>
-            <a:pPr indent="0" lvl="0" marL="0" rtl="0" algn="l">
+            <a:pPr marL="0" lvl="0" indent="0" algn="l" rtl="0">
               <a:spcBef>
                 <a:spcPts val="0"/>
               </a:spcBef>
@@ -5519,9 +5631,6 @@
               </a:spcAft>
               <a:buNone/>
             </a:pPr>
-            <a:r>
-              <a:t/>
-            </a:r>
             <a:endParaRPr/>
           </a:p>
         </p:txBody>
@@ -5541,21 +5650,23 @@
             <a:avLst/>
           </a:prstGeom>
           <a:noFill/>
-          <a:ln cap="flat" cmpd="sng" w="19050">
+          <a:ln w="19050" cap="flat" cmpd="sng">
             <a:solidFill>
               <a:schemeClr val="lt1"/>
             </a:solidFill>
             <a:prstDash val="solid"/>
             <a:round/>
-            <a:headEnd len="sm" w="sm" type="none"/>
-            <a:tailEnd len="sm" w="sm" type="none"/>
+            <a:headEnd type="none" w="sm" len="sm"/>
+            <a:tailEnd type="none" w="sm" len="sm"/>
           </a:ln>
         </p:spPr>
       </p:cxnSp>
       <p:sp>
         <p:nvSpPr>
           <p:cNvPr id="48" name="Google Shape;48;p9"/>
-          <p:cNvSpPr txBox="1"/>
+          <p:cNvSpPr txBox="1">
+            <a:spLocks noGrp="1"/>
+          </p:cNvSpPr>
           <p:nvPr>
             <p:ph type="title"/>
           </p:nvPr>
@@ -5570,7 +5681,7 @@
           </a:prstGeom>
         </p:spPr>
         <p:txBody>
-          <a:bodyPr anchorCtr="0" anchor="b" bIns="91425" lIns="91425" spcFirstLastPara="1" rIns="91425" wrap="square" tIns="91425">
+          <a:bodyPr spcFirstLastPara="1" wrap="square" lIns="91425" tIns="91425" rIns="91425" bIns="91425" anchor="b" anchorCtr="0">
             <a:noAutofit/>
           </a:bodyPr>
           <a:lstStyle>
@@ -5674,15 +5785,19 @@
               <a:defRPr sz="4200"/>
             </a:lvl9pPr>
           </a:lstStyle>
-          <a:p/>
+          <a:p>
+            <a:endParaRPr/>
+          </a:p>
         </p:txBody>
       </p:sp>
       <p:sp>
         <p:nvSpPr>
           <p:cNvPr id="49" name="Google Shape;49;p9"/>
-          <p:cNvSpPr txBox="1"/>
+          <p:cNvSpPr txBox="1">
+            <a:spLocks noGrp="1"/>
+          </p:cNvSpPr>
           <p:nvPr>
-            <p:ph idx="1" type="subTitle"/>
+            <p:ph type="subTitle" idx="1"/>
           </p:nvPr>
         </p:nvSpPr>
         <p:spPr>
@@ -5695,7 +5810,7 @@
           </a:prstGeom>
         </p:spPr>
         <p:txBody>
-          <a:bodyPr anchorCtr="0" anchor="t" bIns="91425" lIns="91425" spcFirstLastPara="1" rIns="91425" wrap="square" tIns="91425">
+          <a:bodyPr spcFirstLastPara="1" wrap="square" lIns="91425" tIns="91425" rIns="91425" bIns="91425" anchor="t" anchorCtr="0">
             <a:noAutofit/>
           </a:bodyPr>
           <a:lstStyle>
@@ -5826,15 +5941,19 @@
               <a:defRPr sz="2100"/>
             </a:lvl9pPr>
           </a:lstStyle>
-          <a:p/>
+          <a:p>
+            <a:endParaRPr/>
+          </a:p>
         </p:txBody>
       </p:sp>
       <p:sp>
         <p:nvSpPr>
           <p:cNvPr id="50" name="Google Shape;50;p9"/>
-          <p:cNvSpPr txBox="1"/>
+          <p:cNvSpPr txBox="1">
+            <a:spLocks noGrp="1"/>
+          </p:cNvSpPr>
           <p:nvPr>
-            <p:ph idx="2" type="body"/>
+            <p:ph type="body" idx="2"/>
           </p:nvPr>
         </p:nvSpPr>
         <p:spPr>
@@ -5847,11 +5966,11 @@
           </a:prstGeom>
         </p:spPr>
         <p:txBody>
-          <a:bodyPr anchorCtr="0" anchor="ctr" bIns="91425" lIns="91425" spcFirstLastPara="1" rIns="91425" wrap="square" tIns="91425">
+          <a:bodyPr spcFirstLastPara="1" wrap="square" lIns="91425" tIns="91425" rIns="91425" bIns="91425" anchor="ctr" anchorCtr="0">
             <a:noAutofit/>
           </a:bodyPr>
           <a:lstStyle>
-            <a:lvl1pPr indent="-342900" lvl="0" marL="457200">
+            <a:lvl1pPr marL="457200" lvl="0" indent="-342900">
               <a:spcBef>
                 <a:spcPts val="0"/>
               </a:spcBef>
@@ -5869,7 +5988,7 @@
                 </a:solidFill>
               </a:defRPr>
             </a:lvl1pPr>
-            <a:lvl2pPr indent="-317500" lvl="1" marL="914400">
+            <a:lvl2pPr marL="914400" lvl="1" indent="-317500">
               <a:spcBef>
                 <a:spcPts val="1600"/>
               </a:spcBef>
@@ -5887,7 +6006,7 @@
                 </a:solidFill>
               </a:defRPr>
             </a:lvl2pPr>
-            <a:lvl3pPr indent="-317500" lvl="2" marL="1371600">
+            <a:lvl3pPr marL="1371600" lvl="2" indent="-317500">
               <a:spcBef>
                 <a:spcPts val="1600"/>
               </a:spcBef>
@@ -5905,7 +6024,7 @@
                 </a:solidFill>
               </a:defRPr>
             </a:lvl3pPr>
-            <a:lvl4pPr indent="-317500" lvl="3" marL="1828800">
+            <a:lvl4pPr marL="1828800" lvl="3" indent="-317500">
               <a:spcBef>
                 <a:spcPts val="1600"/>
               </a:spcBef>
@@ -5923,7 +6042,7 @@
                 </a:solidFill>
               </a:defRPr>
             </a:lvl4pPr>
-            <a:lvl5pPr indent="-317500" lvl="4" marL="2286000">
+            <a:lvl5pPr marL="2286000" lvl="4" indent="-317500">
               <a:spcBef>
                 <a:spcPts val="1600"/>
               </a:spcBef>
@@ -5941,7 +6060,7 @@
                 </a:solidFill>
               </a:defRPr>
             </a:lvl5pPr>
-            <a:lvl6pPr indent="-317500" lvl="5" marL="2743200">
+            <a:lvl6pPr marL="2743200" lvl="5" indent="-317500">
               <a:spcBef>
                 <a:spcPts val="1600"/>
               </a:spcBef>
@@ -5959,7 +6078,7 @@
                 </a:solidFill>
               </a:defRPr>
             </a:lvl6pPr>
-            <a:lvl7pPr indent="-317500" lvl="6" marL="3200400">
+            <a:lvl7pPr marL="3200400" lvl="6" indent="-317500">
               <a:spcBef>
                 <a:spcPts val="1600"/>
               </a:spcBef>
@@ -5977,7 +6096,7 @@
                 </a:solidFill>
               </a:defRPr>
             </a:lvl7pPr>
-            <a:lvl8pPr indent="-317500" lvl="7" marL="3657600">
+            <a:lvl8pPr marL="3657600" lvl="7" indent="-317500">
               <a:spcBef>
                 <a:spcPts val="1600"/>
               </a:spcBef>
@@ -5995,7 +6114,7 @@
                 </a:solidFill>
               </a:defRPr>
             </a:lvl8pPr>
-            <a:lvl9pPr indent="-317500" lvl="8" marL="4114800">
+            <a:lvl9pPr marL="4114800" lvl="8" indent="-317500">
               <a:spcBef>
                 <a:spcPts val="1600"/>
               </a:spcBef>
@@ -6014,15 +6133,19 @@
               </a:defRPr>
             </a:lvl9pPr>
           </a:lstStyle>
-          <a:p/>
+          <a:p>
+            <a:endParaRPr/>
+          </a:p>
         </p:txBody>
       </p:sp>
       <p:sp>
         <p:nvSpPr>
           <p:cNvPr id="51" name="Google Shape;51;p9"/>
-          <p:cNvSpPr txBox="1"/>
+          <p:cNvSpPr txBox="1">
+            <a:spLocks noGrp="1"/>
+          </p:cNvSpPr>
           <p:nvPr>
-            <p:ph idx="12" type="sldNum"/>
+            <p:ph type="sldNum" idx="12"/>
           </p:nvPr>
         </p:nvSpPr>
         <p:spPr>
@@ -6035,7 +6158,7 @@
           </a:prstGeom>
         </p:spPr>
         <p:txBody>
-          <a:bodyPr anchorCtr="0" anchor="ctr" bIns="91425" lIns="91425" spcFirstLastPara="1" rIns="91425" wrap="square" tIns="91425">
+          <a:bodyPr spcFirstLastPara="1" wrap="square" lIns="91425" tIns="91425" rIns="91425" bIns="91425" anchor="ctr" anchorCtr="0">
             <a:noAutofit/>
           </a:bodyPr>
           <a:lstStyle>
@@ -6113,7 +6236,7 @@
             </a:lvl9pPr>
           </a:lstStyle>
           <a:p>
-            <a:pPr indent="0" lvl="0" marL="0" rtl="0" algn="r">
+            <a:pPr marL="0" lvl="0" indent="0" algn="r" rtl="0">
               <a:spcBef>
                 <a:spcPts val="0"/>
               </a:spcBef>
@@ -6139,11 +6262,11 @@
 </file>
 
 <file path=ppt/slideLayouts/slideLayout9.xml><?xml version="1.0" encoding="utf-8"?>
-<p:sldLayout xmlns:a="http://schemas.openxmlformats.org/drawingml/2006/main" xmlns:r="http://schemas.openxmlformats.org/officeDocument/2006/relationships" xmlns:mc="http://schemas.openxmlformats.org/markup-compatibility/2006" xmlns:mv="urn:schemas-microsoft-com:mac:vml" xmlns:p="http://schemas.openxmlformats.org/presentationml/2006/main" xmlns:c="http://schemas.openxmlformats.org/drawingml/2006/chart" xmlns:dgm="http://schemas.openxmlformats.org/drawingml/2006/diagram" xmlns:o="urn:schemas-microsoft-com:office:office" xmlns:v="urn:schemas-microsoft-com:vml" xmlns:pvml="urn:schemas-microsoft-com:office:powerpoint" xmlns:com="http://schemas.openxmlformats.org/drawingml/2006/compatibility" xmlns:p14="http://schemas.microsoft.com/office/powerpoint/2010/main" xmlns:p15="http://schemas.microsoft.com/office/powerpoint/2012/main" xmlns:ahyp="http://schemas.microsoft.com/office/drawing/2018/hyperlinkcolor" matchingName="Caption">
+<p:sldLayout xmlns:a="http://schemas.openxmlformats.org/drawingml/2006/main" xmlns:r="http://schemas.openxmlformats.org/officeDocument/2006/relationships" xmlns:p="http://schemas.openxmlformats.org/presentationml/2006/main" matchingName="Caption">
   <p:cSld name="CAPTION_ONLY">
     <p:spTree>
       <p:nvGrpSpPr>
-        <p:cNvPr id="52" name="Shape 52"/>
+        <p:cNvPr id="1" name="Shape 52"/>
         <p:cNvGrpSpPr/>
         <p:nvPr/>
       </p:nvGrpSpPr>
@@ -6158,9 +6281,11 @@
       <p:sp>
         <p:nvSpPr>
           <p:cNvPr id="53" name="Google Shape;53;p10"/>
-          <p:cNvSpPr txBox="1"/>
+          <p:cNvSpPr txBox="1">
+            <a:spLocks noGrp="1"/>
+          </p:cNvSpPr>
           <p:nvPr>
-            <p:ph idx="1" type="body"/>
+            <p:ph type="body" idx="1"/>
           </p:nvPr>
         </p:nvSpPr>
         <p:spPr>
@@ -6173,11 +6298,11 @@
           </a:prstGeom>
         </p:spPr>
         <p:txBody>
-          <a:bodyPr anchorCtr="0" anchor="ctr" bIns="91425" lIns="91425" spcFirstLastPara="1" rIns="91425" wrap="square" tIns="91425">
+          <a:bodyPr spcFirstLastPara="1" wrap="square" lIns="91425" tIns="91425" rIns="91425" bIns="91425" anchor="ctr" anchorCtr="0">
             <a:noAutofit/>
           </a:bodyPr>
           <a:lstStyle>
-            <a:lvl1pPr indent="-228600" lvl="0" marL="457200">
+            <a:lvl1pPr marL="457200" lvl="0" indent="-228600">
               <a:lnSpc>
                 <a:spcPct val="100000"/>
               </a:lnSpc>
@@ -6198,15 +6323,19 @@
               </a:defRPr>
             </a:lvl1pPr>
           </a:lstStyle>
-          <a:p/>
+          <a:p>
+            <a:endParaRPr/>
+          </a:p>
         </p:txBody>
       </p:sp>
       <p:sp>
         <p:nvSpPr>
           <p:cNvPr id="54" name="Google Shape;54;p10"/>
-          <p:cNvSpPr txBox="1"/>
+          <p:cNvSpPr txBox="1">
+            <a:spLocks noGrp="1"/>
+          </p:cNvSpPr>
           <p:nvPr>
-            <p:ph idx="12" type="sldNum"/>
+            <p:ph type="sldNum" idx="12"/>
           </p:nvPr>
         </p:nvSpPr>
         <p:spPr>
@@ -6219,7 +6348,7 @@
           </a:prstGeom>
         </p:spPr>
         <p:txBody>
-          <a:bodyPr anchorCtr="0" anchor="ctr" bIns="91425" lIns="91425" spcFirstLastPara="1" rIns="91425" wrap="square" tIns="91425">
+          <a:bodyPr spcFirstLastPara="1" wrap="square" lIns="91425" tIns="91425" rIns="91425" bIns="91425" anchor="ctr" anchorCtr="0">
             <a:noAutofit/>
           </a:bodyPr>
           <a:lstStyle>
@@ -6261,7 +6390,7 @@
             </a:lvl9pPr>
           </a:lstStyle>
           <a:p>
-            <a:pPr indent="0" lvl="0" marL="0" rtl="0" algn="r">
+            <a:pPr marL="0" lvl="0" indent="0" algn="r" rtl="0">
               <a:spcBef>
                 <a:spcPts val="0"/>
               </a:spcBef>
@@ -6287,18 +6416,19 @@
 </file>
 
 <file path=ppt/slideMasters/slideMaster1.xml><?xml version="1.0" encoding="utf-8"?>
-<p:sldMaster xmlns:a="http://schemas.openxmlformats.org/drawingml/2006/main" xmlns:r="http://schemas.openxmlformats.org/officeDocument/2006/relationships" xmlns:mc="http://schemas.openxmlformats.org/markup-compatibility/2006" xmlns:mv="urn:schemas-microsoft-com:mac:vml" xmlns:p="http://schemas.openxmlformats.org/presentationml/2006/main" xmlns:c="http://schemas.openxmlformats.org/drawingml/2006/chart" xmlns:dgm="http://schemas.openxmlformats.org/drawingml/2006/diagram" xmlns:o="urn:schemas-microsoft-com:office:office" xmlns:v="urn:schemas-microsoft-com:vml" xmlns:pvml="urn:schemas-microsoft-com:office:powerpoint" xmlns:com="http://schemas.openxmlformats.org/drawingml/2006/compatibility" xmlns:p14="http://schemas.microsoft.com/office/powerpoint/2010/main" xmlns:p15="http://schemas.microsoft.com/office/powerpoint/2012/main" xmlns:ahyp="http://schemas.microsoft.com/office/drawing/2018/hyperlinkcolor">
+<p:sldMaster xmlns:a="http://schemas.openxmlformats.org/drawingml/2006/main" xmlns:r="http://schemas.openxmlformats.org/officeDocument/2006/relationships" xmlns:p="http://schemas.openxmlformats.org/presentationml/2006/main">
   <p:cSld name="tropic">
     <p:bg>
       <p:bgPr>
         <a:solidFill>
           <a:schemeClr val="lt1"/>
         </a:solidFill>
+        <a:effectLst/>
       </p:bgPr>
     </p:bg>
     <p:spTree>
       <p:nvGrpSpPr>
-        <p:cNvPr id="5" name="Shape 5"/>
+        <p:cNvPr id="1" name="Shape 5"/>
         <p:cNvGrpSpPr/>
         <p:nvPr/>
       </p:nvGrpSpPr>
@@ -6313,7 +6443,9 @@
       <p:sp>
         <p:nvSpPr>
           <p:cNvPr id="6" name="Google Shape;6;p1"/>
-          <p:cNvSpPr txBox="1"/>
+          <p:cNvSpPr txBox="1">
+            <a:spLocks noGrp="1"/>
+          </p:cNvSpPr>
           <p:nvPr>
             <p:ph type="title"/>
           </p:nvPr>
@@ -6332,7 +6464,7 @@
           </a:ln>
         </p:spPr>
         <p:txBody>
-          <a:bodyPr anchorCtr="0" anchor="t" bIns="91425" lIns="91425" spcFirstLastPara="1" rIns="91425" wrap="square" tIns="91425">
+          <a:bodyPr spcFirstLastPara="1" wrap="square" lIns="91425" tIns="91425" rIns="91425" bIns="91425" anchor="t" anchorCtr="0">
             <a:noAutofit/>
           </a:bodyPr>
           <a:lstStyle>
@@ -6349,7 +6481,7 @@
               <a:buSzPts val="3600"/>
               <a:buFont typeface="PT Sans Narrow"/>
               <a:buNone/>
-              <a:defRPr b="1" sz="3600">
+              <a:defRPr sz="3600" b="1">
                 <a:solidFill>
                   <a:schemeClr val="accent1"/>
                 </a:solidFill>
@@ -6372,7 +6504,7 @@
               <a:buSzPts val="3600"/>
               <a:buFont typeface="PT Sans Narrow"/>
               <a:buNone/>
-              <a:defRPr b="1" sz="3600">
+              <a:defRPr sz="3600" b="1">
                 <a:solidFill>
                   <a:schemeClr val="accent1"/>
                 </a:solidFill>
@@ -6395,7 +6527,7 @@
               <a:buSzPts val="3600"/>
               <a:buFont typeface="PT Sans Narrow"/>
               <a:buNone/>
-              <a:defRPr b="1" sz="3600">
+              <a:defRPr sz="3600" b="1">
                 <a:solidFill>
                   <a:schemeClr val="accent1"/>
                 </a:solidFill>
@@ -6418,7 +6550,7 @@
               <a:buSzPts val="3600"/>
               <a:buFont typeface="PT Sans Narrow"/>
               <a:buNone/>
-              <a:defRPr b="1" sz="3600">
+              <a:defRPr sz="3600" b="1">
                 <a:solidFill>
                   <a:schemeClr val="accent1"/>
                 </a:solidFill>
@@ -6441,7 +6573,7 @@
               <a:buSzPts val="3600"/>
               <a:buFont typeface="PT Sans Narrow"/>
               <a:buNone/>
-              <a:defRPr b="1" sz="3600">
+              <a:defRPr sz="3600" b="1">
                 <a:solidFill>
                   <a:schemeClr val="accent1"/>
                 </a:solidFill>
@@ -6464,7 +6596,7 @@
               <a:buSzPts val="3600"/>
               <a:buFont typeface="PT Sans Narrow"/>
               <a:buNone/>
-              <a:defRPr b="1" sz="3600">
+              <a:defRPr sz="3600" b="1">
                 <a:solidFill>
                   <a:schemeClr val="accent1"/>
                 </a:solidFill>
@@ -6487,7 +6619,7 @@
               <a:buSzPts val="3600"/>
               <a:buFont typeface="PT Sans Narrow"/>
               <a:buNone/>
-              <a:defRPr b="1" sz="3600">
+              <a:defRPr sz="3600" b="1">
                 <a:solidFill>
                   <a:schemeClr val="accent1"/>
                 </a:solidFill>
@@ -6510,7 +6642,7 @@
               <a:buSzPts val="3600"/>
               <a:buFont typeface="PT Sans Narrow"/>
               <a:buNone/>
-              <a:defRPr b="1" sz="3600">
+              <a:defRPr sz="3600" b="1">
                 <a:solidFill>
                   <a:schemeClr val="accent1"/>
                 </a:solidFill>
@@ -6533,7 +6665,7 @@
               <a:buSzPts val="3600"/>
               <a:buFont typeface="PT Sans Narrow"/>
               <a:buNone/>
-              <a:defRPr b="1" sz="3600">
+              <a:defRPr sz="3600" b="1">
                 <a:solidFill>
                   <a:schemeClr val="accent1"/>
                 </a:solidFill>
@@ -6544,15 +6676,19 @@
               </a:defRPr>
             </a:lvl9pPr>
           </a:lstStyle>
-          <a:p/>
+          <a:p>
+            <a:endParaRPr/>
+          </a:p>
         </p:txBody>
       </p:sp>
       <p:sp>
         <p:nvSpPr>
           <p:cNvPr id="7" name="Google Shape;7;p1"/>
-          <p:cNvSpPr txBox="1"/>
+          <p:cNvSpPr txBox="1">
+            <a:spLocks noGrp="1"/>
+          </p:cNvSpPr>
           <p:nvPr>
-            <p:ph idx="1" type="body"/>
+            <p:ph type="body" idx="1"/>
           </p:nvPr>
         </p:nvSpPr>
         <p:spPr>
@@ -6569,11 +6705,11 @@
           </a:ln>
         </p:spPr>
         <p:txBody>
-          <a:bodyPr anchorCtr="0" anchor="t" bIns="91425" lIns="91425" spcFirstLastPara="1" rIns="91425" wrap="square" tIns="91425">
+          <a:bodyPr spcFirstLastPara="1" wrap="square" lIns="91425" tIns="91425" rIns="91425" bIns="91425" anchor="t" anchorCtr="0">
             <a:noAutofit/>
           </a:bodyPr>
           <a:lstStyle>
-            <a:lvl1pPr indent="-342900" lvl="0" marL="457200">
+            <a:lvl1pPr marL="457200" lvl="0" indent="-342900">
               <a:lnSpc>
                 <a:spcPct val="115000"/>
               </a:lnSpc>
@@ -6599,7 +6735,7 @@
                 <a:sym typeface="Open Sans"/>
               </a:defRPr>
             </a:lvl1pPr>
-            <a:lvl2pPr indent="-317500" lvl="1" marL="914400">
+            <a:lvl2pPr marL="914400" lvl="1" indent="-317500">
               <a:lnSpc>
                 <a:spcPct val="115000"/>
               </a:lnSpc>
@@ -6625,7 +6761,7 @@
                 <a:sym typeface="Open Sans"/>
               </a:defRPr>
             </a:lvl2pPr>
-            <a:lvl3pPr indent="-317500" lvl="2" marL="1371600">
+            <a:lvl3pPr marL="1371600" lvl="2" indent="-317500">
               <a:lnSpc>
                 <a:spcPct val="115000"/>
               </a:lnSpc>
@@ -6651,7 +6787,7 @@
                 <a:sym typeface="Open Sans"/>
               </a:defRPr>
             </a:lvl3pPr>
-            <a:lvl4pPr indent="-317500" lvl="3" marL="1828800">
+            <a:lvl4pPr marL="1828800" lvl="3" indent="-317500">
               <a:lnSpc>
                 <a:spcPct val="115000"/>
               </a:lnSpc>
@@ -6677,7 +6813,7 @@
                 <a:sym typeface="Open Sans"/>
               </a:defRPr>
             </a:lvl4pPr>
-            <a:lvl5pPr indent="-317500" lvl="4" marL="2286000">
+            <a:lvl5pPr marL="2286000" lvl="4" indent="-317500">
               <a:lnSpc>
                 <a:spcPct val="115000"/>
               </a:lnSpc>
@@ -6703,7 +6839,7 @@
                 <a:sym typeface="Open Sans"/>
               </a:defRPr>
             </a:lvl5pPr>
-            <a:lvl6pPr indent="-317500" lvl="5" marL="2743200">
+            <a:lvl6pPr marL="2743200" lvl="5" indent="-317500">
               <a:lnSpc>
                 <a:spcPct val="115000"/>
               </a:lnSpc>
@@ -6729,7 +6865,7 @@
                 <a:sym typeface="Open Sans"/>
               </a:defRPr>
             </a:lvl6pPr>
-            <a:lvl7pPr indent="-317500" lvl="6" marL="3200400">
+            <a:lvl7pPr marL="3200400" lvl="6" indent="-317500">
               <a:lnSpc>
                 <a:spcPct val="115000"/>
               </a:lnSpc>
@@ -6755,7 +6891,7 @@
                 <a:sym typeface="Open Sans"/>
               </a:defRPr>
             </a:lvl7pPr>
-            <a:lvl8pPr indent="-317500" lvl="7" marL="3657600">
+            <a:lvl8pPr marL="3657600" lvl="7" indent="-317500">
               <a:lnSpc>
                 <a:spcPct val="115000"/>
               </a:lnSpc>
@@ -6781,7 +6917,7 @@
                 <a:sym typeface="Open Sans"/>
               </a:defRPr>
             </a:lvl8pPr>
-            <a:lvl9pPr indent="-317500" lvl="8" marL="4114800">
+            <a:lvl9pPr marL="4114800" lvl="8" indent="-317500">
               <a:lnSpc>
                 <a:spcPct val="115000"/>
               </a:lnSpc>
@@ -6808,15 +6944,19 @@
               </a:defRPr>
             </a:lvl9pPr>
           </a:lstStyle>
-          <a:p/>
+          <a:p>
+            <a:endParaRPr/>
+          </a:p>
         </p:txBody>
       </p:sp>
       <p:sp>
         <p:nvSpPr>
           <p:cNvPr id="8" name="Google Shape;8;p1"/>
-          <p:cNvSpPr txBox="1"/>
+          <p:cNvSpPr txBox="1">
+            <a:spLocks noGrp="1"/>
+          </p:cNvSpPr>
           <p:nvPr>
-            <p:ph idx="12" type="sldNum"/>
+            <p:ph type="sldNum" idx="12"/>
           </p:nvPr>
         </p:nvSpPr>
         <p:spPr>
@@ -6833,7 +6973,7 @@
           </a:ln>
         </p:spPr>
         <p:txBody>
-          <a:bodyPr anchorCtr="0" anchor="ctr" bIns="91425" lIns="91425" spcFirstLastPara="1" rIns="91425" wrap="square" tIns="91425">
+          <a:bodyPr spcFirstLastPara="1" wrap="square" lIns="91425" tIns="91425" rIns="91425" bIns="91425" anchor="ctr" anchorCtr="0">
             <a:noAutofit/>
           </a:bodyPr>
           <a:lstStyle>
@@ -6947,7 +7087,7 @@
             </a:lvl9pPr>
           </a:lstStyle>
           <a:p>
-            <a:pPr indent="0" lvl="0" marL="0" rtl="0" algn="r">
+            <a:pPr marL="0" lvl="0" indent="0" algn="r" rtl="0">
               <a:spcBef>
                 <a:spcPts val="0"/>
               </a:spcBef>
@@ -6966,7 +7106,7 @@
       </p:sp>
     </p:spTree>
   </p:cSld>
-  <p:clrMap accent1="accent1" accent2="accent2" accent3="accent3" accent4="accent4" accent5="accent5" accent6="accent6" bg1="lt1" bg2="dk2" tx1="dk1" tx2="lt2" folHlink="folHlink" hlink="hlink"/>
+  <p:clrMap bg1="lt1" tx1="dk1" bg2="dk2" tx2="lt2" accent1="accent1" accent2="accent2" accent3="accent3" accent4="accent4" accent5="accent5" accent6="accent6" hlink="hlink" folHlink="folHlink"/>
   <p:sldLayoutIdLst>
     <p:sldLayoutId id="2147483648" r:id="rId1"/>
     <p:sldLayoutId id="2147483649" r:id="rId2"/>
@@ -6980,10 +7120,10 @@
     <p:sldLayoutId id="2147483657" r:id="rId10"/>
     <p:sldLayoutId id="2147483658" r:id="rId11"/>
   </p:sldLayoutIdLst>
-  <p:hf dt="0" ftr="0" hdr="0" sldNum="0"/>
+  <p:hf sldNum="0" hdr="0" ftr="0" dt="0"/>
   <p:txStyles>
     <p:titleStyle>
-      <a:defPPr lvl="0" marR="0" rtl="0" algn="l">
+      <a:defPPr marR="0" lvl="0" algn="l" rtl="0">
         <a:lnSpc>
           <a:spcPct val="100000"/>
         </a:lnSpc>
@@ -6994,7 +7134,7 @@
           <a:spcPts val="0"/>
         </a:spcAft>
       </a:defPPr>
-      <a:lvl1pPr lvl="0" marR="0" rtl="0" algn="l">
+      <a:lvl1pPr marR="0" lvl="0" algn="l" rtl="0">
         <a:lnSpc>
           <a:spcPct val="100000"/>
         </a:lnSpc>
@@ -7008,7 +7148,7 @@
           <a:srgbClr val="000000"/>
         </a:buClr>
         <a:buFont typeface="Arial"/>
-        <a:defRPr b="0" i="0" sz="1400" u="none" cap="none" strike="noStrike">
+        <a:defRPr sz="1400" b="0" i="0" u="none" strike="noStrike" cap="none">
           <a:solidFill>
             <a:srgbClr val="000000"/>
           </a:solidFill>
@@ -7018,7 +7158,7 @@
           <a:sym typeface="Arial"/>
         </a:defRPr>
       </a:lvl1pPr>
-      <a:lvl2pPr lvl="1" marR="0" rtl="0" algn="l">
+      <a:lvl2pPr marR="0" lvl="1" algn="l" rtl="0">
         <a:lnSpc>
           <a:spcPct val="100000"/>
         </a:lnSpc>
@@ -7032,7 +7172,7 @@
           <a:srgbClr val="000000"/>
         </a:buClr>
         <a:buFont typeface="Arial"/>
-        <a:defRPr b="0" i="0" sz="1400" u="none" cap="none" strike="noStrike">
+        <a:defRPr sz="1400" b="0" i="0" u="none" strike="noStrike" cap="none">
           <a:solidFill>
             <a:srgbClr val="000000"/>
           </a:solidFill>
@@ -7042,7 +7182,7 @@
           <a:sym typeface="Arial"/>
         </a:defRPr>
       </a:lvl2pPr>
-      <a:lvl3pPr lvl="2" marR="0" rtl="0" algn="l">
+      <a:lvl3pPr marR="0" lvl="2" algn="l" rtl="0">
         <a:lnSpc>
           <a:spcPct val="100000"/>
         </a:lnSpc>
@@ -7056,7 +7196,7 @@
           <a:srgbClr val="000000"/>
         </a:buClr>
         <a:buFont typeface="Arial"/>
-        <a:defRPr b="0" i="0" sz="1400" u="none" cap="none" strike="noStrike">
+        <a:defRPr sz="1400" b="0" i="0" u="none" strike="noStrike" cap="none">
           <a:solidFill>
             <a:srgbClr val="000000"/>
           </a:solidFill>
@@ -7066,7 +7206,7 @@
           <a:sym typeface="Arial"/>
         </a:defRPr>
       </a:lvl3pPr>
-      <a:lvl4pPr lvl="3" marR="0" rtl="0" algn="l">
+      <a:lvl4pPr marR="0" lvl="3" algn="l" rtl="0">
         <a:lnSpc>
           <a:spcPct val="100000"/>
         </a:lnSpc>
@@ -7080,7 +7220,7 @@
           <a:srgbClr val="000000"/>
         </a:buClr>
         <a:buFont typeface="Arial"/>
-        <a:defRPr b="0" i="0" sz="1400" u="none" cap="none" strike="noStrike">
+        <a:defRPr sz="1400" b="0" i="0" u="none" strike="noStrike" cap="none">
           <a:solidFill>
             <a:srgbClr val="000000"/>
           </a:solidFill>
@@ -7090,7 +7230,7 @@
           <a:sym typeface="Arial"/>
         </a:defRPr>
       </a:lvl4pPr>
-      <a:lvl5pPr lvl="4" marR="0" rtl="0" algn="l">
+      <a:lvl5pPr marR="0" lvl="4" algn="l" rtl="0">
         <a:lnSpc>
           <a:spcPct val="100000"/>
         </a:lnSpc>
@@ -7104,7 +7244,7 @@
           <a:srgbClr val="000000"/>
         </a:buClr>
         <a:buFont typeface="Arial"/>
-        <a:defRPr b="0" i="0" sz="1400" u="none" cap="none" strike="noStrike">
+        <a:defRPr sz="1400" b="0" i="0" u="none" strike="noStrike" cap="none">
           <a:solidFill>
             <a:srgbClr val="000000"/>
           </a:solidFill>
@@ -7114,7 +7254,7 @@
           <a:sym typeface="Arial"/>
         </a:defRPr>
       </a:lvl5pPr>
-      <a:lvl6pPr lvl="5" marR="0" rtl="0" algn="l">
+      <a:lvl6pPr marR="0" lvl="5" algn="l" rtl="0">
         <a:lnSpc>
           <a:spcPct val="100000"/>
         </a:lnSpc>
@@ -7128,7 +7268,7 @@
           <a:srgbClr val="000000"/>
         </a:buClr>
         <a:buFont typeface="Arial"/>
-        <a:defRPr b="0" i="0" sz="1400" u="none" cap="none" strike="noStrike">
+        <a:defRPr sz="1400" b="0" i="0" u="none" strike="noStrike" cap="none">
           <a:solidFill>
             <a:srgbClr val="000000"/>
           </a:solidFill>
@@ -7138,7 +7278,7 @@
           <a:sym typeface="Arial"/>
         </a:defRPr>
       </a:lvl6pPr>
-      <a:lvl7pPr lvl="6" marR="0" rtl="0" algn="l">
+      <a:lvl7pPr marR="0" lvl="6" algn="l" rtl="0">
         <a:lnSpc>
           <a:spcPct val="100000"/>
         </a:lnSpc>
@@ -7152,7 +7292,7 @@
           <a:srgbClr val="000000"/>
         </a:buClr>
         <a:buFont typeface="Arial"/>
-        <a:defRPr b="0" i="0" sz="1400" u="none" cap="none" strike="noStrike">
+        <a:defRPr sz="1400" b="0" i="0" u="none" strike="noStrike" cap="none">
           <a:solidFill>
             <a:srgbClr val="000000"/>
           </a:solidFill>
@@ -7162,7 +7302,7 @@
           <a:sym typeface="Arial"/>
         </a:defRPr>
       </a:lvl7pPr>
-      <a:lvl8pPr lvl="7" marR="0" rtl="0" algn="l">
+      <a:lvl8pPr marR="0" lvl="7" algn="l" rtl="0">
         <a:lnSpc>
           <a:spcPct val="100000"/>
         </a:lnSpc>
@@ -7176,7 +7316,7 @@
           <a:srgbClr val="000000"/>
         </a:buClr>
         <a:buFont typeface="Arial"/>
-        <a:defRPr b="0" i="0" sz="1400" u="none" cap="none" strike="noStrike">
+        <a:defRPr sz="1400" b="0" i="0" u="none" strike="noStrike" cap="none">
           <a:solidFill>
             <a:srgbClr val="000000"/>
           </a:solidFill>
@@ -7186,7 +7326,7 @@
           <a:sym typeface="Arial"/>
         </a:defRPr>
       </a:lvl8pPr>
-      <a:lvl9pPr lvl="8" marR="0" rtl="0" algn="l">
+      <a:lvl9pPr marR="0" lvl="8" algn="l" rtl="0">
         <a:lnSpc>
           <a:spcPct val="100000"/>
         </a:lnSpc>
@@ -7200,7 +7340,7 @@
           <a:srgbClr val="000000"/>
         </a:buClr>
         <a:buFont typeface="Arial"/>
-        <a:defRPr b="0" i="0" sz="1400" u="none" cap="none" strike="noStrike">
+        <a:defRPr sz="1400" b="0" i="0" u="none" strike="noStrike" cap="none">
           <a:solidFill>
             <a:srgbClr val="000000"/>
           </a:solidFill>
@@ -7212,7 +7352,7 @@
       </a:lvl9pPr>
     </p:titleStyle>
     <p:bodyStyle>
-      <a:defPPr lvl="0" marR="0" rtl="0" algn="l">
+      <a:defPPr marR="0" lvl="0" algn="l" rtl="0">
         <a:lnSpc>
           <a:spcPct val="100000"/>
         </a:lnSpc>
@@ -7223,7 +7363,7 @@
           <a:spcPts val="0"/>
         </a:spcAft>
       </a:defPPr>
-      <a:lvl1pPr lvl="0" marR="0" rtl="0" algn="l">
+      <a:lvl1pPr marR="0" lvl="0" algn="l" rtl="0">
         <a:lnSpc>
           <a:spcPct val="100000"/>
         </a:lnSpc>
@@ -7237,7 +7377,7 @@
           <a:srgbClr val="000000"/>
         </a:buClr>
         <a:buFont typeface="Arial"/>
-        <a:defRPr b="0" i="0" sz="1400" u="none" cap="none" strike="noStrike">
+        <a:defRPr sz="1400" b="0" i="0" u="none" strike="noStrike" cap="none">
           <a:solidFill>
             <a:srgbClr val="000000"/>
           </a:solidFill>
@@ -7247,7 +7387,7 @@
           <a:sym typeface="Arial"/>
         </a:defRPr>
       </a:lvl1pPr>
-      <a:lvl2pPr lvl="1" marR="0" rtl="0" algn="l">
+      <a:lvl2pPr marR="0" lvl="1" algn="l" rtl="0">
         <a:lnSpc>
           <a:spcPct val="100000"/>
         </a:lnSpc>
@@ -7261,7 +7401,7 @@
           <a:srgbClr val="000000"/>
         </a:buClr>
         <a:buFont typeface="Arial"/>
-        <a:defRPr b="0" i="0" sz="1400" u="none" cap="none" strike="noStrike">
+        <a:defRPr sz="1400" b="0" i="0" u="none" strike="noStrike" cap="none">
           <a:solidFill>
             <a:srgbClr val="000000"/>
           </a:solidFill>
@@ -7271,7 +7411,7 @@
           <a:sym typeface="Arial"/>
         </a:defRPr>
       </a:lvl2pPr>
-      <a:lvl3pPr lvl="2" marR="0" rtl="0" algn="l">
+      <a:lvl3pPr marR="0" lvl="2" algn="l" rtl="0">
         <a:lnSpc>
           <a:spcPct val="100000"/>
         </a:lnSpc>
@@ -7285,7 +7425,7 @@
           <a:srgbClr val="000000"/>
         </a:buClr>
         <a:buFont typeface="Arial"/>
-        <a:defRPr b="0" i="0" sz="1400" u="none" cap="none" strike="noStrike">
+        <a:defRPr sz="1400" b="0" i="0" u="none" strike="noStrike" cap="none">
           <a:solidFill>
             <a:srgbClr val="000000"/>
           </a:solidFill>
@@ -7295,7 +7435,7 @@
           <a:sym typeface="Arial"/>
         </a:defRPr>
       </a:lvl3pPr>
-      <a:lvl4pPr lvl="3" marR="0" rtl="0" algn="l">
+      <a:lvl4pPr marR="0" lvl="3" algn="l" rtl="0">
         <a:lnSpc>
           <a:spcPct val="100000"/>
         </a:lnSpc>
@@ -7309,7 +7449,7 @@
           <a:srgbClr val="000000"/>
         </a:buClr>
         <a:buFont typeface="Arial"/>
-        <a:defRPr b="0" i="0" sz="1400" u="none" cap="none" strike="noStrike">
+        <a:defRPr sz="1400" b="0" i="0" u="none" strike="noStrike" cap="none">
           <a:solidFill>
             <a:srgbClr val="000000"/>
           </a:solidFill>
@@ -7319,7 +7459,7 @@
           <a:sym typeface="Arial"/>
         </a:defRPr>
       </a:lvl4pPr>
-      <a:lvl5pPr lvl="4" marR="0" rtl="0" algn="l">
+      <a:lvl5pPr marR="0" lvl="4" algn="l" rtl="0">
         <a:lnSpc>
           <a:spcPct val="100000"/>
         </a:lnSpc>
@@ -7333,7 +7473,7 @@
           <a:srgbClr val="000000"/>
         </a:buClr>
         <a:buFont typeface="Arial"/>
-        <a:defRPr b="0" i="0" sz="1400" u="none" cap="none" strike="noStrike">
+        <a:defRPr sz="1400" b="0" i="0" u="none" strike="noStrike" cap="none">
           <a:solidFill>
             <a:srgbClr val="000000"/>
           </a:solidFill>
@@ -7343,7 +7483,7 @@
           <a:sym typeface="Arial"/>
         </a:defRPr>
       </a:lvl5pPr>
-      <a:lvl6pPr lvl="5" marR="0" rtl="0" algn="l">
+      <a:lvl6pPr marR="0" lvl="5" algn="l" rtl="0">
         <a:lnSpc>
           <a:spcPct val="100000"/>
         </a:lnSpc>
@@ -7357,7 +7497,7 @@
           <a:srgbClr val="000000"/>
         </a:buClr>
         <a:buFont typeface="Arial"/>
-        <a:defRPr b="0" i="0" sz="1400" u="none" cap="none" strike="noStrike">
+        <a:defRPr sz="1400" b="0" i="0" u="none" strike="noStrike" cap="none">
           <a:solidFill>
             <a:srgbClr val="000000"/>
           </a:solidFill>
@@ -7367,7 +7507,7 @@
           <a:sym typeface="Arial"/>
         </a:defRPr>
       </a:lvl6pPr>
-      <a:lvl7pPr lvl="6" marR="0" rtl="0" algn="l">
+      <a:lvl7pPr marR="0" lvl="6" algn="l" rtl="0">
         <a:lnSpc>
           <a:spcPct val="100000"/>
         </a:lnSpc>
@@ -7381,7 +7521,7 @@
           <a:srgbClr val="000000"/>
         </a:buClr>
         <a:buFont typeface="Arial"/>
-        <a:defRPr b="0" i="0" sz="1400" u="none" cap="none" strike="noStrike">
+        <a:defRPr sz="1400" b="0" i="0" u="none" strike="noStrike" cap="none">
           <a:solidFill>
             <a:srgbClr val="000000"/>
           </a:solidFill>
@@ -7391,7 +7531,7 @@
           <a:sym typeface="Arial"/>
         </a:defRPr>
       </a:lvl7pPr>
-      <a:lvl8pPr lvl="7" marR="0" rtl="0" algn="l">
+      <a:lvl8pPr marR="0" lvl="7" algn="l" rtl="0">
         <a:lnSpc>
           <a:spcPct val="100000"/>
         </a:lnSpc>
@@ -7405,7 +7545,7 @@
           <a:srgbClr val="000000"/>
         </a:buClr>
         <a:buFont typeface="Arial"/>
-        <a:defRPr b="0" i="0" sz="1400" u="none" cap="none" strike="noStrike">
+        <a:defRPr sz="1400" b="0" i="0" u="none" strike="noStrike" cap="none">
           <a:solidFill>
             <a:srgbClr val="000000"/>
           </a:solidFill>
@@ -7415,7 +7555,7 @@
           <a:sym typeface="Arial"/>
         </a:defRPr>
       </a:lvl8pPr>
-      <a:lvl9pPr lvl="8" marR="0" rtl="0" algn="l">
+      <a:lvl9pPr marR="0" lvl="8" algn="l" rtl="0">
         <a:lnSpc>
           <a:spcPct val="100000"/>
         </a:lnSpc>
@@ -7429,7 +7569,7 @@
           <a:srgbClr val="000000"/>
         </a:buClr>
         <a:buFont typeface="Arial"/>
-        <a:defRPr b="0" i="0" sz="1400" u="none" cap="none" strike="noStrike">
+        <a:defRPr sz="1400" b="0" i="0" u="none" strike="noStrike" cap="none">
           <a:solidFill>
             <a:srgbClr val="000000"/>
           </a:solidFill>
@@ -7441,7 +7581,7 @@
       </a:lvl9pPr>
     </p:bodyStyle>
     <p:otherStyle>
-      <a:defPPr lvl="0" marR="0" rtl="0" algn="l">
+      <a:defPPr marR="0" lvl="0" algn="l" rtl="0">
         <a:lnSpc>
           <a:spcPct val="100000"/>
         </a:lnSpc>
@@ -7452,7 +7592,7 @@
           <a:spcPts val="0"/>
         </a:spcAft>
       </a:defPPr>
-      <a:lvl1pPr lvl="0" marR="0" rtl="0" algn="l">
+      <a:lvl1pPr marR="0" lvl="0" algn="l" rtl="0">
         <a:lnSpc>
           <a:spcPct val="100000"/>
         </a:lnSpc>
@@ -7466,7 +7606,7 @@
           <a:srgbClr val="000000"/>
         </a:buClr>
         <a:buFont typeface="Arial"/>
-        <a:defRPr b="0" i="0" sz="1400" u="none" cap="none" strike="noStrike">
+        <a:defRPr sz="1400" b="0" i="0" u="none" strike="noStrike" cap="none">
           <a:solidFill>
             <a:srgbClr val="000000"/>
           </a:solidFill>
@@ -7476,7 +7616,7 @@
           <a:sym typeface="Arial"/>
         </a:defRPr>
       </a:lvl1pPr>
-      <a:lvl2pPr lvl="1" marR="0" rtl="0" algn="l">
+      <a:lvl2pPr marR="0" lvl="1" algn="l" rtl="0">
         <a:lnSpc>
           <a:spcPct val="100000"/>
         </a:lnSpc>
@@ -7490,7 +7630,7 @@
           <a:srgbClr val="000000"/>
         </a:buClr>
         <a:buFont typeface="Arial"/>
-        <a:defRPr b="0" i="0" sz="1400" u="none" cap="none" strike="noStrike">
+        <a:defRPr sz="1400" b="0" i="0" u="none" strike="noStrike" cap="none">
           <a:solidFill>
             <a:srgbClr val="000000"/>
           </a:solidFill>
@@ -7500,7 +7640,7 @@
           <a:sym typeface="Arial"/>
         </a:defRPr>
       </a:lvl2pPr>
-      <a:lvl3pPr lvl="2" marR="0" rtl="0" algn="l">
+      <a:lvl3pPr marR="0" lvl="2" algn="l" rtl="0">
         <a:lnSpc>
           <a:spcPct val="100000"/>
         </a:lnSpc>
@@ -7514,7 +7654,7 @@
           <a:srgbClr val="000000"/>
         </a:buClr>
         <a:buFont typeface="Arial"/>
-        <a:defRPr b="0" i="0" sz="1400" u="none" cap="none" strike="noStrike">
+        <a:defRPr sz="1400" b="0" i="0" u="none" strike="noStrike" cap="none">
           <a:solidFill>
             <a:srgbClr val="000000"/>
           </a:solidFill>
@@ -7524,7 +7664,7 @@
           <a:sym typeface="Arial"/>
         </a:defRPr>
       </a:lvl3pPr>
-      <a:lvl4pPr lvl="3" marR="0" rtl="0" algn="l">
+      <a:lvl4pPr marR="0" lvl="3" algn="l" rtl="0">
         <a:lnSpc>
           <a:spcPct val="100000"/>
         </a:lnSpc>
@@ -7538,7 +7678,7 @@
           <a:srgbClr val="000000"/>
         </a:buClr>
         <a:buFont typeface="Arial"/>
-        <a:defRPr b="0" i="0" sz="1400" u="none" cap="none" strike="noStrike">
+        <a:defRPr sz="1400" b="0" i="0" u="none" strike="noStrike" cap="none">
           <a:solidFill>
             <a:srgbClr val="000000"/>
           </a:solidFill>
@@ -7548,7 +7688,7 @@
           <a:sym typeface="Arial"/>
         </a:defRPr>
       </a:lvl4pPr>
-      <a:lvl5pPr lvl="4" marR="0" rtl="0" algn="l">
+      <a:lvl5pPr marR="0" lvl="4" algn="l" rtl="0">
         <a:lnSpc>
           <a:spcPct val="100000"/>
         </a:lnSpc>
@@ -7562,7 +7702,7 @@
           <a:srgbClr val="000000"/>
         </a:buClr>
         <a:buFont typeface="Arial"/>
-        <a:defRPr b="0" i="0" sz="1400" u="none" cap="none" strike="noStrike">
+        <a:defRPr sz="1400" b="0" i="0" u="none" strike="noStrike" cap="none">
           <a:solidFill>
             <a:srgbClr val="000000"/>
           </a:solidFill>
@@ -7572,7 +7712,7 @@
           <a:sym typeface="Arial"/>
         </a:defRPr>
       </a:lvl5pPr>
-      <a:lvl6pPr lvl="5" marR="0" rtl="0" algn="l">
+      <a:lvl6pPr marR="0" lvl="5" algn="l" rtl="0">
         <a:lnSpc>
           <a:spcPct val="100000"/>
         </a:lnSpc>
@@ -7586,7 +7726,7 @@
           <a:srgbClr val="000000"/>
         </a:buClr>
         <a:buFont typeface="Arial"/>
-        <a:defRPr b="0" i="0" sz="1400" u="none" cap="none" strike="noStrike">
+        <a:defRPr sz="1400" b="0" i="0" u="none" strike="noStrike" cap="none">
           <a:solidFill>
             <a:srgbClr val="000000"/>
           </a:solidFill>
@@ -7596,7 +7736,7 @@
           <a:sym typeface="Arial"/>
         </a:defRPr>
       </a:lvl6pPr>
-      <a:lvl7pPr lvl="6" marR="0" rtl="0" algn="l">
+      <a:lvl7pPr marR="0" lvl="6" algn="l" rtl="0">
         <a:lnSpc>
           <a:spcPct val="100000"/>
         </a:lnSpc>
@@ -7610,7 +7750,7 @@
           <a:srgbClr val="000000"/>
         </a:buClr>
         <a:buFont typeface="Arial"/>
-        <a:defRPr b="0" i="0" sz="1400" u="none" cap="none" strike="noStrike">
+        <a:defRPr sz="1400" b="0" i="0" u="none" strike="noStrike" cap="none">
           <a:solidFill>
             <a:srgbClr val="000000"/>
           </a:solidFill>
@@ -7620,7 +7760,7 @@
           <a:sym typeface="Arial"/>
         </a:defRPr>
       </a:lvl7pPr>
-      <a:lvl8pPr lvl="7" marR="0" rtl="0" algn="l">
+      <a:lvl8pPr marR="0" lvl="7" algn="l" rtl="0">
         <a:lnSpc>
           <a:spcPct val="100000"/>
         </a:lnSpc>
@@ -7634,7 +7774,7 @@
           <a:srgbClr val="000000"/>
         </a:buClr>
         <a:buFont typeface="Arial"/>
-        <a:defRPr b="0" i="0" sz="1400" u="none" cap="none" strike="noStrike">
+        <a:defRPr sz="1400" b="0" i="0" u="none" strike="noStrike" cap="none">
           <a:solidFill>
             <a:srgbClr val="000000"/>
           </a:solidFill>
@@ -7644,7 +7784,7 @@
           <a:sym typeface="Arial"/>
         </a:defRPr>
       </a:lvl8pPr>
-      <a:lvl9pPr lvl="8" marR="0" rtl="0" algn="l">
+      <a:lvl9pPr marR="0" lvl="8" algn="l" rtl="0">
         <a:lnSpc>
           <a:spcPct val="100000"/>
         </a:lnSpc>
@@ -7658,7 +7798,7 @@
           <a:srgbClr val="000000"/>
         </a:buClr>
         <a:buFont typeface="Arial"/>
-        <a:defRPr b="0" i="0" sz="1400" u="none" cap="none" strike="noStrike">
+        <a:defRPr sz="1400" b="0" i="0" u="none" strike="noStrike" cap="none">
           <a:solidFill>
             <a:srgbClr val="000000"/>
           </a:solidFill>
@@ -7674,11 +7814,11 @@
 </file>
 
 <file path=ppt/slides/slide1.xml><?xml version="1.0" encoding="utf-8"?>
-<p:sld xmlns:a="http://schemas.openxmlformats.org/drawingml/2006/main" xmlns:r="http://schemas.openxmlformats.org/officeDocument/2006/relationships" xmlns:mc="http://schemas.openxmlformats.org/markup-compatibility/2006" xmlns:mv="urn:schemas-microsoft-com:mac:vml" xmlns:p="http://schemas.openxmlformats.org/presentationml/2006/main" xmlns:c="http://schemas.openxmlformats.org/drawingml/2006/chart" xmlns:dgm="http://schemas.openxmlformats.org/drawingml/2006/diagram" xmlns:o="urn:schemas-microsoft-com:office:office" xmlns:v="urn:schemas-microsoft-com:vml" xmlns:pvml="urn:schemas-microsoft-com:office:powerpoint" xmlns:com="http://schemas.openxmlformats.org/drawingml/2006/compatibility" xmlns:p14="http://schemas.microsoft.com/office/powerpoint/2010/main" xmlns:p15="http://schemas.microsoft.com/office/powerpoint/2012/main" xmlns:ahyp="http://schemas.microsoft.com/office/drawing/2018/hyperlinkcolor">
+<p:sld xmlns:a="http://schemas.openxmlformats.org/drawingml/2006/main" xmlns:r="http://schemas.openxmlformats.org/officeDocument/2006/relationships" xmlns:p="http://schemas.openxmlformats.org/presentationml/2006/main">
   <p:cSld>
     <p:spTree>
       <p:nvGrpSpPr>
-        <p:cNvPr id="65" name="Shape 65"/>
+        <p:cNvPr id="1" name="Shape 65"/>
         <p:cNvGrpSpPr/>
         <p:nvPr/>
       </p:nvGrpSpPr>
@@ -7693,7 +7833,9 @@
       <p:sp>
         <p:nvSpPr>
           <p:cNvPr id="66" name="Google Shape;66;p13"/>
-          <p:cNvSpPr txBox="1"/>
+          <p:cNvSpPr txBox="1">
+            <a:spLocks noGrp="1"/>
+          </p:cNvSpPr>
           <p:nvPr>
             <p:ph type="ctrTitle"/>
           </p:nvPr>
@@ -7708,12 +7850,12 @@
           </a:prstGeom>
         </p:spPr>
         <p:txBody>
-          <a:bodyPr anchorCtr="0" anchor="b" bIns="91425" lIns="91425" spcFirstLastPara="1" rIns="91425" wrap="square" tIns="91425">
+          <a:bodyPr spcFirstLastPara="1" wrap="square" lIns="91425" tIns="91425" rIns="91425" bIns="91425" anchor="b" anchorCtr="0">
             <a:noAutofit/>
           </a:bodyPr>
           <a:lstStyle/>
           <a:p>
-            <a:pPr indent="0" lvl="0" marL="0" rtl="0" algn="ctr">
+            <a:pPr marL="0" lvl="0" indent="0" algn="ctr" rtl="0">
               <a:spcBef>
                 <a:spcPts val="0"/>
               </a:spcBef>
@@ -7733,9 +7875,11 @@
       <p:sp>
         <p:nvSpPr>
           <p:cNvPr id="67" name="Google Shape;67;p13"/>
-          <p:cNvSpPr txBox="1"/>
+          <p:cNvSpPr txBox="1">
+            <a:spLocks noGrp="1"/>
+          </p:cNvSpPr>
           <p:nvPr>
-            <p:ph idx="1" type="subTitle"/>
+            <p:ph type="subTitle" idx="1"/>
           </p:nvPr>
         </p:nvSpPr>
         <p:spPr>
@@ -7748,12 +7892,12 @@
           </a:prstGeom>
         </p:spPr>
         <p:txBody>
-          <a:bodyPr anchorCtr="0" anchor="t" bIns="91425" lIns="91425" spcFirstLastPara="1" rIns="91425" wrap="square" tIns="91425">
+          <a:bodyPr spcFirstLastPara="1" wrap="square" lIns="91425" tIns="91425" rIns="91425" bIns="91425" anchor="t" anchorCtr="0">
             <a:noAutofit/>
           </a:bodyPr>
           <a:lstStyle/>
           <a:p>
-            <a:pPr indent="0" lvl="0" marL="0" rtl="0" algn="ctr">
+            <a:pPr marL="0" lvl="0" indent="0" algn="ctr" rtl="0">
               <a:spcBef>
                 <a:spcPts val="0"/>
               </a:spcBef>
@@ -7779,11 +7923,11 @@
 </file>
 
 <file path=ppt/slides/slide10.xml><?xml version="1.0" encoding="utf-8"?>
-<p:sld xmlns:a="http://schemas.openxmlformats.org/drawingml/2006/main" xmlns:r="http://schemas.openxmlformats.org/officeDocument/2006/relationships" xmlns:mc="http://schemas.openxmlformats.org/markup-compatibility/2006" xmlns:mv="urn:schemas-microsoft-com:mac:vml" xmlns:p="http://schemas.openxmlformats.org/presentationml/2006/main" xmlns:c="http://schemas.openxmlformats.org/drawingml/2006/chart" xmlns:dgm="http://schemas.openxmlformats.org/drawingml/2006/diagram" xmlns:o="urn:schemas-microsoft-com:office:office" xmlns:v="urn:schemas-microsoft-com:vml" xmlns:pvml="urn:schemas-microsoft-com:office:powerpoint" xmlns:com="http://schemas.openxmlformats.org/drawingml/2006/compatibility" xmlns:p14="http://schemas.microsoft.com/office/powerpoint/2010/main" xmlns:p15="http://schemas.microsoft.com/office/powerpoint/2012/main" xmlns:ahyp="http://schemas.microsoft.com/office/drawing/2018/hyperlinkcolor">
+<p:sld xmlns:a="http://schemas.openxmlformats.org/drawingml/2006/main" xmlns:r="http://schemas.openxmlformats.org/officeDocument/2006/relationships" xmlns:p="http://schemas.openxmlformats.org/presentationml/2006/main">
   <p:cSld>
     <p:spTree>
       <p:nvGrpSpPr>
-        <p:cNvPr id="121" name="Shape 121"/>
+        <p:cNvPr id="1" name="Shape 121"/>
         <p:cNvGrpSpPr/>
         <p:nvPr/>
       </p:nvGrpSpPr>
@@ -7798,7 +7942,9 @@
       <p:sp>
         <p:nvSpPr>
           <p:cNvPr id="122" name="Google Shape;122;p22"/>
-          <p:cNvSpPr txBox="1"/>
+          <p:cNvSpPr txBox="1">
+            <a:spLocks noGrp="1"/>
+          </p:cNvSpPr>
           <p:nvPr>
             <p:ph type="title"/>
           </p:nvPr>
@@ -7813,12 +7959,12 @@
           </a:prstGeom>
         </p:spPr>
         <p:txBody>
-          <a:bodyPr anchorCtr="0" anchor="t" bIns="91425" lIns="91425" spcFirstLastPara="1" rIns="91425" wrap="square" tIns="91425">
+          <a:bodyPr spcFirstLastPara="1" wrap="square" lIns="91425" tIns="91425" rIns="91425" bIns="91425" anchor="t" anchorCtr="0">
             <a:noAutofit/>
           </a:bodyPr>
           <a:lstStyle/>
           <a:p>
-            <a:pPr indent="0" lvl="0" marL="0" rtl="0" algn="l">
+            <a:pPr marL="0" lvl="0" indent="0" algn="l" rtl="0">
               <a:spcBef>
                 <a:spcPts val="0"/>
               </a:spcBef>
@@ -7838,9 +7984,11 @@
       <p:sp>
         <p:nvSpPr>
           <p:cNvPr id="123" name="Google Shape;123;p22"/>
-          <p:cNvSpPr txBox="1"/>
+          <p:cNvSpPr txBox="1">
+            <a:spLocks noGrp="1"/>
+          </p:cNvSpPr>
           <p:nvPr>
-            <p:ph idx="1" type="body"/>
+            <p:ph type="body" idx="1"/>
           </p:nvPr>
         </p:nvSpPr>
         <p:spPr>
@@ -7853,12 +8001,12 @@
           </a:prstGeom>
         </p:spPr>
         <p:txBody>
-          <a:bodyPr anchorCtr="0" anchor="t" bIns="91425" lIns="91425" spcFirstLastPara="1" rIns="91425" wrap="square" tIns="91425">
+          <a:bodyPr spcFirstLastPara="1" wrap="square" lIns="91425" tIns="91425" rIns="91425" bIns="91425" anchor="t" anchorCtr="0">
             <a:noAutofit/>
           </a:bodyPr>
           <a:lstStyle/>
           <a:p>
-            <a:pPr indent="-342900" lvl="0" marL="457200" rtl="0" algn="l">
+            <a:pPr marL="457200" lvl="0" indent="-342900" algn="l" rtl="0">
               <a:spcBef>
                 <a:spcPts val="0"/>
               </a:spcBef>
@@ -7875,7 +8023,7 @@
             <a:endParaRPr/>
           </a:p>
           <a:p>
-            <a:pPr indent="-342900" lvl="0" marL="457200" rtl="0" algn="l">
+            <a:pPr marL="457200" lvl="0" indent="-342900" algn="l" rtl="0">
               <a:spcBef>
                 <a:spcPts val="0"/>
               </a:spcBef>
@@ -7892,7 +8040,7 @@
             <a:endParaRPr/>
           </a:p>
           <a:p>
-            <a:pPr indent="-342900" lvl="0" marL="457200" rtl="0" algn="l">
+            <a:pPr marL="457200" lvl="0" indent="-342900" algn="l" rtl="0">
               <a:spcBef>
                 <a:spcPts val="0"/>
               </a:spcBef>
@@ -7909,7 +8057,7 @@
             <a:endParaRPr/>
           </a:p>
           <a:p>
-            <a:pPr indent="-342900" lvl="0" marL="457200" rtl="0" algn="l">
+            <a:pPr marL="457200" lvl="0" indent="-342900" algn="l" rtl="0">
               <a:spcBef>
                 <a:spcPts val="0"/>
               </a:spcBef>
@@ -7936,11 +8084,11 @@
 </file>
 
 <file path=ppt/slides/slide11.xml><?xml version="1.0" encoding="utf-8"?>
-<p:sld xmlns:a="http://schemas.openxmlformats.org/drawingml/2006/main" xmlns:r="http://schemas.openxmlformats.org/officeDocument/2006/relationships" xmlns:mc="http://schemas.openxmlformats.org/markup-compatibility/2006" xmlns:mv="urn:schemas-microsoft-com:mac:vml" xmlns:p="http://schemas.openxmlformats.org/presentationml/2006/main" xmlns:c="http://schemas.openxmlformats.org/drawingml/2006/chart" xmlns:dgm="http://schemas.openxmlformats.org/drawingml/2006/diagram" xmlns:o="urn:schemas-microsoft-com:office:office" xmlns:v="urn:schemas-microsoft-com:vml" xmlns:pvml="urn:schemas-microsoft-com:office:powerpoint" xmlns:com="http://schemas.openxmlformats.org/drawingml/2006/compatibility" xmlns:p14="http://schemas.microsoft.com/office/powerpoint/2010/main" xmlns:p15="http://schemas.microsoft.com/office/powerpoint/2012/main" xmlns:ahyp="http://schemas.microsoft.com/office/drawing/2018/hyperlinkcolor">
+<p:sld xmlns:a="http://schemas.openxmlformats.org/drawingml/2006/main" xmlns:r="http://schemas.openxmlformats.org/officeDocument/2006/relationships" xmlns:p="http://schemas.openxmlformats.org/presentationml/2006/main">
   <p:cSld>
     <p:spTree>
       <p:nvGrpSpPr>
-        <p:cNvPr id="127" name="Shape 127"/>
+        <p:cNvPr id="1" name="Shape 127"/>
         <p:cNvGrpSpPr/>
         <p:nvPr/>
       </p:nvGrpSpPr>
@@ -7955,7 +8103,9 @@
       <p:sp>
         <p:nvSpPr>
           <p:cNvPr id="128" name="Google Shape;128;p23"/>
-          <p:cNvSpPr txBox="1"/>
+          <p:cNvSpPr txBox="1">
+            <a:spLocks noGrp="1"/>
+          </p:cNvSpPr>
           <p:nvPr>
             <p:ph type="title"/>
           </p:nvPr>
@@ -7970,12 +8120,12 @@
           </a:prstGeom>
         </p:spPr>
         <p:txBody>
-          <a:bodyPr anchorCtr="0" anchor="t" bIns="91425" lIns="91425" spcFirstLastPara="1" rIns="91425" wrap="square" tIns="91425">
+          <a:bodyPr spcFirstLastPara="1" wrap="square" lIns="91425" tIns="91425" rIns="91425" bIns="91425" anchor="t" anchorCtr="0">
             <a:noAutofit/>
           </a:bodyPr>
           <a:lstStyle/>
           <a:p>
-            <a:pPr indent="0" lvl="0" marL="0" rtl="0" algn="l">
+            <a:pPr marL="0" lvl="0" indent="0" algn="l" rtl="0">
               <a:spcBef>
                 <a:spcPts val="0"/>
               </a:spcBef>
@@ -7995,9 +8145,11 @@
       <p:sp>
         <p:nvSpPr>
           <p:cNvPr id="129" name="Google Shape;129;p23"/>
-          <p:cNvSpPr txBox="1"/>
+          <p:cNvSpPr txBox="1">
+            <a:spLocks noGrp="1"/>
+          </p:cNvSpPr>
           <p:nvPr>
-            <p:ph idx="1" type="body"/>
+            <p:ph type="body" idx="1"/>
           </p:nvPr>
         </p:nvSpPr>
         <p:spPr>
@@ -8010,12 +8162,12 @@
           </a:prstGeom>
         </p:spPr>
         <p:txBody>
-          <a:bodyPr anchorCtr="0" anchor="t" bIns="91425" lIns="91425" spcFirstLastPara="1" rIns="91425" wrap="square" tIns="91425">
+          <a:bodyPr spcFirstLastPara="1" wrap="square" lIns="91425" tIns="91425" rIns="91425" bIns="91425" anchor="t" anchorCtr="0">
             <a:noAutofit/>
           </a:bodyPr>
           <a:lstStyle/>
           <a:p>
-            <a:pPr indent="-342900" lvl="0" marL="457200" rtl="0" algn="l">
+            <a:pPr marL="457200" lvl="0" indent="-342900" algn="l" rtl="0">
               <a:spcBef>
                 <a:spcPts val="0"/>
               </a:spcBef>
@@ -8032,7 +8184,7 @@
             <a:endParaRPr/>
           </a:p>
           <a:p>
-            <a:pPr indent="-342900" lvl="0" marL="457200" rtl="0" algn="l">
+            <a:pPr marL="457200" lvl="0" indent="-342900" algn="l" rtl="0">
               <a:spcBef>
                 <a:spcPts val="0"/>
               </a:spcBef>
@@ -8059,11 +8211,11 @@
 </file>
 
 <file path=ppt/slides/slide12.xml><?xml version="1.0" encoding="utf-8"?>
-<p:sld xmlns:a="http://schemas.openxmlformats.org/drawingml/2006/main" xmlns:r="http://schemas.openxmlformats.org/officeDocument/2006/relationships" xmlns:mc="http://schemas.openxmlformats.org/markup-compatibility/2006" xmlns:mv="urn:schemas-microsoft-com:mac:vml" xmlns:p="http://schemas.openxmlformats.org/presentationml/2006/main" xmlns:c="http://schemas.openxmlformats.org/drawingml/2006/chart" xmlns:dgm="http://schemas.openxmlformats.org/drawingml/2006/diagram" xmlns:o="urn:schemas-microsoft-com:office:office" xmlns:v="urn:schemas-microsoft-com:vml" xmlns:pvml="urn:schemas-microsoft-com:office:powerpoint" xmlns:com="http://schemas.openxmlformats.org/drawingml/2006/compatibility" xmlns:p14="http://schemas.microsoft.com/office/powerpoint/2010/main" xmlns:p15="http://schemas.microsoft.com/office/powerpoint/2012/main" xmlns:ahyp="http://schemas.microsoft.com/office/drawing/2018/hyperlinkcolor">
+<p:sld xmlns:a="http://schemas.openxmlformats.org/drawingml/2006/main" xmlns:r="http://schemas.openxmlformats.org/officeDocument/2006/relationships" xmlns:p="http://schemas.openxmlformats.org/presentationml/2006/main">
   <p:cSld>
     <p:spTree>
       <p:nvGrpSpPr>
-        <p:cNvPr id="133" name="Shape 133"/>
+        <p:cNvPr id="1" name="Shape 133"/>
         <p:cNvGrpSpPr/>
         <p:nvPr/>
       </p:nvGrpSpPr>
@@ -8078,7 +8230,9 @@
       <p:sp>
         <p:nvSpPr>
           <p:cNvPr id="134" name="Google Shape;134;p24"/>
-          <p:cNvSpPr txBox="1"/>
+          <p:cNvSpPr txBox="1">
+            <a:spLocks noGrp="1"/>
+          </p:cNvSpPr>
           <p:nvPr>
             <p:ph type="title"/>
           </p:nvPr>
@@ -8093,12 +8247,12 @@
           </a:prstGeom>
         </p:spPr>
         <p:txBody>
-          <a:bodyPr anchorCtr="0" anchor="t" bIns="91425" lIns="91425" spcFirstLastPara="1" rIns="91425" wrap="square" tIns="91425">
+          <a:bodyPr spcFirstLastPara="1" wrap="square" lIns="91425" tIns="91425" rIns="91425" bIns="91425" anchor="t" anchorCtr="0">
             <a:noAutofit/>
           </a:bodyPr>
           <a:lstStyle/>
           <a:p>
-            <a:pPr indent="0" lvl="0" marL="0" rtl="0" algn="l">
+            <a:pPr marL="0" lvl="0" indent="0" algn="l" rtl="0">
               <a:spcBef>
                 <a:spcPts val="0"/>
               </a:spcBef>
@@ -8118,9 +8272,11 @@
       <p:sp>
         <p:nvSpPr>
           <p:cNvPr id="135" name="Google Shape;135;p24"/>
-          <p:cNvSpPr txBox="1"/>
+          <p:cNvSpPr txBox="1">
+            <a:spLocks noGrp="1"/>
+          </p:cNvSpPr>
           <p:nvPr>
-            <p:ph idx="1" type="body"/>
+            <p:ph type="body" idx="1"/>
           </p:nvPr>
         </p:nvSpPr>
         <p:spPr>
@@ -8133,12 +8289,12 @@
           </a:prstGeom>
         </p:spPr>
         <p:txBody>
-          <a:bodyPr anchorCtr="0" anchor="t" bIns="91425" lIns="91425" spcFirstLastPara="1" rIns="91425" wrap="square" tIns="91425">
+          <a:bodyPr spcFirstLastPara="1" wrap="square" lIns="91425" tIns="91425" rIns="91425" bIns="91425" anchor="t" anchorCtr="0">
             <a:noAutofit/>
           </a:bodyPr>
           <a:lstStyle/>
           <a:p>
-            <a:pPr indent="-342900" lvl="0" marL="457200" rtl="0" algn="l">
+            <a:pPr marL="457200" lvl="0" indent="-342900" algn="l" rtl="0">
               <a:spcBef>
                 <a:spcPts val="0"/>
               </a:spcBef>
@@ -8155,7 +8311,7 @@
             <a:endParaRPr/>
           </a:p>
           <a:p>
-            <a:pPr indent="-342900" lvl="0" marL="457200" rtl="0" algn="l">
+            <a:pPr marL="457200" lvl="0" indent="-342900" algn="l" rtl="0">
               <a:spcBef>
                 <a:spcPts val="0"/>
               </a:spcBef>
@@ -8182,11 +8338,11 @@
 </file>
 
 <file path=ppt/slides/slide2.xml><?xml version="1.0" encoding="utf-8"?>
-<p:sld xmlns:a="http://schemas.openxmlformats.org/drawingml/2006/main" xmlns:r="http://schemas.openxmlformats.org/officeDocument/2006/relationships" xmlns:mc="http://schemas.openxmlformats.org/markup-compatibility/2006" xmlns:mv="urn:schemas-microsoft-com:mac:vml" xmlns:p="http://schemas.openxmlformats.org/presentationml/2006/main" xmlns:c="http://schemas.openxmlformats.org/drawingml/2006/chart" xmlns:dgm="http://schemas.openxmlformats.org/drawingml/2006/diagram" xmlns:o="urn:schemas-microsoft-com:office:office" xmlns:v="urn:schemas-microsoft-com:vml" xmlns:pvml="urn:schemas-microsoft-com:office:powerpoint" xmlns:com="http://schemas.openxmlformats.org/drawingml/2006/compatibility" xmlns:p14="http://schemas.microsoft.com/office/powerpoint/2010/main" xmlns:p15="http://schemas.microsoft.com/office/powerpoint/2012/main" xmlns:ahyp="http://schemas.microsoft.com/office/drawing/2018/hyperlinkcolor">
+<p:sld xmlns:a="http://schemas.openxmlformats.org/drawingml/2006/main" xmlns:r="http://schemas.openxmlformats.org/officeDocument/2006/relationships" xmlns:p="http://schemas.openxmlformats.org/presentationml/2006/main">
   <p:cSld>
     <p:spTree>
       <p:nvGrpSpPr>
-        <p:cNvPr id="71" name="Shape 71"/>
+        <p:cNvPr id="1" name="Shape 71"/>
         <p:cNvGrpSpPr/>
         <p:nvPr/>
       </p:nvGrpSpPr>
@@ -8201,7 +8357,9 @@
       <p:sp>
         <p:nvSpPr>
           <p:cNvPr id="72" name="Google Shape;72;p14"/>
-          <p:cNvSpPr txBox="1"/>
+          <p:cNvSpPr txBox="1">
+            <a:spLocks noGrp="1"/>
+          </p:cNvSpPr>
           <p:nvPr>
             <p:ph type="title"/>
           </p:nvPr>
@@ -8216,12 +8374,12 @@
           </a:prstGeom>
         </p:spPr>
         <p:txBody>
-          <a:bodyPr anchorCtr="0" anchor="t" bIns="91425" lIns="91425" spcFirstLastPara="1" rIns="91425" wrap="square" tIns="91425">
+          <a:bodyPr spcFirstLastPara="1" wrap="square" lIns="91425" tIns="91425" rIns="91425" bIns="91425" anchor="t" anchorCtr="0">
             <a:noAutofit/>
           </a:bodyPr>
           <a:lstStyle/>
           <a:p>
-            <a:pPr indent="0" lvl="0" marL="0" rtl="0" algn="l">
+            <a:pPr marL="0" lvl="0" indent="0" algn="l" rtl="0">
               <a:spcBef>
                 <a:spcPts val="0"/>
               </a:spcBef>
@@ -8241,9 +8399,11 @@
       <p:sp>
         <p:nvSpPr>
           <p:cNvPr id="73" name="Google Shape;73;p14"/>
-          <p:cNvSpPr txBox="1"/>
+          <p:cNvSpPr txBox="1">
+            <a:spLocks noGrp="1"/>
+          </p:cNvSpPr>
           <p:nvPr>
-            <p:ph idx="1" type="body"/>
+            <p:ph type="body" idx="1"/>
           </p:nvPr>
         </p:nvSpPr>
         <p:spPr>
@@ -8256,12 +8416,12 @@
           </a:prstGeom>
         </p:spPr>
         <p:txBody>
-          <a:bodyPr anchorCtr="0" anchor="t" bIns="91425" lIns="91425" spcFirstLastPara="1" rIns="91425" wrap="square" tIns="91425">
+          <a:bodyPr spcFirstLastPara="1" wrap="square" lIns="91425" tIns="91425" rIns="91425" bIns="91425" anchor="t" anchorCtr="0">
             <a:noAutofit/>
           </a:bodyPr>
           <a:lstStyle/>
           <a:p>
-            <a:pPr indent="-342900" lvl="0" marL="457200" rtl="0" algn="l">
+            <a:pPr marL="457200" lvl="0" indent="-342900" algn="l" rtl="0">
               <a:spcBef>
                 <a:spcPts val="0"/>
               </a:spcBef>
@@ -8278,7 +8438,7 @@
             <a:endParaRPr/>
           </a:p>
           <a:p>
-            <a:pPr indent="-317500" lvl="1" marL="914400" rtl="0" algn="l">
+            <a:pPr marL="914400" lvl="1" indent="-317500" algn="l" rtl="0">
               <a:spcBef>
                 <a:spcPts val="0"/>
               </a:spcBef>
@@ -8305,11 +8465,11 @@
 </file>
 
 <file path=ppt/slides/slide3.xml><?xml version="1.0" encoding="utf-8"?>
-<p:sld xmlns:a="http://schemas.openxmlformats.org/drawingml/2006/main" xmlns:r="http://schemas.openxmlformats.org/officeDocument/2006/relationships" xmlns:mc="http://schemas.openxmlformats.org/markup-compatibility/2006" xmlns:mv="urn:schemas-microsoft-com:mac:vml" xmlns:p="http://schemas.openxmlformats.org/presentationml/2006/main" xmlns:c="http://schemas.openxmlformats.org/drawingml/2006/chart" xmlns:dgm="http://schemas.openxmlformats.org/drawingml/2006/diagram" xmlns:o="urn:schemas-microsoft-com:office:office" xmlns:v="urn:schemas-microsoft-com:vml" xmlns:pvml="urn:schemas-microsoft-com:office:powerpoint" xmlns:com="http://schemas.openxmlformats.org/drawingml/2006/compatibility" xmlns:p14="http://schemas.microsoft.com/office/powerpoint/2010/main" xmlns:p15="http://schemas.microsoft.com/office/powerpoint/2012/main" xmlns:ahyp="http://schemas.microsoft.com/office/drawing/2018/hyperlinkcolor">
+<p:sld xmlns:a="http://schemas.openxmlformats.org/drawingml/2006/main" xmlns:r="http://schemas.openxmlformats.org/officeDocument/2006/relationships" xmlns:p="http://schemas.openxmlformats.org/presentationml/2006/main">
   <p:cSld>
     <p:spTree>
       <p:nvGrpSpPr>
-        <p:cNvPr id="77" name="Shape 77"/>
+        <p:cNvPr id="1" name="Shape 77"/>
         <p:cNvGrpSpPr/>
         <p:nvPr/>
       </p:nvGrpSpPr>
@@ -8324,7 +8484,9 @@
       <p:sp>
         <p:nvSpPr>
           <p:cNvPr id="78" name="Google Shape;78;p15"/>
-          <p:cNvSpPr txBox="1"/>
+          <p:cNvSpPr txBox="1">
+            <a:spLocks noGrp="1"/>
+          </p:cNvSpPr>
           <p:nvPr>
             <p:ph type="title"/>
           </p:nvPr>
@@ -8339,12 +8501,12 @@
           </a:prstGeom>
         </p:spPr>
         <p:txBody>
-          <a:bodyPr anchorCtr="0" anchor="t" bIns="91425" lIns="91425" spcFirstLastPara="1" rIns="91425" wrap="square" tIns="91425">
+          <a:bodyPr spcFirstLastPara="1" wrap="square" lIns="91425" tIns="91425" rIns="91425" bIns="91425" anchor="t" anchorCtr="0">
             <a:noAutofit/>
           </a:bodyPr>
           <a:lstStyle/>
           <a:p>
-            <a:pPr indent="0" lvl="0" marL="0" rtl="0" algn="l">
+            <a:pPr marL="0" lvl="0" indent="0" algn="l" rtl="0">
               <a:spcBef>
                 <a:spcPts val="0"/>
               </a:spcBef>
@@ -8364,9 +8526,11 @@
       <p:sp>
         <p:nvSpPr>
           <p:cNvPr id="79" name="Google Shape;79;p15"/>
-          <p:cNvSpPr txBox="1"/>
+          <p:cNvSpPr txBox="1">
+            <a:spLocks noGrp="1"/>
+          </p:cNvSpPr>
           <p:nvPr>
-            <p:ph idx="1" type="body"/>
+            <p:ph type="body" idx="1"/>
           </p:nvPr>
         </p:nvSpPr>
         <p:spPr>
@@ -8379,12 +8543,12 @@
           </a:prstGeom>
         </p:spPr>
         <p:txBody>
-          <a:bodyPr anchorCtr="0" anchor="t" bIns="91425" lIns="91425" spcFirstLastPara="1" rIns="91425" wrap="square" tIns="91425">
+          <a:bodyPr spcFirstLastPara="1" wrap="square" lIns="91425" tIns="91425" rIns="91425" bIns="91425" anchor="t" anchorCtr="0">
             <a:noAutofit/>
           </a:bodyPr>
           <a:lstStyle/>
           <a:p>
-            <a:pPr indent="-342900" lvl="0" marL="457200" rtl="0" algn="l">
+            <a:pPr marL="457200" lvl="0" indent="-342900" algn="l" rtl="0">
               <a:spcBef>
                 <a:spcPts val="0"/>
               </a:spcBef>
@@ -8401,7 +8565,7 @@
             <a:endParaRPr/>
           </a:p>
           <a:p>
-            <a:pPr indent="-317500" lvl="1" marL="914400" rtl="0" algn="l">
+            <a:pPr marL="914400" lvl="1" indent="-317500" algn="l" rtl="0">
               <a:spcBef>
                 <a:spcPts val="0"/>
               </a:spcBef>
@@ -8428,11 +8592,11 @@
 </file>
 
 <file path=ppt/slides/slide4.xml><?xml version="1.0" encoding="utf-8"?>
-<p:sld xmlns:a="http://schemas.openxmlformats.org/drawingml/2006/main" xmlns:r="http://schemas.openxmlformats.org/officeDocument/2006/relationships" xmlns:mc="http://schemas.openxmlformats.org/markup-compatibility/2006" xmlns:mv="urn:schemas-microsoft-com:mac:vml" xmlns:p="http://schemas.openxmlformats.org/presentationml/2006/main" xmlns:c="http://schemas.openxmlformats.org/drawingml/2006/chart" xmlns:dgm="http://schemas.openxmlformats.org/drawingml/2006/diagram" xmlns:o="urn:schemas-microsoft-com:office:office" xmlns:v="urn:schemas-microsoft-com:vml" xmlns:pvml="urn:schemas-microsoft-com:office:powerpoint" xmlns:com="http://schemas.openxmlformats.org/drawingml/2006/compatibility" xmlns:p14="http://schemas.microsoft.com/office/powerpoint/2010/main" xmlns:p15="http://schemas.microsoft.com/office/powerpoint/2012/main" xmlns:ahyp="http://schemas.microsoft.com/office/drawing/2018/hyperlinkcolor">
+<p:sld xmlns:a="http://schemas.openxmlformats.org/drawingml/2006/main" xmlns:r="http://schemas.openxmlformats.org/officeDocument/2006/relationships" xmlns:p="http://schemas.openxmlformats.org/presentationml/2006/main">
   <p:cSld>
     <p:spTree>
       <p:nvGrpSpPr>
-        <p:cNvPr id="83" name="Shape 83"/>
+        <p:cNvPr id="1" name="Shape 83"/>
         <p:cNvGrpSpPr/>
         <p:nvPr/>
       </p:nvGrpSpPr>
@@ -8447,7 +8611,9 @@
       <p:sp>
         <p:nvSpPr>
           <p:cNvPr id="84" name="Google Shape;84;p16"/>
-          <p:cNvSpPr txBox="1"/>
+          <p:cNvSpPr txBox="1">
+            <a:spLocks noGrp="1"/>
+          </p:cNvSpPr>
           <p:nvPr>
             <p:ph type="title"/>
           </p:nvPr>
@@ -8462,12 +8628,12 @@
           </a:prstGeom>
         </p:spPr>
         <p:txBody>
-          <a:bodyPr anchorCtr="0" anchor="t" bIns="91425" lIns="91425" spcFirstLastPara="1" rIns="91425" wrap="square" tIns="91425">
+          <a:bodyPr spcFirstLastPara="1" wrap="square" lIns="91425" tIns="91425" rIns="91425" bIns="91425" anchor="t" anchorCtr="0">
             <a:noAutofit/>
           </a:bodyPr>
           <a:lstStyle/>
           <a:p>
-            <a:pPr indent="0" lvl="0" marL="0" rtl="0" algn="l">
+            <a:pPr marL="0" lvl="0" indent="0" algn="l" rtl="0">
               <a:spcBef>
                 <a:spcPts val="0"/>
               </a:spcBef>
@@ -8487,9 +8653,11 @@
       <p:sp>
         <p:nvSpPr>
           <p:cNvPr id="85" name="Google Shape;85;p16"/>
-          <p:cNvSpPr txBox="1"/>
+          <p:cNvSpPr txBox="1">
+            <a:spLocks noGrp="1"/>
+          </p:cNvSpPr>
           <p:nvPr>
-            <p:ph idx="1" type="body"/>
+            <p:ph type="body" idx="1"/>
           </p:nvPr>
         </p:nvSpPr>
         <p:spPr>
@@ -8502,12 +8670,12 @@
           </a:prstGeom>
         </p:spPr>
         <p:txBody>
-          <a:bodyPr anchorCtr="0" anchor="t" bIns="91425" lIns="91425" spcFirstLastPara="1" rIns="91425" wrap="square" tIns="91425">
+          <a:bodyPr spcFirstLastPara="1" wrap="square" lIns="91425" tIns="91425" rIns="91425" bIns="91425" anchor="t" anchorCtr="0">
             <a:noAutofit/>
           </a:bodyPr>
           <a:lstStyle/>
           <a:p>
-            <a:pPr indent="-342900" lvl="0" marL="457200" rtl="0" algn="l">
+            <a:pPr marL="457200" lvl="0" indent="-342900" algn="l" rtl="0">
               <a:spcBef>
                 <a:spcPts val="0"/>
               </a:spcBef>
@@ -8524,7 +8692,7 @@
             <a:endParaRPr/>
           </a:p>
           <a:p>
-            <a:pPr indent="-317500" lvl="1" marL="914400" rtl="0" algn="l">
+            <a:pPr marL="914400" lvl="1" indent="-317500" algn="l" rtl="0">
               <a:spcBef>
                 <a:spcPts val="0"/>
               </a:spcBef>
@@ -8541,7 +8709,7 @@
             <a:endParaRPr/>
           </a:p>
           <a:p>
-            <a:pPr indent="-342900" lvl="0" marL="457200" rtl="0" algn="l">
+            <a:pPr marL="457200" lvl="0" indent="-342900" algn="l" rtl="0">
               <a:spcBef>
                 <a:spcPts val="0"/>
               </a:spcBef>
@@ -8568,11 +8736,11 @@
 </file>
 
 <file path=ppt/slides/slide5.xml><?xml version="1.0" encoding="utf-8"?>
-<p:sld xmlns:a="http://schemas.openxmlformats.org/drawingml/2006/main" xmlns:r="http://schemas.openxmlformats.org/officeDocument/2006/relationships" xmlns:mc="http://schemas.openxmlformats.org/markup-compatibility/2006" xmlns:mv="urn:schemas-microsoft-com:mac:vml" xmlns:p="http://schemas.openxmlformats.org/presentationml/2006/main" xmlns:c="http://schemas.openxmlformats.org/drawingml/2006/chart" xmlns:dgm="http://schemas.openxmlformats.org/drawingml/2006/diagram" xmlns:o="urn:schemas-microsoft-com:office:office" xmlns:v="urn:schemas-microsoft-com:vml" xmlns:pvml="urn:schemas-microsoft-com:office:powerpoint" xmlns:com="http://schemas.openxmlformats.org/drawingml/2006/compatibility" xmlns:p14="http://schemas.microsoft.com/office/powerpoint/2010/main" xmlns:p15="http://schemas.microsoft.com/office/powerpoint/2012/main" xmlns:ahyp="http://schemas.microsoft.com/office/drawing/2018/hyperlinkcolor">
+<p:sld xmlns:a="http://schemas.openxmlformats.org/drawingml/2006/main" xmlns:r="http://schemas.openxmlformats.org/officeDocument/2006/relationships" xmlns:p="http://schemas.openxmlformats.org/presentationml/2006/main">
   <p:cSld>
     <p:spTree>
       <p:nvGrpSpPr>
-        <p:cNvPr id="89" name="Shape 89"/>
+        <p:cNvPr id="1" name="Shape 89"/>
         <p:cNvGrpSpPr/>
         <p:nvPr/>
       </p:nvGrpSpPr>
@@ -8587,7 +8755,9 @@
       <p:sp>
         <p:nvSpPr>
           <p:cNvPr id="90" name="Google Shape;90;p17"/>
-          <p:cNvSpPr txBox="1"/>
+          <p:cNvSpPr txBox="1">
+            <a:spLocks noGrp="1"/>
+          </p:cNvSpPr>
           <p:nvPr>
             <p:ph type="title"/>
           </p:nvPr>
@@ -8602,12 +8772,12 @@
           </a:prstGeom>
         </p:spPr>
         <p:txBody>
-          <a:bodyPr anchorCtr="0" anchor="t" bIns="91425" lIns="91425" spcFirstLastPara="1" rIns="91425" wrap="square" tIns="91425">
+          <a:bodyPr spcFirstLastPara="1" wrap="square" lIns="91425" tIns="91425" rIns="91425" bIns="91425" anchor="t" anchorCtr="0">
             <a:noAutofit/>
           </a:bodyPr>
           <a:lstStyle/>
           <a:p>
-            <a:pPr indent="0" lvl="0" marL="0" rtl="0" algn="l">
+            <a:pPr marL="0" lvl="0" indent="0" algn="l" rtl="0">
               <a:spcBef>
                 <a:spcPts val="0"/>
               </a:spcBef>
@@ -8627,9 +8797,11 @@
       <p:sp>
         <p:nvSpPr>
           <p:cNvPr id="91" name="Google Shape;91;p17"/>
-          <p:cNvSpPr txBox="1"/>
+          <p:cNvSpPr txBox="1">
+            <a:spLocks noGrp="1"/>
+          </p:cNvSpPr>
           <p:nvPr>
-            <p:ph idx="1" type="body"/>
+            <p:ph type="body" idx="1"/>
           </p:nvPr>
         </p:nvSpPr>
         <p:spPr>
@@ -8642,12 +8814,12 @@
           </a:prstGeom>
         </p:spPr>
         <p:txBody>
-          <a:bodyPr anchorCtr="0" anchor="t" bIns="91425" lIns="91425" spcFirstLastPara="1" rIns="91425" wrap="square" tIns="91425">
+          <a:bodyPr spcFirstLastPara="1" wrap="square" lIns="91425" tIns="91425" rIns="91425" bIns="91425" anchor="t" anchorCtr="0">
             <a:noAutofit/>
           </a:bodyPr>
           <a:lstStyle/>
           <a:p>
-            <a:pPr indent="0" lvl="0" marL="0" rtl="0" algn="l">
+            <a:pPr marL="0" lvl="0" indent="0" algn="l" rtl="0">
               <a:spcBef>
                 <a:spcPts val="0"/>
               </a:spcBef>
@@ -8656,9 +8828,6 @@
               </a:spcAft>
               <a:buNone/>
             </a:pPr>
-            <a:r>
-              <a:t/>
-            </a:r>
             <a:endParaRPr/>
           </a:p>
         </p:txBody>
@@ -8700,11 +8869,11 @@
 </file>
 
 <file path=ppt/slides/slide6.xml><?xml version="1.0" encoding="utf-8"?>
-<p:sld xmlns:a="http://schemas.openxmlformats.org/drawingml/2006/main" xmlns:r="http://schemas.openxmlformats.org/officeDocument/2006/relationships" xmlns:mc="http://schemas.openxmlformats.org/markup-compatibility/2006" xmlns:mv="urn:schemas-microsoft-com:mac:vml" xmlns:p="http://schemas.openxmlformats.org/presentationml/2006/main" xmlns:c="http://schemas.openxmlformats.org/drawingml/2006/chart" xmlns:dgm="http://schemas.openxmlformats.org/drawingml/2006/diagram" xmlns:o="urn:schemas-microsoft-com:office:office" xmlns:v="urn:schemas-microsoft-com:vml" xmlns:pvml="urn:schemas-microsoft-com:office:powerpoint" xmlns:com="http://schemas.openxmlformats.org/drawingml/2006/compatibility" xmlns:p14="http://schemas.microsoft.com/office/powerpoint/2010/main" xmlns:p15="http://schemas.microsoft.com/office/powerpoint/2012/main" xmlns:ahyp="http://schemas.microsoft.com/office/drawing/2018/hyperlinkcolor">
+<p:sld xmlns:a="http://schemas.openxmlformats.org/drawingml/2006/main" xmlns:r="http://schemas.openxmlformats.org/officeDocument/2006/relationships" xmlns:p="http://schemas.openxmlformats.org/presentationml/2006/main">
   <p:cSld>
     <p:spTree>
       <p:nvGrpSpPr>
-        <p:cNvPr id="96" name="Shape 96"/>
+        <p:cNvPr id="1" name="Shape 96"/>
         <p:cNvGrpSpPr/>
         <p:nvPr/>
       </p:nvGrpSpPr>
@@ -8719,7 +8888,9 @@
       <p:sp>
         <p:nvSpPr>
           <p:cNvPr id="97" name="Google Shape;97;p18"/>
-          <p:cNvSpPr txBox="1"/>
+          <p:cNvSpPr txBox="1">
+            <a:spLocks noGrp="1"/>
+          </p:cNvSpPr>
           <p:nvPr>
             <p:ph type="title"/>
           </p:nvPr>
@@ -8734,12 +8905,12 @@
           </a:prstGeom>
         </p:spPr>
         <p:txBody>
-          <a:bodyPr anchorCtr="0" anchor="t" bIns="91425" lIns="91425" spcFirstLastPara="1" rIns="91425" wrap="square" tIns="91425">
+          <a:bodyPr spcFirstLastPara="1" wrap="square" lIns="91425" tIns="91425" rIns="91425" bIns="91425" anchor="t" anchorCtr="0">
             <a:noAutofit/>
           </a:bodyPr>
           <a:lstStyle/>
           <a:p>
-            <a:pPr indent="0" lvl="0" marL="0" rtl="0" algn="l">
+            <a:pPr marL="0" lvl="0" indent="0" algn="l" rtl="0">
               <a:spcBef>
                 <a:spcPts val="0"/>
               </a:spcBef>
@@ -8793,11 +8964,11 @@
 </file>
 
 <file path=ppt/slides/slide7.xml><?xml version="1.0" encoding="utf-8"?>
-<p:sld xmlns:a="http://schemas.openxmlformats.org/drawingml/2006/main" xmlns:r="http://schemas.openxmlformats.org/officeDocument/2006/relationships" xmlns:mc="http://schemas.openxmlformats.org/markup-compatibility/2006" xmlns:mv="urn:schemas-microsoft-com:mac:vml" xmlns:p="http://schemas.openxmlformats.org/presentationml/2006/main" xmlns:c="http://schemas.openxmlformats.org/drawingml/2006/chart" xmlns:dgm="http://schemas.openxmlformats.org/drawingml/2006/diagram" xmlns:o="urn:schemas-microsoft-com:office:office" xmlns:v="urn:schemas-microsoft-com:vml" xmlns:pvml="urn:schemas-microsoft-com:office:powerpoint" xmlns:com="http://schemas.openxmlformats.org/drawingml/2006/compatibility" xmlns:p14="http://schemas.microsoft.com/office/powerpoint/2010/main" xmlns:p15="http://schemas.microsoft.com/office/powerpoint/2012/main" xmlns:ahyp="http://schemas.microsoft.com/office/drawing/2018/hyperlinkcolor">
+<p:sld xmlns:a="http://schemas.openxmlformats.org/drawingml/2006/main" xmlns:r="http://schemas.openxmlformats.org/officeDocument/2006/relationships" xmlns:p="http://schemas.openxmlformats.org/presentationml/2006/main">
   <p:cSld>
     <p:spTree>
       <p:nvGrpSpPr>
-        <p:cNvPr id="102" name="Shape 102"/>
+        <p:cNvPr id="1" name="Shape 102"/>
         <p:cNvGrpSpPr/>
         <p:nvPr/>
       </p:nvGrpSpPr>
@@ -8812,7 +8983,9 @@
       <p:sp>
         <p:nvSpPr>
           <p:cNvPr id="103" name="Google Shape;103;p19"/>
-          <p:cNvSpPr txBox="1"/>
+          <p:cNvSpPr txBox="1">
+            <a:spLocks noGrp="1"/>
+          </p:cNvSpPr>
           <p:nvPr>
             <p:ph type="title"/>
           </p:nvPr>
@@ -8827,12 +9000,12 @@
           </a:prstGeom>
         </p:spPr>
         <p:txBody>
-          <a:bodyPr anchorCtr="0" anchor="t" bIns="91425" lIns="91425" spcFirstLastPara="1" rIns="91425" wrap="square" tIns="91425">
+          <a:bodyPr spcFirstLastPara="1" wrap="square" lIns="91425" tIns="91425" rIns="91425" bIns="91425" anchor="t" anchorCtr="0">
             <a:noAutofit/>
           </a:bodyPr>
           <a:lstStyle/>
           <a:p>
-            <a:pPr indent="0" lvl="0" marL="0" rtl="0" algn="l">
+            <a:pPr marL="0" lvl="0" indent="0" algn="l" rtl="0">
               <a:spcBef>
                 <a:spcPts val="0"/>
               </a:spcBef>
@@ -8852,9 +9025,11 @@
       <p:sp>
         <p:nvSpPr>
           <p:cNvPr id="104" name="Google Shape;104;p19"/>
-          <p:cNvSpPr txBox="1"/>
+          <p:cNvSpPr txBox="1">
+            <a:spLocks noGrp="1"/>
+          </p:cNvSpPr>
           <p:nvPr>
-            <p:ph idx="1" type="body"/>
+            <p:ph type="body" idx="1"/>
           </p:nvPr>
         </p:nvSpPr>
         <p:spPr>
@@ -8867,12 +9042,12 @@
           </a:prstGeom>
         </p:spPr>
         <p:txBody>
-          <a:bodyPr anchorCtr="0" anchor="t" bIns="91425" lIns="91425" spcFirstLastPara="1" rIns="91425" wrap="square" tIns="91425">
+          <a:bodyPr spcFirstLastPara="1" wrap="square" lIns="91425" tIns="91425" rIns="91425" bIns="91425" anchor="t" anchorCtr="0">
             <a:noAutofit/>
           </a:bodyPr>
           <a:lstStyle/>
           <a:p>
-            <a:pPr indent="-342900" lvl="0" marL="457200" rtl="0" algn="l">
+            <a:pPr marL="457200" lvl="0" indent="-342900" algn="l" rtl="0">
               <a:spcBef>
                 <a:spcPts val="0"/>
               </a:spcBef>
@@ -8889,7 +9064,7 @@
             <a:endParaRPr/>
           </a:p>
           <a:p>
-            <a:pPr indent="-317500" lvl="1" marL="914400" rtl="0" algn="l">
+            <a:pPr marL="914400" lvl="1" indent="-317500" algn="l" rtl="0">
               <a:spcBef>
                 <a:spcPts val="0"/>
               </a:spcBef>
@@ -8906,7 +9081,7 @@
             <a:endParaRPr/>
           </a:p>
           <a:p>
-            <a:pPr indent="-342900" lvl="0" marL="457200" rtl="0" algn="l">
+            <a:pPr marL="457200" lvl="0" indent="-342900" algn="l" rtl="0">
               <a:spcBef>
                 <a:spcPts val="0"/>
               </a:spcBef>
@@ -8933,11 +9108,11 @@
 </file>
 
 <file path=ppt/slides/slide8.xml><?xml version="1.0" encoding="utf-8"?>
-<p:sld xmlns:a="http://schemas.openxmlformats.org/drawingml/2006/main" xmlns:r="http://schemas.openxmlformats.org/officeDocument/2006/relationships" xmlns:mc="http://schemas.openxmlformats.org/markup-compatibility/2006" xmlns:mv="urn:schemas-microsoft-com:mac:vml" xmlns:p="http://schemas.openxmlformats.org/presentationml/2006/main" xmlns:c="http://schemas.openxmlformats.org/drawingml/2006/chart" xmlns:dgm="http://schemas.openxmlformats.org/drawingml/2006/diagram" xmlns:o="urn:schemas-microsoft-com:office:office" xmlns:v="urn:schemas-microsoft-com:vml" xmlns:pvml="urn:schemas-microsoft-com:office:powerpoint" xmlns:com="http://schemas.openxmlformats.org/drawingml/2006/compatibility" xmlns:p14="http://schemas.microsoft.com/office/powerpoint/2010/main" xmlns:p15="http://schemas.microsoft.com/office/powerpoint/2012/main" xmlns:ahyp="http://schemas.microsoft.com/office/drawing/2018/hyperlinkcolor">
+<p:sld xmlns:a="http://schemas.openxmlformats.org/drawingml/2006/main" xmlns:r="http://schemas.openxmlformats.org/officeDocument/2006/relationships" xmlns:p="http://schemas.openxmlformats.org/presentationml/2006/main">
   <p:cSld>
     <p:spTree>
       <p:nvGrpSpPr>
-        <p:cNvPr id="108" name="Shape 108"/>
+        <p:cNvPr id="1" name="Shape 108"/>
         <p:cNvGrpSpPr/>
         <p:nvPr/>
       </p:nvGrpSpPr>
@@ -8952,7 +9127,9 @@
       <p:sp>
         <p:nvSpPr>
           <p:cNvPr id="109" name="Google Shape;109;p20"/>
-          <p:cNvSpPr txBox="1"/>
+          <p:cNvSpPr txBox="1">
+            <a:spLocks noGrp="1"/>
+          </p:cNvSpPr>
           <p:nvPr>
             <p:ph type="title"/>
           </p:nvPr>
@@ -8967,12 +9144,12 @@
           </a:prstGeom>
         </p:spPr>
         <p:txBody>
-          <a:bodyPr anchorCtr="0" anchor="t" bIns="91425" lIns="91425" spcFirstLastPara="1" rIns="91425" wrap="square" tIns="91425">
+          <a:bodyPr spcFirstLastPara="1" wrap="square" lIns="91425" tIns="91425" rIns="91425" bIns="91425" anchor="t" anchorCtr="0">
             <a:noAutofit/>
           </a:bodyPr>
           <a:lstStyle/>
           <a:p>
-            <a:pPr indent="0" lvl="0" marL="0" rtl="0" algn="l">
+            <a:pPr marL="0" lvl="0" indent="0" algn="l" rtl="0">
               <a:spcBef>
                 <a:spcPts val="0"/>
               </a:spcBef>
@@ -8992,9 +9169,11 @@
       <p:sp>
         <p:nvSpPr>
           <p:cNvPr id="110" name="Google Shape;110;p20"/>
-          <p:cNvSpPr txBox="1"/>
+          <p:cNvSpPr txBox="1">
+            <a:spLocks noGrp="1"/>
+          </p:cNvSpPr>
           <p:nvPr>
-            <p:ph idx="1" type="body"/>
+            <p:ph type="body" idx="1"/>
           </p:nvPr>
         </p:nvSpPr>
         <p:spPr>
@@ -9007,12 +9186,12 @@
           </a:prstGeom>
         </p:spPr>
         <p:txBody>
-          <a:bodyPr anchorCtr="0" anchor="t" bIns="91425" lIns="91425" spcFirstLastPara="1" rIns="91425" wrap="square" tIns="91425">
+          <a:bodyPr spcFirstLastPara="1" wrap="square" lIns="91425" tIns="91425" rIns="91425" bIns="91425" anchor="t" anchorCtr="0">
             <a:noAutofit/>
           </a:bodyPr>
           <a:lstStyle/>
           <a:p>
-            <a:pPr indent="-342900" lvl="0" marL="457200" marR="0" rtl="0" algn="l">
+            <a:pPr marL="457200" marR="0" lvl="0" indent="-342900" algn="l" rtl="0">
               <a:lnSpc>
                 <a:spcPct val="115000"/>
               </a:lnSpc>
@@ -9032,7 +9211,7 @@
             <a:endParaRPr/>
           </a:p>
           <a:p>
-            <a:pPr indent="-317500" lvl="1" marL="914400" marR="0" rtl="0" algn="l">
+            <a:pPr marL="914400" marR="0" lvl="1" indent="-317500" algn="l" rtl="0">
               <a:lnSpc>
                 <a:spcPct val="115000"/>
               </a:lnSpc>
@@ -9062,11 +9241,11 @@
 </file>
 
 <file path=ppt/slides/slide9.xml><?xml version="1.0" encoding="utf-8"?>
-<p:sld xmlns:a="http://schemas.openxmlformats.org/drawingml/2006/main" xmlns:r="http://schemas.openxmlformats.org/officeDocument/2006/relationships" xmlns:mc="http://schemas.openxmlformats.org/markup-compatibility/2006" xmlns:mv="urn:schemas-microsoft-com:mac:vml" xmlns:p="http://schemas.openxmlformats.org/presentationml/2006/main" xmlns:c="http://schemas.openxmlformats.org/drawingml/2006/chart" xmlns:dgm="http://schemas.openxmlformats.org/drawingml/2006/diagram" xmlns:o="urn:schemas-microsoft-com:office:office" xmlns:v="urn:schemas-microsoft-com:vml" xmlns:pvml="urn:schemas-microsoft-com:office:powerpoint" xmlns:com="http://schemas.openxmlformats.org/drawingml/2006/compatibility" xmlns:p14="http://schemas.microsoft.com/office/powerpoint/2010/main" xmlns:p15="http://schemas.microsoft.com/office/powerpoint/2012/main" xmlns:ahyp="http://schemas.microsoft.com/office/drawing/2018/hyperlinkcolor">
+<p:sld xmlns:a="http://schemas.openxmlformats.org/drawingml/2006/main" xmlns:r="http://schemas.openxmlformats.org/officeDocument/2006/relationships" xmlns:p="http://schemas.openxmlformats.org/presentationml/2006/main">
   <p:cSld>
     <p:spTree>
       <p:nvGrpSpPr>
-        <p:cNvPr id="114" name="Shape 114"/>
+        <p:cNvPr id="1" name="Shape 114"/>
         <p:cNvGrpSpPr/>
         <p:nvPr/>
       </p:nvGrpSpPr>
@@ -9081,7 +9260,9 @@
       <p:sp>
         <p:nvSpPr>
           <p:cNvPr id="115" name="Google Shape;115;p21"/>
-          <p:cNvSpPr txBox="1"/>
+          <p:cNvSpPr txBox="1">
+            <a:spLocks noGrp="1"/>
+          </p:cNvSpPr>
           <p:nvPr>
             <p:ph type="title"/>
           </p:nvPr>
@@ -9096,12 +9277,12 @@
           </a:prstGeom>
         </p:spPr>
         <p:txBody>
-          <a:bodyPr anchorCtr="0" anchor="t" bIns="91425" lIns="91425" spcFirstLastPara="1" rIns="91425" wrap="square" tIns="91425">
+          <a:bodyPr spcFirstLastPara="1" wrap="square" lIns="91425" tIns="91425" rIns="91425" bIns="91425" anchor="t" anchorCtr="0">
             <a:noAutofit/>
           </a:bodyPr>
           <a:lstStyle/>
           <a:p>
-            <a:pPr indent="0" lvl="0" marL="0" rtl="0" algn="l">
+            <a:pPr marL="0" lvl="0" indent="0" algn="l" rtl="0">
               <a:spcBef>
                 <a:spcPts val="0"/>
               </a:spcBef>
@@ -9121,9 +9302,11 @@
       <p:sp>
         <p:nvSpPr>
           <p:cNvPr id="116" name="Google Shape;116;p21"/>
-          <p:cNvSpPr txBox="1"/>
+          <p:cNvSpPr txBox="1">
+            <a:spLocks noGrp="1"/>
+          </p:cNvSpPr>
           <p:nvPr>
-            <p:ph idx="1" type="body"/>
+            <p:ph type="body" idx="1"/>
           </p:nvPr>
         </p:nvSpPr>
         <p:spPr>
@@ -9136,12 +9319,12 @@
           </a:prstGeom>
         </p:spPr>
         <p:txBody>
-          <a:bodyPr anchorCtr="0" anchor="t" bIns="91425" lIns="91425" spcFirstLastPara="1" rIns="91425" wrap="square" tIns="91425">
+          <a:bodyPr spcFirstLastPara="1" wrap="square" lIns="91425" tIns="91425" rIns="91425" bIns="91425" anchor="t" anchorCtr="0">
             <a:noAutofit/>
           </a:bodyPr>
           <a:lstStyle/>
           <a:p>
-            <a:pPr indent="0" lvl="0" marL="0" rtl="0" algn="l">
+            <a:pPr marL="0" lvl="0" indent="0" algn="l" rtl="0">
               <a:spcBef>
                 <a:spcPts val="0"/>
               </a:spcBef>
@@ -9150,9 +9333,6 @@
               </a:spcAft>
               <a:buNone/>
             </a:pPr>
-            <a:r>
-              <a:t/>
-            </a:r>
             <a:endParaRPr/>
           </a:p>
         </p:txBody>
@@ -9194,7 +9374,288 @@
 </file>
 
 <file path=ppt/theme/theme1.xml><?xml version="1.0" encoding="utf-8"?>
-<a:theme xmlns:a="http://schemas.openxmlformats.org/drawingml/2006/main" xmlns:r="http://schemas.openxmlformats.org/officeDocument/2006/relationships">
+<a:theme xmlns:a="http://schemas.openxmlformats.org/drawingml/2006/main" name="Tropic">
+  <a:themeElements>
+    <a:clrScheme name="Tropic">
+      <a:dk1>
+        <a:srgbClr val="A1E8D9"/>
+      </a:dk1>
+      <a:lt1>
+        <a:srgbClr val="FFFFFF"/>
+      </a:lt1>
+      <a:dk2>
+        <a:srgbClr val="695D46"/>
+      </a:dk2>
+      <a:lt2>
+        <a:srgbClr val="B3A77D"/>
+      </a:lt2>
+      <a:accent1>
+        <a:srgbClr val="EF6C00"/>
+      </a:accent1>
+      <a:accent2>
+        <a:srgbClr val="009668"/>
+      </a:accent2>
+      <a:accent3>
+        <a:srgbClr val="4DB6AC"/>
+      </a:accent3>
+      <a:accent4>
+        <a:srgbClr val="FF9800"/>
+      </a:accent4>
+      <a:accent5>
+        <a:srgbClr val="CE93D8"/>
+      </a:accent5>
+      <a:accent6>
+        <a:srgbClr val="EEFF41"/>
+      </a:accent6>
+      <a:hlink>
+        <a:srgbClr val="CE93D8"/>
+      </a:hlink>
+      <a:folHlink>
+        <a:srgbClr val="CE93D8"/>
+      </a:folHlink>
+    </a:clrScheme>
+    <a:fontScheme name="Office">
+      <a:majorFont>
+        <a:latin typeface="Arial"/>
+        <a:ea typeface=""/>
+        <a:cs typeface=""/>
+        <a:font script="Jpan" typeface="ＭＳ Ｐゴシック"/>
+        <a:font script="Hang" typeface="맑은 고딕"/>
+        <a:font script="Hans" typeface="宋体"/>
+        <a:font script="Hant" typeface="新細明體"/>
+        <a:font script="Arab" typeface="Times New Roman"/>
+        <a:font script="Hebr" typeface="Times New Roman"/>
+        <a:font script="Thai" typeface="Angsana New"/>
+        <a:font script="Ethi" typeface="Nyala"/>
+        <a:font script="Beng" typeface="Vrinda"/>
+        <a:font script="Gujr" typeface="Shruti"/>
+        <a:font script="Khmr" typeface="MoolBoran"/>
+        <a:font script="Knda" typeface="Tunga"/>
+        <a:font script="Guru" typeface="Raavi"/>
+        <a:font script="Cans" typeface="Euphemia"/>
+        <a:font script="Cher" typeface="Plantagenet Cherokee"/>
+        <a:font script="Yiii" typeface="Microsoft Yi Baiti"/>
+        <a:font script="Tibt" typeface="Microsoft Himalaya"/>
+        <a:font script="Thaa" typeface="MV Boli"/>
+        <a:font script="Deva" typeface="Mangal"/>
+        <a:font script="Telu" typeface="Gautami"/>
+        <a:font script="Taml" typeface="Latha"/>
+        <a:font script="Syrc" typeface="Estrangelo Edessa"/>
+        <a:font script="Orya" typeface="Kalinga"/>
+        <a:font script="Mlym" typeface="Kartika"/>
+        <a:font script="Laoo" typeface="DokChampa"/>
+        <a:font script="Sinh" typeface="Iskoola Pota"/>
+        <a:font script="Mong" typeface="Mongolian Baiti"/>
+        <a:font script="Viet" typeface="Times New Roman"/>
+        <a:font script="Uigh" typeface="Microsoft Uighur"/>
+        <a:font script="Geor" typeface="Sylfaen"/>
+      </a:majorFont>
+      <a:minorFont>
+        <a:latin typeface="Arial"/>
+        <a:ea typeface=""/>
+        <a:cs typeface=""/>
+        <a:font script="Jpan" typeface="ＭＳ Ｐゴシック"/>
+        <a:font script="Hang" typeface="맑은 고딕"/>
+        <a:font script="Hans" typeface="宋体"/>
+        <a:font script="Hant" typeface="新細明體"/>
+        <a:font script="Arab" typeface="Arial"/>
+        <a:font script="Hebr" typeface="Arial"/>
+        <a:font script="Thai" typeface="Cordia New"/>
+        <a:font script="Ethi" typeface="Nyala"/>
+        <a:font script="Beng" typeface="Vrinda"/>
+        <a:font script="Gujr" typeface="Shruti"/>
+        <a:font script="Khmr" typeface="DaunPenh"/>
+        <a:font script="Knda" typeface="Tunga"/>
+        <a:font script="Guru" typeface="Raavi"/>
+        <a:font script="Cans" typeface="Euphemia"/>
+        <a:font script="Cher" typeface="Plantagenet Cherokee"/>
+        <a:font script="Yiii" typeface="Microsoft Yi Baiti"/>
+        <a:font script="Tibt" typeface="Microsoft Himalaya"/>
+        <a:font script="Thaa" typeface="MV Boli"/>
+        <a:font script="Deva" typeface="Mangal"/>
+        <a:font script="Telu" typeface="Gautami"/>
+        <a:font script="Taml" typeface="Latha"/>
+        <a:font script="Syrc" typeface="Estrangelo Edessa"/>
+        <a:font script="Orya" typeface="Kalinga"/>
+        <a:font script="Mlym" typeface="Kartika"/>
+        <a:font script="Laoo" typeface="DokChampa"/>
+        <a:font script="Sinh" typeface="Iskoola Pota"/>
+        <a:font script="Mong" typeface="Mongolian Baiti"/>
+        <a:font script="Viet" typeface="Arial"/>
+        <a:font script="Uigh" typeface="Microsoft Uighur"/>
+        <a:font script="Geor" typeface="Sylfaen"/>
+      </a:minorFont>
+    </a:fontScheme>
+    <a:fmtScheme name="Office">
+      <a:fillStyleLst>
+        <a:solidFill>
+          <a:schemeClr val="phClr"/>
+        </a:solidFill>
+        <a:gradFill rotWithShape="1">
+          <a:gsLst>
+            <a:gs pos="0">
+              <a:schemeClr val="phClr">
+                <a:tint val="50000"/>
+                <a:satMod val="300000"/>
+              </a:schemeClr>
+            </a:gs>
+            <a:gs pos="35000">
+              <a:schemeClr val="phClr">
+                <a:tint val="37000"/>
+                <a:satMod val="300000"/>
+              </a:schemeClr>
+            </a:gs>
+            <a:gs pos="100000">
+              <a:schemeClr val="phClr">
+                <a:tint val="15000"/>
+                <a:satMod val="350000"/>
+              </a:schemeClr>
+            </a:gs>
+          </a:gsLst>
+          <a:lin ang="16200000" scaled="1"/>
+        </a:gradFill>
+        <a:gradFill rotWithShape="1">
+          <a:gsLst>
+            <a:gs pos="0">
+              <a:schemeClr val="phClr">
+                <a:tint val="100000"/>
+                <a:shade val="100000"/>
+                <a:satMod val="130000"/>
+              </a:schemeClr>
+            </a:gs>
+            <a:gs pos="100000">
+              <a:schemeClr val="phClr">
+                <a:tint val="50000"/>
+                <a:shade val="100000"/>
+                <a:satMod val="350000"/>
+              </a:schemeClr>
+            </a:gs>
+          </a:gsLst>
+          <a:lin ang="16200000" scaled="0"/>
+        </a:gradFill>
+      </a:fillStyleLst>
+      <a:lnStyleLst>
+        <a:ln w="9525" cap="flat" cmpd="sng" algn="ctr">
+          <a:solidFill>
+            <a:schemeClr val="phClr">
+              <a:shade val="95000"/>
+              <a:satMod val="105000"/>
+            </a:schemeClr>
+          </a:solidFill>
+          <a:prstDash val="solid"/>
+        </a:ln>
+        <a:ln w="25400" cap="flat" cmpd="sng" algn="ctr">
+          <a:solidFill>
+            <a:schemeClr val="phClr"/>
+          </a:solidFill>
+          <a:prstDash val="solid"/>
+        </a:ln>
+        <a:ln w="38100" cap="flat" cmpd="sng" algn="ctr">
+          <a:solidFill>
+            <a:schemeClr val="phClr"/>
+          </a:solidFill>
+          <a:prstDash val="solid"/>
+        </a:ln>
+      </a:lnStyleLst>
+      <a:effectStyleLst>
+        <a:effectStyle>
+          <a:effectLst>
+            <a:outerShdw blurRad="40000" dist="20000" dir="5400000" rotWithShape="0">
+              <a:srgbClr val="000000">
+                <a:alpha val="38000"/>
+              </a:srgbClr>
+            </a:outerShdw>
+          </a:effectLst>
+        </a:effectStyle>
+        <a:effectStyle>
+          <a:effectLst>
+            <a:outerShdw blurRad="40000" dist="23000" dir="5400000" rotWithShape="0">
+              <a:srgbClr val="000000">
+                <a:alpha val="35000"/>
+              </a:srgbClr>
+            </a:outerShdw>
+          </a:effectLst>
+        </a:effectStyle>
+        <a:effectStyle>
+          <a:effectLst>
+            <a:outerShdw blurRad="40000" dist="23000" dir="5400000" rotWithShape="0">
+              <a:srgbClr val="000000">
+                <a:alpha val="35000"/>
+              </a:srgbClr>
+            </a:outerShdw>
+          </a:effectLst>
+          <a:scene3d>
+            <a:camera prst="orthographicFront">
+              <a:rot lat="0" lon="0" rev="0"/>
+            </a:camera>
+            <a:lightRig rig="threePt" dir="t">
+              <a:rot lat="0" lon="0" rev="1200000"/>
+            </a:lightRig>
+          </a:scene3d>
+          <a:sp3d>
+            <a:bevelT w="63500" h="25400"/>
+          </a:sp3d>
+        </a:effectStyle>
+      </a:effectStyleLst>
+      <a:bgFillStyleLst>
+        <a:solidFill>
+          <a:schemeClr val="phClr"/>
+        </a:solidFill>
+        <a:gradFill rotWithShape="1">
+          <a:gsLst>
+            <a:gs pos="0">
+              <a:schemeClr val="phClr">
+                <a:tint val="40000"/>
+                <a:satMod val="350000"/>
+              </a:schemeClr>
+            </a:gs>
+            <a:gs pos="40000">
+              <a:schemeClr val="phClr">
+                <a:tint val="45000"/>
+                <a:shade val="99000"/>
+                <a:satMod val="350000"/>
+              </a:schemeClr>
+            </a:gs>
+            <a:gs pos="100000">
+              <a:schemeClr val="phClr">
+                <a:shade val="20000"/>
+                <a:satMod val="255000"/>
+              </a:schemeClr>
+            </a:gs>
+          </a:gsLst>
+          <a:path path="circle">
+            <a:fillToRect l="50000" t="-80000" r="50000" b="180000"/>
+          </a:path>
+        </a:gradFill>
+        <a:gradFill rotWithShape="1">
+          <a:gsLst>
+            <a:gs pos="0">
+              <a:schemeClr val="phClr">
+                <a:tint val="80000"/>
+                <a:satMod val="300000"/>
+              </a:schemeClr>
+            </a:gs>
+            <a:gs pos="100000">
+              <a:schemeClr val="phClr">
+                <a:shade val="30000"/>
+                <a:satMod val="200000"/>
+              </a:schemeClr>
+            </a:gs>
+          </a:gsLst>
+          <a:path path="circle">
+            <a:fillToRect l="50000" t="50000" r="50000" b="50000"/>
+          </a:path>
+        </a:gradFill>
+      </a:bgFillStyleLst>
+    </a:fmtScheme>
+  </a:themeElements>
+  <a:objectDefaults/>
+  <a:extraClrSchemeLst/>
+</a:theme>
+</file>
+
+<file path=ppt/theme/theme2.xml><?xml version="1.0" encoding="utf-8"?>
+<a:theme xmlns:a="http://schemas.openxmlformats.org/drawingml/2006/main">
   <a:themeElements>
     <a:clrScheme name="Default">
       <a:dk1>
@@ -9469,284 +9930,7 @@
       </a:bgFillStyleLst>
     </a:fmtScheme>
   </a:themeElements>
-</a:theme>
-</file>
-
-<file path=ppt/theme/theme2.xml><?xml version="1.0" encoding="utf-8"?>
-<a:theme xmlns:a="http://schemas.openxmlformats.org/drawingml/2006/main" xmlns:r="http://schemas.openxmlformats.org/officeDocument/2006/relationships" name="Tropic">
-  <a:themeElements>
-    <a:clrScheme name="Tropic">
-      <a:dk1>
-        <a:srgbClr val="A1E8D9"/>
-      </a:dk1>
-      <a:lt1>
-        <a:srgbClr val="FFFFFF"/>
-      </a:lt1>
-      <a:dk2>
-        <a:srgbClr val="695D46"/>
-      </a:dk2>
-      <a:lt2>
-        <a:srgbClr val="B3A77D"/>
-      </a:lt2>
-      <a:accent1>
-        <a:srgbClr val="EF6C00"/>
-      </a:accent1>
-      <a:accent2>
-        <a:srgbClr val="009668"/>
-      </a:accent2>
-      <a:accent3>
-        <a:srgbClr val="4DB6AC"/>
-      </a:accent3>
-      <a:accent4>
-        <a:srgbClr val="FF9800"/>
-      </a:accent4>
-      <a:accent5>
-        <a:srgbClr val="CE93D8"/>
-      </a:accent5>
-      <a:accent6>
-        <a:srgbClr val="EEFF41"/>
-      </a:accent6>
-      <a:hlink>
-        <a:srgbClr val="CE93D8"/>
-      </a:hlink>
-      <a:folHlink>
-        <a:srgbClr val="CE93D8"/>
-      </a:folHlink>
-    </a:clrScheme>
-    <a:fontScheme name="Office">
-      <a:majorFont>
-        <a:latin typeface="Arial"/>
-        <a:ea typeface=""/>
-        <a:cs typeface=""/>
-        <a:font script="Jpan" typeface="ＭＳ Ｐゴシック"/>
-        <a:font script="Hang" typeface="맑은 고딕"/>
-        <a:font script="Hans" typeface="宋体"/>
-        <a:font script="Hant" typeface="新細明體"/>
-        <a:font script="Arab" typeface="Times New Roman"/>
-        <a:font script="Hebr" typeface="Times New Roman"/>
-        <a:font script="Thai" typeface="Angsana New"/>
-        <a:font script="Ethi" typeface="Nyala"/>
-        <a:font script="Beng" typeface="Vrinda"/>
-        <a:font script="Gujr" typeface="Shruti"/>
-        <a:font script="Khmr" typeface="MoolBoran"/>
-        <a:font script="Knda" typeface="Tunga"/>
-        <a:font script="Guru" typeface="Raavi"/>
-        <a:font script="Cans" typeface="Euphemia"/>
-        <a:font script="Cher" typeface="Plantagenet Cherokee"/>
-        <a:font script="Yiii" typeface="Microsoft Yi Baiti"/>
-        <a:font script="Tibt" typeface="Microsoft Himalaya"/>
-        <a:font script="Thaa" typeface="MV Boli"/>
-        <a:font script="Deva" typeface="Mangal"/>
-        <a:font script="Telu" typeface="Gautami"/>
-        <a:font script="Taml" typeface="Latha"/>
-        <a:font script="Syrc" typeface="Estrangelo Edessa"/>
-        <a:font script="Orya" typeface="Kalinga"/>
-        <a:font script="Mlym" typeface="Kartika"/>
-        <a:font script="Laoo" typeface="DokChampa"/>
-        <a:font script="Sinh" typeface="Iskoola Pota"/>
-        <a:font script="Mong" typeface="Mongolian Baiti"/>
-        <a:font script="Viet" typeface="Times New Roman"/>
-        <a:font script="Uigh" typeface="Microsoft Uighur"/>
-        <a:font script="Geor" typeface="Sylfaen"/>
-      </a:majorFont>
-      <a:minorFont>
-        <a:latin typeface="Arial"/>
-        <a:ea typeface=""/>
-        <a:cs typeface=""/>
-        <a:font script="Jpan" typeface="ＭＳ Ｐゴシック"/>
-        <a:font script="Hang" typeface="맑은 고딕"/>
-        <a:font script="Hans" typeface="宋体"/>
-        <a:font script="Hant" typeface="新細明體"/>
-        <a:font script="Arab" typeface="Arial"/>
-        <a:font script="Hebr" typeface="Arial"/>
-        <a:font script="Thai" typeface="Cordia New"/>
-        <a:font script="Ethi" typeface="Nyala"/>
-        <a:font script="Beng" typeface="Vrinda"/>
-        <a:font script="Gujr" typeface="Shruti"/>
-        <a:font script="Khmr" typeface="DaunPenh"/>
-        <a:font script="Knda" typeface="Tunga"/>
-        <a:font script="Guru" typeface="Raavi"/>
-        <a:font script="Cans" typeface="Euphemia"/>
-        <a:font script="Cher" typeface="Plantagenet Cherokee"/>
-        <a:font script="Yiii" typeface="Microsoft Yi Baiti"/>
-        <a:font script="Tibt" typeface="Microsoft Himalaya"/>
-        <a:font script="Thaa" typeface="MV Boli"/>
-        <a:font script="Deva" typeface="Mangal"/>
-        <a:font script="Telu" typeface="Gautami"/>
-        <a:font script="Taml" typeface="Latha"/>
-        <a:font script="Syrc" typeface="Estrangelo Edessa"/>
-        <a:font script="Orya" typeface="Kalinga"/>
-        <a:font script="Mlym" typeface="Kartika"/>
-        <a:font script="Laoo" typeface="DokChampa"/>
-        <a:font script="Sinh" typeface="Iskoola Pota"/>
-        <a:font script="Mong" typeface="Mongolian Baiti"/>
-        <a:font script="Viet" typeface="Arial"/>
-        <a:font script="Uigh" typeface="Microsoft Uighur"/>
-        <a:font script="Geor" typeface="Sylfaen"/>
-      </a:minorFont>
-    </a:fontScheme>
-    <a:fmtScheme name="Office">
-      <a:fillStyleLst>
-        <a:solidFill>
-          <a:schemeClr val="phClr"/>
-        </a:solidFill>
-        <a:gradFill rotWithShape="1">
-          <a:gsLst>
-            <a:gs pos="0">
-              <a:schemeClr val="phClr">
-                <a:tint val="50000"/>
-                <a:satMod val="300000"/>
-              </a:schemeClr>
-            </a:gs>
-            <a:gs pos="35000">
-              <a:schemeClr val="phClr">
-                <a:tint val="37000"/>
-                <a:satMod val="300000"/>
-              </a:schemeClr>
-            </a:gs>
-            <a:gs pos="100000">
-              <a:schemeClr val="phClr">
-                <a:tint val="15000"/>
-                <a:satMod val="350000"/>
-              </a:schemeClr>
-            </a:gs>
-          </a:gsLst>
-          <a:lin ang="16200000" scaled="1"/>
-        </a:gradFill>
-        <a:gradFill rotWithShape="1">
-          <a:gsLst>
-            <a:gs pos="0">
-              <a:schemeClr val="phClr">
-                <a:tint val="100000"/>
-                <a:shade val="100000"/>
-                <a:satMod val="130000"/>
-              </a:schemeClr>
-            </a:gs>
-            <a:gs pos="100000">
-              <a:schemeClr val="phClr">
-                <a:tint val="50000"/>
-                <a:shade val="100000"/>
-                <a:satMod val="350000"/>
-              </a:schemeClr>
-            </a:gs>
-          </a:gsLst>
-          <a:lin ang="16200000" scaled="0"/>
-        </a:gradFill>
-      </a:fillStyleLst>
-      <a:lnStyleLst>
-        <a:ln w="9525" cap="flat" cmpd="sng" algn="ctr">
-          <a:solidFill>
-            <a:schemeClr val="phClr">
-              <a:shade val="95000"/>
-              <a:satMod val="105000"/>
-            </a:schemeClr>
-          </a:solidFill>
-          <a:prstDash val="solid"/>
-        </a:ln>
-        <a:ln w="25400" cap="flat" cmpd="sng" algn="ctr">
-          <a:solidFill>
-            <a:schemeClr val="phClr"/>
-          </a:solidFill>
-          <a:prstDash val="solid"/>
-        </a:ln>
-        <a:ln w="38100" cap="flat" cmpd="sng" algn="ctr">
-          <a:solidFill>
-            <a:schemeClr val="phClr"/>
-          </a:solidFill>
-          <a:prstDash val="solid"/>
-        </a:ln>
-      </a:lnStyleLst>
-      <a:effectStyleLst>
-        <a:effectStyle>
-          <a:effectLst>
-            <a:outerShdw blurRad="40000" dist="20000" dir="5400000" rotWithShape="0">
-              <a:srgbClr val="000000">
-                <a:alpha val="38000"/>
-              </a:srgbClr>
-            </a:outerShdw>
-          </a:effectLst>
-        </a:effectStyle>
-        <a:effectStyle>
-          <a:effectLst>
-            <a:outerShdw blurRad="40000" dist="23000" dir="5400000" rotWithShape="0">
-              <a:srgbClr val="000000">
-                <a:alpha val="35000"/>
-              </a:srgbClr>
-            </a:outerShdw>
-          </a:effectLst>
-        </a:effectStyle>
-        <a:effectStyle>
-          <a:effectLst>
-            <a:outerShdw blurRad="40000" dist="23000" dir="5400000" rotWithShape="0">
-              <a:srgbClr val="000000">
-                <a:alpha val="35000"/>
-              </a:srgbClr>
-            </a:outerShdw>
-          </a:effectLst>
-          <a:scene3d>
-            <a:camera prst="orthographicFront">
-              <a:rot lat="0" lon="0" rev="0"/>
-            </a:camera>
-            <a:lightRig rig="threePt" dir="t">
-              <a:rot lat="0" lon="0" rev="1200000"/>
-            </a:lightRig>
-          </a:scene3d>
-          <a:sp3d>
-            <a:bevelT w="63500" h="25400"/>
-          </a:sp3d>
-        </a:effectStyle>
-      </a:effectStyleLst>
-      <a:bgFillStyleLst>
-        <a:solidFill>
-          <a:schemeClr val="phClr"/>
-        </a:solidFill>
-        <a:gradFill rotWithShape="1">
-          <a:gsLst>
-            <a:gs pos="0">
-              <a:schemeClr val="phClr">
-                <a:tint val="40000"/>
-                <a:satMod val="350000"/>
-              </a:schemeClr>
-            </a:gs>
-            <a:gs pos="40000">
-              <a:schemeClr val="phClr">
-                <a:tint val="45000"/>
-                <a:shade val="99000"/>
-                <a:satMod val="350000"/>
-              </a:schemeClr>
-            </a:gs>
-            <a:gs pos="100000">
-              <a:schemeClr val="phClr">
-                <a:shade val="20000"/>
-                <a:satMod val="255000"/>
-              </a:schemeClr>
-            </a:gs>
-          </a:gsLst>
-          <a:path path="circle">
-            <a:fillToRect l="50000" t="-80000" r="50000" b="180000"/>
-          </a:path>
-        </a:gradFill>
-        <a:gradFill rotWithShape="1">
-          <a:gsLst>
-            <a:gs pos="0">
-              <a:schemeClr val="phClr">
-                <a:tint val="80000"/>
-                <a:satMod val="300000"/>
-              </a:schemeClr>
-            </a:gs>
-            <a:gs pos="100000">
-              <a:schemeClr val="phClr">
-                <a:shade val="30000"/>
-                <a:satMod val="200000"/>
-              </a:schemeClr>
-            </a:gs>
-          </a:gsLst>
-          <a:path path="circle">
-            <a:fillToRect l="50000" t="50000" r="50000" b="50000"/>
-          </a:path>
-        </a:gradFill>
-      </a:bgFillStyleLst>
-    </a:fmtScheme>
-  </a:themeElements>
+  <a:objectDefaults/>
+  <a:extraClrSchemeLst/>
 </a:theme>
 </file>